--- a/slides/pyspark/introduction/4.5_what_is_an_RDD.pptx
+++ b/slides/pyspark/introduction/4.5_what_is_an_RDD.pptx
@@ -5,33 +5,34 @@
     <p:sldMasterId id="2147483658" r:id="rId1"/>
   </p:sldMasterIdLst>
   <p:notesMasterIdLst>
-    <p:notesMasterId r:id="rId26"/>
+    <p:notesMasterId r:id="rId27"/>
   </p:notesMasterIdLst>
   <p:sldIdLst>
     <p:sldId id="256" r:id="rId2"/>
     <p:sldId id="257" r:id="rId3"/>
-    <p:sldId id="277" r:id="rId4"/>
-    <p:sldId id="275" r:id="rId5"/>
-    <p:sldId id="274" r:id="rId6"/>
-    <p:sldId id="262" r:id="rId7"/>
-    <p:sldId id="263" r:id="rId8"/>
-    <p:sldId id="266" r:id="rId9"/>
-    <p:sldId id="278" r:id="rId10"/>
-    <p:sldId id="273" r:id="rId11"/>
-    <p:sldId id="279" r:id="rId12"/>
-    <p:sldId id="264" r:id="rId13"/>
-    <p:sldId id="265" r:id="rId14"/>
-    <p:sldId id="276" r:id="rId15"/>
-    <p:sldId id="267" r:id="rId16"/>
-    <p:sldId id="280" r:id="rId17"/>
-    <p:sldId id="281" r:id="rId18"/>
-    <p:sldId id="282" r:id="rId19"/>
-    <p:sldId id="270" r:id="rId20"/>
-    <p:sldId id="269" r:id="rId21"/>
-    <p:sldId id="268" r:id="rId22"/>
-    <p:sldId id="271" r:id="rId23"/>
-    <p:sldId id="272" r:id="rId24"/>
-    <p:sldId id="258" r:id="rId25"/>
+    <p:sldId id="283" r:id="rId4"/>
+    <p:sldId id="277" r:id="rId5"/>
+    <p:sldId id="275" r:id="rId6"/>
+    <p:sldId id="274" r:id="rId7"/>
+    <p:sldId id="262" r:id="rId8"/>
+    <p:sldId id="263" r:id="rId9"/>
+    <p:sldId id="284" r:id="rId10"/>
+    <p:sldId id="266" r:id="rId11"/>
+    <p:sldId id="278" r:id="rId12"/>
+    <p:sldId id="273" r:id="rId13"/>
+    <p:sldId id="279" r:id="rId14"/>
+    <p:sldId id="264" r:id="rId15"/>
+    <p:sldId id="265" r:id="rId16"/>
+    <p:sldId id="276" r:id="rId17"/>
+    <p:sldId id="285" r:id="rId18"/>
+    <p:sldId id="267" r:id="rId19"/>
+    <p:sldId id="280" r:id="rId20"/>
+    <p:sldId id="270" r:id="rId21"/>
+    <p:sldId id="269" r:id="rId22"/>
+    <p:sldId id="268" r:id="rId23"/>
+    <p:sldId id="271" r:id="rId24"/>
+    <p:sldId id="272" r:id="rId25"/>
+    <p:sldId id="258" r:id="rId26"/>
   </p:sldIdLst>
   <p:sldSz cx="9144000" cy="5143500" type="screen16x9"/>
   <p:notesSz cx="6858000" cy="9144000"/>
@@ -220,7 +221,7 @@
           <a:p>
             <a:fld id="{C6CEAD56-CB79-F04C-B5D2-95B4E9AF2B22}" type="datetimeFigureOut">
               <a:rPr lang="en-US" smtClean="0"/>
-              <a:t>5/24/22</a:t>
+              <a:t>2/21/23</a:t>
             </a:fld>
             <a:endParaRPr lang="en-US"/>
           </a:p>
@@ -552,7 +553,7 @@
           <a:p>
             <a:fld id="{718A1748-CCBA-8F4B-A938-AA5269C29214}" type="slidenum">
               <a:rPr lang="en-US" smtClean="0"/>
-              <a:t>16</a:t>
+              <a:t>19</a:t>
             </a:fld>
             <a:endParaRPr lang="en-US"/>
           </a:p>
@@ -6870,15 +6871,16 @@
           <a:p>
             <a:r>
               <a:rPr lang="en-US" dirty="0"/>
-              <a:t>What is an RDD?</a:t>
+              <a:t>What is a Spark RDD?</a:t>
             </a:r>
             <a:br>
               <a:rPr lang="en-US" dirty="0"/>
             </a:br>
             <a:r>
-              <a:rPr lang="en-US" dirty="0"/>
+              <a:rPr lang="en-US" sz="2400" dirty="0"/>
               <a:t>RDD = Resilient Distributed Dataset</a:t>
             </a:r>
+            <a:endParaRPr lang="en-US" dirty="0"/>
           </a:p>
         </p:txBody>
       </p:sp>
@@ -6974,17 +6976,17 @@
           <a:p>
             <a:r>
               <a:rPr lang="en-US" dirty="0"/>
-              <a:t>RDD Partitioning: Enables Parallelism</a:t>
+              <a:t>RDD Example: RDD[Integer] Partitioned</a:t>
             </a:r>
           </a:p>
         </p:txBody>
       </p:sp>
       <p:pic>
         <p:nvPicPr>
-          <p:cNvPr id="6" name="Content Placeholder 5" descr="A picture containing box and whisker chart&#10;&#10;Description automatically generated">
+          <p:cNvPr id="7" name="Content Placeholder 6" descr="Diagram&#10;&#10;Description automatically generated">
             <a:extLst>
               <a:ext uri="{FF2B5EF4-FFF2-40B4-BE49-F238E27FC236}">
-                <a16:creationId xmlns:a16="http://schemas.microsoft.com/office/drawing/2014/main" id="{CB14A3FB-BB6E-B51F-B045-B8089B51C90D}"/>
+                <a16:creationId xmlns:a16="http://schemas.microsoft.com/office/drawing/2014/main" id="{507AC232-6997-C37F-562D-ABFF20A8ED37}"/>
               </a:ext>
             </a:extLst>
           </p:cNvPr>
@@ -7003,15 +7005,15 @@
         </p:blipFill>
         <p:spPr>
           <a:xfrm>
-            <a:off x="1193073" y="1105989"/>
-            <a:ext cx="5738949" cy="2771480"/>
+            <a:off x="836023" y="1026695"/>
+            <a:ext cx="5880497" cy="3605630"/>
           </a:xfrm>
         </p:spPr>
       </p:pic>
     </p:spTree>
     <p:extLst>
       <p:ext uri="{BB962C8B-B14F-4D97-AF65-F5344CB8AC3E}">
-        <p14:creationId xmlns:p14="http://schemas.microsoft.com/office/powerpoint/2010/main" val="3016384774"/>
+        <p14:creationId xmlns:p14="http://schemas.microsoft.com/office/powerpoint/2010/main" val="506639000"/>
       </p:ext>
     </p:extLst>
   </p:cSld>
@@ -7068,7 +7070,7 @@
           <a:p>
             <a:r>
               <a:rPr lang="en-US" dirty="0"/>
-              <a:t>RDD Creation: Number of Partitions</a:t>
+              <a:t>RDD Creation: from Python Collections</a:t>
             </a:r>
           </a:p>
         </p:txBody>
@@ -7097,7 +7099,7 @@
         </p:spPr>
         <p:txBody>
           <a:bodyPr>
-            <a:normAutofit fontScale="62500" lnSpcReduction="20000"/>
+            <a:normAutofit fontScale="92500" lnSpcReduction="20000"/>
           </a:bodyPr>
           <a:lstStyle/>
           <a:p>
@@ -7209,7 +7211,7 @@
                 </a:highlight>
                 <a:latin typeface="Courier" pitchFamily="2" charset="0"/>
               </a:rPr>
-              <a:t># 3. create an RDD[Integer] from a Python Collection</a:t>
+              <a:t># 3. Create a Python collection</a:t>
             </a:r>
           </a:p>
           <a:p>
@@ -7217,28 +7219,10 @@
               <a:buNone/>
             </a:pPr>
             <a:r>
-              <a:rPr lang="en-US" dirty="0" err="1">
-                <a:latin typeface="Courier" pitchFamily="2" charset="0"/>
-              </a:rPr>
-              <a:t>rdd</a:t>
-            </a:r>
-            <a:r>
-              <a:rPr lang="en-US" dirty="0">
-                <a:latin typeface="Courier" pitchFamily="2" charset="0"/>
-              </a:rPr>
-              <a:t> = </a:t>
-            </a:r>
-            <a:r>
-              <a:rPr lang="en-US" dirty="0" err="1">
-                <a:latin typeface="Courier" pitchFamily="2" charset="0"/>
-              </a:rPr>
-              <a:t>spark.sparkContext.parallelize</a:t>
-            </a:r>
-            <a:r>
-              <a:rPr lang="en-US" dirty="0">
-                <a:latin typeface="Courier" pitchFamily="2" charset="0"/>
-              </a:rPr>
-              <a:t>(range(0, 10,000,000))</a:t>
+              <a:rPr lang="en-US" dirty="0">
+                <a:latin typeface="Courier" pitchFamily="2" charset="0"/>
+              </a:rPr>
+              <a:t>Numbers = [1, 3, 5, 7, 9, 11, 13, 15]</a:t>
             </a:r>
           </a:p>
           <a:p>
@@ -7252,7 +7236,7 @@
                 </a:highlight>
                 <a:latin typeface="Courier" pitchFamily="2" charset="0"/>
               </a:rPr>
-              <a:t># 4. count elements and get number of partitions</a:t>
+              <a:t># 4. create an RDD[Integer] from a Python Collection</a:t>
             </a:r>
           </a:p>
           <a:p>
@@ -7263,24 +7247,25 @@
               <a:rPr lang="en-US" dirty="0" err="1">
                 <a:latin typeface="Courier" pitchFamily="2" charset="0"/>
               </a:rPr>
-              <a:t>rdd.count</a:t>
-            </a:r>
-            <a:r>
-              <a:rPr lang="en-US" dirty="0">
-                <a:latin typeface="Courier" pitchFamily="2" charset="0"/>
-              </a:rPr>
-              <a:t>()</a:t>
-            </a:r>
-          </a:p>
-          <a:p>
-            <a:pPr marL="0" indent="0">
-              <a:buNone/>
-            </a:pPr>
-            <a:r>
-              <a:rPr lang="en-US" dirty="0">
-                <a:latin typeface="Courier" pitchFamily="2" charset="0"/>
-              </a:rPr>
-              <a:t>10,000,000</a:t>
+              <a:t>rdd</a:t>
+            </a:r>
+            <a:r>
+              <a:rPr lang="en-US" dirty="0">
+                <a:latin typeface="Courier" pitchFamily="2" charset="0"/>
+              </a:rPr>
+              <a:t> = </a:t>
+            </a:r>
+            <a:r>
+              <a:rPr lang="en-US" dirty="0" err="1">
+                <a:latin typeface="Courier" pitchFamily="2" charset="0"/>
+              </a:rPr>
+              <a:t>spark.sparkContext.parallelize</a:t>
+            </a:r>
+            <a:r>
+              <a:rPr lang="en-US" dirty="0">
+                <a:latin typeface="Courier" pitchFamily="2" charset="0"/>
+              </a:rPr>
+              <a:t>(numbers)</a:t>
             </a:r>
           </a:p>
           <a:p>
@@ -7294,7 +7279,7 @@
                 </a:highlight>
                 <a:latin typeface="Courier" pitchFamily="2" charset="0"/>
               </a:rPr>
-              <a:t># 5. find the number of partitions</a:t>
+              <a:t># 5. get all elements as a list</a:t>
             </a:r>
           </a:p>
           <a:p>
@@ -7302,28 +7287,16 @@
               <a:buNone/>
             </a:pPr>
             <a:r>
-              <a:rPr lang="en-US" sz="2600" b="1" dirty="0" err="1">
-                <a:solidFill>
-                  <a:schemeClr val="tx2"/>
-                </a:solidFill>
-                <a:highlight>
-                  <a:srgbClr val="00FF00"/>
-                </a:highlight>
-                <a:latin typeface="Courier" pitchFamily="2" charset="0"/>
-              </a:rPr>
-              <a:t>rdd.getNumPartitions</a:t>
-            </a:r>
-            <a:r>
-              <a:rPr lang="en-US" sz="2600" b="1" dirty="0">
-                <a:solidFill>
-                  <a:schemeClr val="tx2"/>
-                </a:solidFill>
-                <a:highlight>
-                  <a:srgbClr val="00FF00"/>
-                </a:highlight>
-                <a:latin typeface="Courier" pitchFamily="2" charset="0"/>
-              </a:rPr>
-              <a:t>()</a:t>
+              <a:rPr lang="en-US" dirty="0" err="1">
+                <a:latin typeface="Courier" pitchFamily="2" charset="0"/>
+              </a:rPr>
+              <a:t>rdd.collect</a:t>
+            </a:r>
+            <a:r>
+              <a:rPr lang="en-US" dirty="0">
+                <a:latin typeface="Courier" pitchFamily="2" charset="0"/>
+              </a:rPr>
+              <a:t>() </a:t>
             </a:r>
           </a:p>
           <a:p>
@@ -7331,35 +7304,10 @@
               <a:buNone/>
             </a:pPr>
             <a:r>
-              <a:rPr lang="en-US" sz="2600" dirty="0">
-                <a:highlight>
-                  <a:srgbClr val="00FF00"/>
-                </a:highlight>
-                <a:latin typeface="Courier" pitchFamily="2" charset="0"/>
-              </a:rPr>
-              <a:t>16</a:t>
-            </a:r>
-          </a:p>
-          <a:p>
-            <a:pPr marL="0" indent="0">
-              <a:buNone/>
-            </a:pPr>
-            <a:r>
-              <a:rPr lang="en-US" dirty="0">
-                <a:latin typeface="Courier" pitchFamily="2" charset="0"/>
-              </a:rPr>
-              <a:t># each partition will have about 625000 elements </a:t>
-            </a:r>
-          </a:p>
-          <a:p>
-            <a:pPr marL="0" indent="0">
-              <a:buNone/>
-            </a:pPr>
-            <a:r>
-              <a:rPr lang="en-US" dirty="0">
-                <a:latin typeface="Courier" pitchFamily="2" charset="0"/>
-              </a:rPr>
-              <a:t># 10,000,000 / 16 = 625000</a:t>
+              <a:rPr lang="en-US" dirty="0">
+                <a:latin typeface="Courier" pitchFamily="2" charset="0"/>
+              </a:rPr>
+              <a:t>[1, 3, 5, 7, 9, 11, 13, 15]</a:t>
             </a:r>
           </a:p>
         </p:txBody>
@@ -7367,7 +7315,7 @@
     </p:spTree>
     <p:extLst>
       <p:ext uri="{BB962C8B-B14F-4D97-AF65-F5344CB8AC3E}">
-        <p14:creationId xmlns:p14="http://schemas.microsoft.com/office/powerpoint/2010/main" val="3178105482"/>
+        <p14:creationId xmlns:p14="http://schemas.microsoft.com/office/powerpoint/2010/main" val="2536348959"/>
       </p:ext>
     </p:extLst>
   </p:cSld>
@@ -7417,79 +7365,44 @@
           <a:p>
             <a:r>
               <a:rPr lang="en-US" dirty="0"/>
-              <a:t>RDD Summarized:</a:t>
-            </a:r>
-          </a:p>
-        </p:txBody>
-      </p:sp>
-      <p:sp>
-        <p:nvSpPr>
-          <p:cNvPr id="5" name="Content Placeholder 4">
+              <a:t>RDD Partitioning: Enables Parallelism</a:t>
+            </a:r>
+          </a:p>
+        </p:txBody>
+      </p:sp>
+      <p:pic>
+        <p:nvPicPr>
+          <p:cNvPr id="6" name="Content Placeholder 5" descr="A picture containing box and whisker chart&#10;&#10;Description automatically generated">
             <a:extLst>
               <a:ext uri="{FF2B5EF4-FFF2-40B4-BE49-F238E27FC236}">
-                <a16:creationId xmlns:a16="http://schemas.microsoft.com/office/drawing/2014/main" id="{C4FE1F5A-47C9-D047-9202-796ADD8B3DB3}"/>
+                <a16:creationId xmlns:a16="http://schemas.microsoft.com/office/drawing/2014/main" id="{CB14A3FB-BB6E-B51F-B045-B8089B51C90D}"/>
               </a:ext>
             </a:extLst>
           </p:cNvPr>
-          <p:cNvSpPr>
-            <a:spLocks noGrp="1"/>
-          </p:cNvSpPr>
+          <p:cNvPicPr>
+            <a:picLocks noGrp="1" noChangeAspect="1"/>
+          </p:cNvPicPr>
           <p:nvPr>
             <p:ph idx="1"/>
           </p:nvPr>
-        </p:nvSpPr>
-        <p:spPr/>
-        <p:txBody>
-          <a:bodyPr>
-            <a:normAutofit/>
-          </a:bodyPr>
-          <a:lstStyle/>
-          <a:p>
-            <a:pPr marL="457200" indent="-457200">
-              <a:buFont typeface="+mj-lt"/>
-              <a:buAutoNum type="arabicPeriod"/>
-            </a:pPr>
-            <a:r>
-              <a:rPr lang="en-US" sz="2400" dirty="0"/>
-              <a:t>An RDD is the actual fundamental data Structure of Spark. </a:t>
-            </a:r>
-          </a:p>
-          <a:p>
-            <a:pPr marL="457200" indent="-457200">
-              <a:buFont typeface="+mj-lt"/>
-              <a:buAutoNum type="arabicPeriod"/>
-            </a:pPr>
-            <a:r>
-              <a:rPr lang="en-US" sz="2400" dirty="0"/>
-              <a:t>RDDs are immutable (Read-Only) collections of objects of varying types, which computes on the different nodes of a given cluster.   </a:t>
-            </a:r>
-          </a:p>
-          <a:p>
-            <a:pPr marL="457200" indent="-457200">
-              <a:buFont typeface="+mj-lt"/>
-              <a:buAutoNum type="arabicPeriod"/>
-            </a:pPr>
-            <a:r>
-              <a:rPr lang="en-US" sz="2400" dirty="0"/>
-              <a:t>RDDs are the main logical data units in Spark. </a:t>
-            </a:r>
-          </a:p>
-          <a:p>
-            <a:pPr marL="457200" indent="-457200">
-              <a:buFont typeface="+mj-lt"/>
-              <a:buAutoNum type="arabicPeriod"/>
-            </a:pPr>
-            <a:r>
-              <a:rPr lang="en-US" sz="2400" dirty="0"/>
-              <a:t>RDDs are a distributed collection of objects,  which are stored in memory or on disks.</a:t>
-            </a:r>
-          </a:p>
-        </p:txBody>
-      </p:sp>
+        </p:nvPicPr>
+        <p:blipFill>
+          <a:blip r:embed="rId2"/>
+          <a:stretch>
+            <a:fillRect/>
+          </a:stretch>
+        </p:blipFill>
+        <p:spPr>
+          <a:xfrm>
+            <a:off x="1193073" y="1105989"/>
+            <a:ext cx="5738949" cy="2771480"/>
+          </a:xfrm>
+        </p:spPr>
+      </p:pic>
     </p:spTree>
     <p:extLst>
       <p:ext uri="{BB962C8B-B14F-4D97-AF65-F5344CB8AC3E}">
-        <p14:creationId xmlns:p14="http://schemas.microsoft.com/office/powerpoint/2010/main" val="1106237175"/>
+        <p14:creationId xmlns:p14="http://schemas.microsoft.com/office/powerpoint/2010/main" val="3016384774"/>
       </p:ext>
     </p:extLst>
   </p:cSld>
@@ -7546,7 +7459,7 @@
           <a:p>
             <a:r>
               <a:rPr lang="en-US" dirty="0"/>
-              <a:t>RDD Creation and Transformations</a:t>
+              <a:t>RDD Creation: Number of Partitions</a:t>
             </a:r>
           </a:p>
         </p:txBody>
@@ -7575,54 +7488,130 @@
         </p:spPr>
         <p:txBody>
           <a:bodyPr>
-            <a:normAutofit/>
+            <a:normAutofit fontScale="62500" lnSpcReduction="20000"/>
           </a:bodyPr>
           <a:lstStyle/>
           <a:p>
-            <a:r>
-              <a:rPr lang="en-US" sz="2400" dirty="0"/>
-              <a:t>RDDs can be created from </a:t>
-            </a:r>
-          </a:p>
-          <a:p>
-            <a:pPr lvl="1"/>
-            <a:r>
-              <a:rPr lang="en-US" sz="2200" dirty="0"/>
-              <a:t> Python collections, </a:t>
-            </a:r>
-          </a:p>
-          <a:p>
-            <a:pPr lvl="1"/>
-            <a:r>
-              <a:rPr lang="en-US" sz="2200" dirty="0"/>
-              <a:t> T</a:t>
-            </a:r>
-            <a:r>
-              <a:rPr lang="en-US" sz="2000" dirty="0"/>
-              <a:t>ext files, ...</a:t>
-            </a:r>
-          </a:p>
-          <a:p>
-            <a:r>
-              <a:rPr lang="en-US" sz="2400" dirty="0"/>
-              <a:t>RDDs can created from transformations</a:t>
-            </a:r>
-          </a:p>
-          <a:p>
             <a:pPr marL="0" indent="0">
               <a:buNone/>
             </a:pPr>
             <a:r>
               <a:rPr lang="en-US" dirty="0">
-                <a:latin typeface="Courier" pitchFamily="2" charset="0"/>
-              </a:rPr>
-              <a:t>   </a:t>
+                <a:highlight>
+                  <a:srgbClr val="FFFF00"/>
+                </a:highlight>
+                <a:latin typeface="Courier" pitchFamily="2" charset="0"/>
+              </a:rPr>
+              <a:t># 1. import required library</a:t>
+            </a:r>
+          </a:p>
+          <a:p>
+            <a:pPr marL="0" indent="0">
+              <a:buNone/>
+            </a:pPr>
+            <a:r>
+              <a:rPr lang="en-US" dirty="0">
+                <a:latin typeface="Courier" pitchFamily="2" charset="0"/>
+              </a:rPr>
+              <a:t>from </a:t>
             </a:r>
             <a:r>
               <a:rPr lang="en-US" dirty="0" err="1">
                 <a:latin typeface="Courier" pitchFamily="2" charset="0"/>
               </a:rPr>
-              <a:t>target_rdd</a:t>
+              <a:t>pyspark.sql</a:t>
+            </a:r>
+            <a:r>
+              <a:rPr lang="en-US" dirty="0">
+                <a:latin typeface="Courier" pitchFamily="2" charset="0"/>
+              </a:rPr>
+              <a:t> import </a:t>
+            </a:r>
+            <a:r>
+              <a:rPr lang="en-US" dirty="0" err="1">
+                <a:latin typeface="Courier" pitchFamily="2" charset="0"/>
+              </a:rPr>
+              <a:t>SparkSession</a:t>
+            </a:r>
+            <a:endParaRPr lang="en-US" dirty="0">
+              <a:latin typeface="Courier" pitchFamily="2" charset="0"/>
+            </a:endParaRPr>
+          </a:p>
+          <a:p>
+            <a:pPr marL="0" indent="0">
+              <a:buNone/>
+            </a:pPr>
+            <a:r>
+              <a:rPr lang="en-US" dirty="0">
+                <a:highlight>
+                  <a:srgbClr val="FFFF00"/>
+                </a:highlight>
+                <a:latin typeface="Courier" pitchFamily="2" charset="0"/>
+              </a:rPr>
+              <a:t># 2. create an instance of </a:t>
+            </a:r>
+            <a:r>
+              <a:rPr lang="en-US" dirty="0" err="1">
+                <a:highlight>
+                  <a:srgbClr val="FFFF00"/>
+                </a:highlight>
+                <a:latin typeface="Courier" pitchFamily="2" charset="0"/>
+              </a:rPr>
+              <a:t>SparkSession</a:t>
+            </a:r>
+            <a:endParaRPr lang="en-US" dirty="0">
+              <a:highlight>
+                <a:srgbClr val="FFFF00"/>
+              </a:highlight>
+              <a:latin typeface="Courier" pitchFamily="2" charset="0"/>
+            </a:endParaRPr>
+          </a:p>
+          <a:p>
+            <a:pPr marL="0" indent="0">
+              <a:buNone/>
+            </a:pPr>
+            <a:r>
+              <a:rPr lang="en-US" dirty="0">
+                <a:latin typeface="Courier" pitchFamily="2" charset="0"/>
+              </a:rPr>
+              <a:t>spark = </a:t>
+            </a:r>
+            <a:r>
+              <a:rPr lang="en-US" dirty="0" err="1">
+                <a:latin typeface="Courier" pitchFamily="2" charset="0"/>
+              </a:rPr>
+              <a:t>SparkSession.builder.getOrCreate</a:t>
+            </a:r>
+            <a:r>
+              <a:rPr lang="en-US" dirty="0">
+                <a:latin typeface="Courier" pitchFamily="2" charset="0"/>
+              </a:rPr>
+              <a:t>()</a:t>
+            </a:r>
+          </a:p>
+          <a:p>
+            <a:pPr marL="0" indent="0">
+              <a:buNone/>
+            </a:pPr>
+            <a:r>
+              <a:rPr lang="en-US" dirty="0">
+                <a:highlight>
+                  <a:srgbClr val="FFFF00"/>
+                </a:highlight>
+                <a:latin typeface="Courier" pitchFamily="2" charset="0"/>
+              </a:rPr>
+              <a:t># 3. create an RDD[Integer] from a Python Collection</a:t>
+            </a:r>
+          </a:p>
+          <a:p>
+            <a:pPr marL="0" indent="0">
+              <a:buNone/>
+            </a:pPr>
+            <a:r>
+              <a:rPr lang="en-US" dirty="0" err="1">
+                <a:latin typeface="Courier" pitchFamily="2" charset="0"/>
+              </a:rPr>
+              <a:t>rdd</a:t>
             </a:r>
             <a:r>
               <a:rPr lang="en-US" dirty="0">
@@ -7634,40 +7623,98 @@
               <a:rPr lang="en-US" dirty="0" err="1">
                 <a:latin typeface="Courier" pitchFamily="2" charset="0"/>
               </a:rPr>
-              <a:t>source_rdd</a:t>
-            </a:r>
-            <a:r>
-              <a:rPr lang="en-US" dirty="0">
-                <a:latin typeface="Courier" pitchFamily="2" charset="0"/>
-              </a:rPr>
-              <a:t>.&lt;</a:t>
-            </a:r>
-            <a:r>
-              <a:rPr lang="en-US" b="1" dirty="0">
+              <a:t>spark.sparkContext.parallelize</a:t>
+            </a:r>
+            <a:r>
+              <a:rPr lang="en-US" dirty="0">
+                <a:latin typeface="Courier" pitchFamily="2" charset="0"/>
+              </a:rPr>
+              <a:t>(range(0, 10,000,000))</a:t>
+            </a:r>
+          </a:p>
+          <a:p>
+            <a:pPr marL="0" indent="0">
+              <a:buNone/>
+            </a:pPr>
+            <a:r>
+              <a:rPr lang="en-US" dirty="0">
+                <a:highlight>
+                  <a:srgbClr val="FFFF00"/>
+                </a:highlight>
+                <a:latin typeface="Courier" pitchFamily="2" charset="0"/>
+              </a:rPr>
+              <a:t># 4. count elements and get number of partitions</a:t>
+            </a:r>
+          </a:p>
+          <a:p>
+            <a:pPr marL="0" indent="0">
+              <a:buNone/>
+            </a:pPr>
+            <a:r>
+              <a:rPr lang="en-US" dirty="0" err="1">
+                <a:latin typeface="Courier" pitchFamily="2" charset="0"/>
+              </a:rPr>
+              <a:t>rdd.count</a:t>
+            </a:r>
+            <a:r>
+              <a:rPr lang="en-US" dirty="0">
+                <a:latin typeface="Courier" pitchFamily="2" charset="0"/>
+              </a:rPr>
+              <a:t>()</a:t>
+            </a:r>
+          </a:p>
+          <a:p>
+            <a:pPr marL="0" indent="0">
+              <a:buNone/>
+            </a:pPr>
+            <a:r>
+              <a:rPr lang="en-US" dirty="0">
+                <a:latin typeface="Courier" pitchFamily="2" charset="0"/>
+              </a:rPr>
+              <a:t>10,000,000</a:t>
+            </a:r>
+          </a:p>
+          <a:p>
+            <a:pPr marL="0" indent="0">
+              <a:buNone/>
+            </a:pPr>
+            <a:r>
+              <a:rPr lang="en-US" dirty="0">
+                <a:highlight>
+                  <a:srgbClr val="FFFF00"/>
+                </a:highlight>
+                <a:latin typeface="Courier" pitchFamily="2" charset="0"/>
+              </a:rPr>
+              <a:t># 5. find the number of partitions</a:t>
+            </a:r>
+          </a:p>
+          <a:p>
+            <a:pPr marL="0" indent="0">
+              <a:buNone/>
+            </a:pPr>
+            <a:r>
+              <a:rPr lang="en-US" sz="2600" b="1" dirty="0" err="1">
                 <a:solidFill>
-                  <a:srgbClr val="0070C0"/>
+                  <a:schemeClr val="tx2"/>
                 </a:solidFill>
-                <a:latin typeface="Courier" pitchFamily="2" charset="0"/>
-              </a:rPr>
-              <a:t>TRANSFORMATION</a:t>
-            </a:r>
-            <a:r>
-              <a:rPr lang="en-US" dirty="0">
-                <a:latin typeface="Courier" pitchFamily="2" charset="0"/>
-              </a:rPr>
-              <a:t>&gt;(</a:t>
-            </a:r>
-            <a:r>
-              <a:rPr lang="en-US" dirty="0" err="1">
-                <a:latin typeface="Courier" pitchFamily="2" charset="0"/>
-              </a:rPr>
-              <a:t>func</a:t>
-            </a:r>
-            <a:r>
-              <a:rPr lang="en-US" dirty="0">
-                <a:latin typeface="Courier" pitchFamily="2" charset="0"/>
-              </a:rPr>
-              <a:t>)</a:t>
+                <a:highlight>
+                  <a:srgbClr val="00FF00"/>
+                </a:highlight>
+                <a:latin typeface="Courier" pitchFamily="2" charset="0"/>
+              </a:rPr>
+              <a:t>rdd.getNumPartitions</a:t>
+            </a:r>
+            <a:r>
+              <a:rPr lang="en-US" sz="2600" b="1" dirty="0">
+                <a:solidFill>
+                  <a:schemeClr val="tx2"/>
+                </a:solidFill>
+                <a:highlight>
+                  <a:srgbClr val="00FF00"/>
+                </a:highlight>
+                <a:latin typeface="Courier" pitchFamily="2" charset="0"/>
+              </a:rPr>
+              <a:t>()</a:t>
             </a:r>
           </a:p>
           <a:p>
@@ -7675,43 +7722,13 @@
               <a:buNone/>
             </a:pPr>
             <a:r>
-              <a:rPr lang="en-US" dirty="0">
-                <a:latin typeface="Courier" pitchFamily="2" charset="0"/>
-              </a:rPr>
-              <a:t>   rdd2 = </a:t>
-            </a:r>
-            <a:r>
-              <a:rPr lang="en-US" dirty="0" err="1">
-                <a:latin typeface="Courier" pitchFamily="2" charset="0"/>
-              </a:rPr>
-              <a:t>rdd.</a:t>
-            </a:r>
-            <a:r>
-              <a:rPr lang="en-US" b="1" dirty="0" err="1">
-                <a:solidFill>
-                  <a:srgbClr val="0070C0"/>
-                </a:solidFill>
-                <a:latin typeface="Courier" pitchFamily="2" charset="0"/>
-              </a:rPr>
-              <a:t>filter</a:t>
-            </a:r>
-            <a:r>
-              <a:rPr lang="en-US" dirty="0">
-                <a:latin typeface="Courier" pitchFamily="2" charset="0"/>
-              </a:rPr>
-              <a:t>(lambda x: </a:t>
-            </a:r>
-            <a:r>
-              <a:rPr lang="en-US" dirty="0" err="1">
-                <a:latin typeface="Courier" pitchFamily="2" charset="0"/>
-              </a:rPr>
-              <a:t>len</a:t>
-            </a:r>
-            <a:r>
-              <a:rPr lang="en-US" dirty="0">
-                <a:latin typeface="Courier" pitchFamily="2" charset="0"/>
-              </a:rPr>
-              <a:t>(x) &gt; 80)</a:t>
+              <a:rPr lang="en-US" sz="2600" dirty="0">
+                <a:highlight>
+                  <a:srgbClr val="00FF00"/>
+                </a:highlight>
+                <a:latin typeface="Courier" pitchFamily="2" charset="0"/>
+              </a:rPr>
+              <a:t>16</a:t>
             </a:r>
           </a:p>
           <a:p>
@@ -7722,34 +7739,18 @@
               <a:rPr lang="en-US" dirty="0">
                 <a:latin typeface="Courier" pitchFamily="2" charset="0"/>
               </a:rPr>
-              <a:t>   rdd3 = rdd2.</a:t>
-            </a:r>
-            <a:r>
-              <a:rPr lang="en-US" b="1" dirty="0">
-                <a:solidFill>
-                  <a:srgbClr val="0070C0"/>
-                </a:solidFill>
-                <a:latin typeface="Courier" pitchFamily="2" charset="0"/>
-              </a:rPr>
-              <a:t>map</a:t>
-            </a:r>
-            <a:r>
-              <a:rPr lang="en-US" dirty="0">
-                <a:latin typeface="Courier" pitchFamily="2" charset="0"/>
-              </a:rPr>
-              <a:t>(lambda x: (x, </a:t>
-            </a:r>
-            <a:r>
-              <a:rPr lang="en-US" dirty="0" err="1">
-                <a:latin typeface="Courier" pitchFamily="2" charset="0"/>
-              </a:rPr>
-              <a:t>len</a:t>
-            </a:r>
-            <a:r>
-              <a:rPr lang="en-US" dirty="0">
-                <a:latin typeface="Courier" pitchFamily="2" charset="0"/>
-              </a:rPr>
-              <a:t>(x)))</a:t>
+              <a:t># each partition will have about 625000 elements </a:t>
+            </a:r>
+          </a:p>
+          <a:p>
+            <a:pPr marL="0" indent="0">
+              <a:buNone/>
+            </a:pPr>
+            <a:r>
+              <a:rPr lang="en-US" dirty="0">
+                <a:latin typeface="Courier" pitchFamily="2" charset="0"/>
+              </a:rPr>
+              <a:t># 10,000,000 / 16 = 625000</a:t>
             </a:r>
           </a:p>
         </p:txBody>
@@ -7757,7 +7758,7 @@
     </p:spTree>
     <p:extLst>
       <p:ext uri="{BB962C8B-B14F-4D97-AF65-F5344CB8AC3E}">
-        <p14:creationId xmlns:p14="http://schemas.microsoft.com/office/powerpoint/2010/main" val="3489093003"/>
+        <p14:creationId xmlns:p14="http://schemas.microsoft.com/office/powerpoint/2010/main" val="3178105482"/>
       </p:ext>
     </p:extLst>
   </p:cSld>
@@ -7807,7 +7808,7 @@
           <a:p>
             <a:r>
               <a:rPr lang="en-US" dirty="0"/>
-              <a:t>RDD Shorthand Notation</a:t>
+              <a:t>RDD Summarized:</a:t>
             </a:r>
           </a:p>
         </p:txBody>
@@ -7831,409 +7832,55 @@
         <p:spPr/>
         <p:txBody>
           <a:bodyPr>
-            <a:normAutofit fontScale="92500" lnSpcReduction="20000"/>
+            <a:normAutofit/>
           </a:bodyPr>
           <a:lstStyle/>
           <a:p>
-            <a:pPr marL="0" indent="0">
-              <a:buNone/>
+            <a:pPr marL="457200" indent="-457200">
+              <a:buFont typeface="+mj-lt"/>
+              <a:buAutoNum type="arabicPeriod"/>
             </a:pPr>
             <a:r>
-              <a:rPr lang="en-US" dirty="0" err="1">
-                <a:latin typeface="Courier" pitchFamily="2" charset="0"/>
-              </a:rPr>
-              <a:t>input_path</a:t>
-            </a:r>
-            <a:r>
-              <a:rPr lang="en-US" dirty="0">
-                <a:latin typeface="Courier" pitchFamily="2" charset="0"/>
-              </a:rPr>
-              <a:t> = “/</a:t>
-            </a:r>
-            <a:r>
-              <a:rPr lang="en-US" dirty="0" err="1">
-                <a:latin typeface="Courier" pitchFamily="2" charset="0"/>
-              </a:rPr>
-              <a:t>tmp</a:t>
-            </a:r>
-            <a:r>
-              <a:rPr lang="en-US" dirty="0">
-                <a:latin typeface="Courier" pitchFamily="2" charset="0"/>
-              </a:rPr>
-              <a:t>/data7/”</a:t>
-            </a:r>
-          </a:p>
-          <a:p>
-            <a:pPr marL="0" indent="0">
-              <a:buNone/>
+              <a:rPr lang="en-US" sz="2400" dirty="0"/>
+              <a:t>An RDD is the actual fundamental data Structure of Spark. </a:t>
+            </a:r>
+          </a:p>
+          <a:p>
+            <a:pPr marL="457200" indent="-457200">
+              <a:buFont typeface="+mj-lt"/>
+              <a:buAutoNum type="arabicPeriod"/>
             </a:pPr>
             <a:r>
-              <a:rPr lang="en-US" dirty="0" err="1">
-                <a:highlight>
-                  <a:srgbClr val="FFFF00"/>
-                </a:highlight>
-                <a:latin typeface="Courier" pitchFamily="2" charset="0"/>
-              </a:rPr>
-              <a:t>rdd</a:t>
-            </a:r>
-            <a:r>
-              <a:rPr lang="en-US" dirty="0">
-                <a:highlight>
-                  <a:srgbClr val="FFFF00"/>
-                </a:highlight>
-                <a:latin typeface="Courier" pitchFamily="2" charset="0"/>
-              </a:rPr>
-              <a:t> = </a:t>
-            </a:r>
-            <a:r>
-              <a:rPr lang="en-US" dirty="0" err="1">
-                <a:highlight>
-                  <a:srgbClr val="FFFF00"/>
-                </a:highlight>
-                <a:latin typeface="Courier" pitchFamily="2" charset="0"/>
-              </a:rPr>
-              <a:t>spark.sparkContext.textFile</a:t>
-            </a:r>
-            <a:r>
-              <a:rPr lang="en-US" dirty="0">
-                <a:highlight>
-                  <a:srgbClr val="FFFF00"/>
-                </a:highlight>
-                <a:latin typeface="Courier" pitchFamily="2" charset="0"/>
-              </a:rPr>
-              <a:t>(</a:t>
-            </a:r>
-            <a:r>
-              <a:rPr lang="en-US" dirty="0" err="1">
-                <a:highlight>
-                  <a:srgbClr val="FFFF00"/>
-                </a:highlight>
-                <a:latin typeface="Courier" pitchFamily="2" charset="0"/>
-              </a:rPr>
-              <a:t>input_path</a:t>
-            </a:r>
-            <a:r>
-              <a:rPr lang="en-US" dirty="0">
-                <a:highlight>
-                  <a:srgbClr val="FFFF00"/>
-                </a:highlight>
-                <a:latin typeface="Courier" pitchFamily="2" charset="0"/>
-              </a:rPr>
-              <a:t>)</a:t>
-            </a:r>
-          </a:p>
-          <a:p>
-            <a:pPr marL="0" indent="0">
-              <a:buNone/>
+              <a:rPr lang="en-US" sz="2400" dirty="0"/>
+              <a:t>RDDs are immutable (Read-Only) collections of objects of varying types, which computes on the different nodes of a given cluster.   </a:t>
+            </a:r>
+          </a:p>
+          <a:p>
+            <a:pPr marL="457200" indent="-457200">
+              <a:buFont typeface="+mj-lt"/>
+              <a:buAutoNum type="arabicPeriod"/>
             </a:pPr>
             <a:r>
-              <a:rPr lang="en-US" dirty="0">
-                <a:highlight>
-                  <a:srgbClr val="FFFF00"/>
-                </a:highlight>
-                <a:latin typeface="Courier" pitchFamily="2" charset="0"/>
-              </a:rPr>
-              <a:t>rdd2 = </a:t>
-            </a:r>
-            <a:r>
-              <a:rPr lang="en-US" dirty="0" err="1">
-                <a:highlight>
-                  <a:srgbClr val="FFFF00"/>
-                </a:highlight>
-                <a:latin typeface="Courier" pitchFamily="2" charset="0"/>
-              </a:rPr>
-              <a:t>rdd.</a:t>
-            </a:r>
-            <a:r>
-              <a:rPr lang="en-US" b="1" dirty="0" err="1">
-                <a:solidFill>
-                  <a:srgbClr val="0070C0"/>
-                </a:solidFill>
-                <a:highlight>
-                  <a:srgbClr val="FFFF00"/>
-                </a:highlight>
-                <a:latin typeface="Courier" pitchFamily="2" charset="0"/>
-              </a:rPr>
-              <a:t>filter</a:t>
-            </a:r>
-            <a:r>
-              <a:rPr lang="en-US" dirty="0">
-                <a:highlight>
-                  <a:srgbClr val="FFFF00"/>
-                </a:highlight>
-                <a:latin typeface="Courier" pitchFamily="2" charset="0"/>
-              </a:rPr>
-              <a:t>(lambda x: </a:t>
-            </a:r>
-            <a:r>
-              <a:rPr lang="en-US" dirty="0" err="1">
-                <a:highlight>
-                  <a:srgbClr val="FFFF00"/>
-                </a:highlight>
-                <a:latin typeface="Courier" pitchFamily="2" charset="0"/>
-              </a:rPr>
-              <a:t>len</a:t>
-            </a:r>
-            <a:r>
-              <a:rPr lang="en-US" dirty="0">
-                <a:highlight>
-                  <a:srgbClr val="FFFF00"/>
-                </a:highlight>
-                <a:latin typeface="Courier" pitchFamily="2" charset="0"/>
-              </a:rPr>
-              <a:t>(x) &gt; 80)</a:t>
-            </a:r>
-          </a:p>
-          <a:p>
-            <a:pPr marL="0" indent="0">
-              <a:buNone/>
+              <a:rPr lang="en-US" sz="2400" dirty="0"/>
+              <a:t>RDDs are the main logical data units in Spark. </a:t>
+            </a:r>
+          </a:p>
+          <a:p>
+            <a:pPr marL="457200" indent="-457200">
+              <a:buFont typeface="+mj-lt"/>
+              <a:buAutoNum type="arabicPeriod"/>
             </a:pPr>
             <a:r>
-              <a:rPr lang="en-US" dirty="0">
-                <a:highlight>
-                  <a:srgbClr val="FFFF00"/>
-                </a:highlight>
-                <a:latin typeface="Courier" pitchFamily="2" charset="0"/>
-              </a:rPr>
-              <a:t>rdd3 = rdd2.</a:t>
-            </a:r>
-            <a:r>
-              <a:rPr lang="en-US" b="1" dirty="0">
-                <a:solidFill>
-                  <a:srgbClr val="0070C0"/>
-                </a:solidFill>
-                <a:highlight>
-                  <a:srgbClr val="FFFF00"/>
-                </a:highlight>
-                <a:latin typeface="Courier" pitchFamily="2" charset="0"/>
-              </a:rPr>
-              <a:t>map</a:t>
-            </a:r>
-            <a:r>
-              <a:rPr lang="en-US" dirty="0">
-                <a:highlight>
-                  <a:srgbClr val="FFFF00"/>
-                </a:highlight>
-                <a:latin typeface="Courier" pitchFamily="2" charset="0"/>
-              </a:rPr>
-              <a:t>(lambda x: (x, </a:t>
-            </a:r>
-            <a:r>
-              <a:rPr lang="en-US" dirty="0" err="1">
-                <a:highlight>
-                  <a:srgbClr val="FFFF00"/>
-                </a:highlight>
-                <a:latin typeface="Courier" pitchFamily="2" charset="0"/>
-              </a:rPr>
-              <a:t>len</a:t>
-            </a:r>
-            <a:r>
-              <a:rPr lang="en-US" dirty="0">
-                <a:highlight>
-                  <a:srgbClr val="FFFF00"/>
-                </a:highlight>
-                <a:latin typeface="Courier" pitchFamily="2" charset="0"/>
-              </a:rPr>
-              <a:t>(x)))</a:t>
-            </a:r>
-          </a:p>
-          <a:p>
-            <a:pPr marL="0" indent="0">
-              <a:buNone/>
-            </a:pPr>
-            <a:endParaRPr lang="en-US" dirty="0">
-              <a:latin typeface="Courier" pitchFamily="2" charset="0"/>
-            </a:endParaRPr>
-          </a:p>
-          <a:p>
-            <a:pPr marL="0" indent="0">
-              <a:buNone/>
-            </a:pPr>
-            <a:r>
-              <a:rPr lang="en-US" dirty="0">
-                <a:latin typeface="Courier" pitchFamily="2" charset="0"/>
-              </a:rPr>
-              <a:t>  OR</a:t>
-            </a:r>
-          </a:p>
-          <a:p>
-            <a:pPr marL="0" indent="0">
-              <a:buNone/>
-            </a:pPr>
-            <a:endParaRPr lang="en-US" dirty="0">
-              <a:latin typeface="Courier" pitchFamily="2" charset="0"/>
-            </a:endParaRPr>
-          </a:p>
-          <a:p>
-            <a:pPr marL="0" indent="0">
-              <a:buNone/>
-            </a:pPr>
-            <a:r>
-              <a:rPr lang="en-US" dirty="0">
-                <a:highlight>
-                  <a:srgbClr val="00FF00"/>
-                </a:highlight>
-                <a:latin typeface="Courier" pitchFamily="2" charset="0"/>
-              </a:rPr>
-              <a:t>rdd3 = </a:t>
-            </a:r>
-            <a:r>
-              <a:rPr lang="en-US" dirty="0" err="1">
-                <a:highlight>
-                  <a:srgbClr val="00FF00"/>
-                </a:highlight>
-                <a:latin typeface="Courier" pitchFamily="2" charset="0"/>
-              </a:rPr>
-              <a:t>spark.sparkContext.textFile</a:t>
-            </a:r>
-            <a:r>
-              <a:rPr lang="en-US" dirty="0">
-                <a:highlight>
-                  <a:srgbClr val="00FF00"/>
-                </a:highlight>
-                <a:latin typeface="Courier" pitchFamily="2" charset="0"/>
-              </a:rPr>
-              <a:t>(</a:t>
-            </a:r>
-            <a:r>
-              <a:rPr lang="en-US" dirty="0" err="1">
-                <a:highlight>
-                  <a:srgbClr val="00FF00"/>
-                </a:highlight>
-                <a:latin typeface="Courier" pitchFamily="2" charset="0"/>
-              </a:rPr>
-              <a:t>input_path</a:t>
-            </a:r>
-            <a:r>
-              <a:rPr lang="en-US" dirty="0">
-                <a:highlight>
-                  <a:srgbClr val="00FF00"/>
-                </a:highlight>
-                <a:latin typeface="Courier" pitchFamily="2" charset="0"/>
-              </a:rPr>
-              <a:t>)</a:t>
-            </a:r>
-          </a:p>
-          <a:p>
-            <a:pPr marL="0" indent="0">
-              <a:buNone/>
-            </a:pPr>
-            <a:r>
-              <a:rPr lang="en-US" dirty="0">
-                <a:highlight>
-                  <a:srgbClr val="00FF00"/>
-                </a:highlight>
-                <a:latin typeface="Courier" pitchFamily="2" charset="0"/>
-              </a:rPr>
-              <a:t>         .</a:t>
-            </a:r>
-            <a:r>
-              <a:rPr lang="en-US" b="1" dirty="0">
-                <a:solidFill>
-                  <a:srgbClr val="0070C0"/>
-                </a:solidFill>
-                <a:highlight>
-                  <a:srgbClr val="00FF00"/>
-                </a:highlight>
-                <a:latin typeface="Courier" pitchFamily="2" charset="0"/>
-              </a:rPr>
-              <a:t>filter</a:t>
-            </a:r>
-            <a:r>
-              <a:rPr lang="en-US" dirty="0">
-                <a:highlight>
-                  <a:srgbClr val="00FF00"/>
-                </a:highlight>
-                <a:latin typeface="Courier" pitchFamily="2" charset="0"/>
-              </a:rPr>
-              <a:t>(lambda x: </a:t>
-            </a:r>
-            <a:r>
-              <a:rPr lang="en-US" dirty="0" err="1">
-                <a:highlight>
-                  <a:srgbClr val="00FF00"/>
-                </a:highlight>
-                <a:latin typeface="Courier" pitchFamily="2" charset="0"/>
-              </a:rPr>
-              <a:t>len</a:t>
-            </a:r>
-            <a:r>
-              <a:rPr lang="en-US" dirty="0">
-                <a:highlight>
-                  <a:srgbClr val="00FF00"/>
-                </a:highlight>
-                <a:latin typeface="Courier" pitchFamily="2" charset="0"/>
-              </a:rPr>
-              <a:t>(x) &gt; 80)</a:t>
-            </a:r>
-          </a:p>
-          <a:p>
-            <a:pPr marL="0" indent="0">
-              <a:buNone/>
-            </a:pPr>
-            <a:r>
-              <a:rPr lang="en-US" dirty="0">
-                <a:highlight>
-                  <a:srgbClr val="00FF00"/>
-                </a:highlight>
-                <a:latin typeface="Courier" pitchFamily="2" charset="0"/>
-              </a:rPr>
-              <a:t>         .</a:t>
-            </a:r>
-            <a:r>
-              <a:rPr lang="en-US" b="1" dirty="0">
-                <a:solidFill>
-                  <a:srgbClr val="0070C0"/>
-                </a:solidFill>
-                <a:highlight>
-                  <a:srgbClr val="00FF00"/>
-                </a:highlight>
-                <a:latin typeface="Courier" pitchFamily="2" charset="0"/>
-              </a:rPr>
-              <a:t>map</a:t>
-            </a:r>
-            <a:r>
-              <a:rPr lang="en-US" dirty="0">
-                <a:highlight>
-                  <a:srgbClr val="00FF00"/>
-                </a:highlight>
-                <a:latin typeface="Courier" pitchFamily="2" charset="0"/>
-              </a:rPr>
-              <a:t>(lambda x: (x, </a:t>
-            </a:r>
-            <a:r>
-              <a:rPr lang="en-US" dirty="0" err="1">
-                <a:highlight>
-                  <a:srgbClr val="00FF00"/>
-                </a:highlight>
-                <a:latin typeface="Courier" pitchFamily="2" charset="0"/>
-              </a:rPr>
-              <a:t>len</a:t>
-            </a:r>
-            <a:r>
-              <a:rPr lang="en-US" dirty="0">
-                <a:highlight>
-                  <a:srgbClr val="00FF00"/>
-                </a:highlight>
-                <a:latin typeface="Courier" pitchFamily="2" charset="0"/>
-              </a:rPr>
-              <a:t>(x)))</a:t>
-            </a:r>
-          </a:p>
-          <a:p>
-            <a:pPr marL="0" indent="0">
-              <a:buNone/>
-            </a:pPr>
-            <a:endParaRPr lang="en-US" dirty="0">
-              <a:latin typeface="Courier" pitchFamily="2" charset="0"/>
-            </a:endParaRPr>
+              <a:rPr lang="en-US" sz="2400" dirty="0"/>
+              <a:t>RDDs are a distributed/partitioned collection of objects,  which are stored in memory or on disks.</a:t>
+            </a:r>
           </a:p>
         </p:txBody>
       </p:sp>
     </p:spTree>
     <p:extLst>
       <p:ext uri="{BB962C8B-B14F-4D97-AF65-F5344CB8AC3E}">
-        <p14:creationId xmlns:p14="http://schemas.microsoft.com/office/powerpoint/2010/main" val="644228492"/>
+        <p14:creationId xmlns:p14="http://schemas.microsoft.com/office/powerpoint/2010/main" val="1106237175"/>
       </p:ext>
     </p:extLst>
   </p:cSld>
@@ -8279,7 +7926,7 @@
         <p:spPr>
           <a:xfrm>
             <a:off x="628650" y="273844"/>
-            <a:ext cx="7886700" cy="501219"/>
+            <a:ext cx="7886700" cy="527345"/>
           </a:xfrm>
         </p:spPr>
         <p:txBody>
@@ -8290,7 +7937,7 @@
           <a:p>
             <a:r>
               <a:rPr lang="en-US" dirty="0"/>
-              <a:t>RDD Example: create RDD from a Python Collection</a:t>
+              <a:t>RDD Creation and Transformations</a:t>
             </a:r>
           </a:p>
         </p:txBody>
@@ -8313,28 +7960,105 @@
         </p:nvSpPr>
         <p:spPr>
           <a:xfrm>
-            <a:off x="628650" y="775063"/>
-            <a:ext cx="7886700" cy="3857660"/>
+            <a:off x="628650" y="801189"/>
+            <a:ext cx="7886700" cy="3831534"/>
           </a:xfrm>
         </p:spPr>
         <p:txBody>
           <a:bodyPr>
-            <a:normAutofit fontScale="70000" lnSpcReduction="20000"/>
+            <a:normAutofit/>
           </a:bodyPr>
           <a:lstStyle/>
           <a:p>
+            <a:r>
+              <a:rPr lang="en-US" sz="2400" dirty="0"/>
+              <a:t>RDDs can be created from </a:t>
+            </a:r>
+          </a:p>
+          <a:p>
+            <a:pPr lvl="1"/>
+            <a:r>
+              <a:rPr lang="en-US" sz="2200" dirty="0"/>
+              <a:t> Python collections, </a:t>
+            </a:r>
+          </a:p>
+          <a:p>
+            <a:pPr lvl="1"/>
+            <a:r>
+              <a:rPr lang="en-US" sz="2200" dirty="0"/>
+              <a:t> T</a:t>
+            </a:r>
+            <a:r>
+              <a:rPr lang="en-US" sz="2000" dirty="0"/>
+              <a:t>ext files, ...</a:t>
+            </a:r>
+          </a:p>
+          <a:p>
+            <a:r>
+              <a:rPr lang="en-US" sz="2400" dirty="0"/>
+              <a:t>RDDs can created from transformations</a:t>
+            </a:r>
+          </a:p>
+          <a:p>
             <a:pPr marL="0" indent="0">
               <a:buNone/>
             </a:pPr>
             <a:r>
               <a:rPr lang="en-US" dirty="0">
-                <a:highlight>
-                  <a:srgbClr val="00FF00"/>
-                </a:highlight>
-                <a:latin typeface="Courier New" panose="02070309020205020404" pitchFamily="49" charset="0"/>
-                <a:cs typeface="Courier New" panose="02070309020205020404" pitchFamily="49" charset="0"/>
-              </a:rPr>
-              <a:t># create a Python collection</a:t>
+                <a:latin typeface="Courier" pitchFamily="2" charset="0"/>
+              </a:rPr>
+              <a:t>   </a:t>
+            </a:r>
+            <a:r>
+              <a:rPr lang="en-US" dirty="0" err="1">
+                <a:latin typeface="Courier" pitchFamily="2" charset="0"/>
+              </a:rPr>
+              <a:t>target_rdd</a:t>
+            </a:r>
+            <a:r>
+              <a:rPr lang="en-US" dirty="0">
+                <a:latin typeface="Courier" pitchFamily="2" charset="0"/>
+              </a:rPr>
+              <a:t> = </a:t>
+            </a:r>
+            <a:r>
+              <a:rPr lang="en-US" dirty="0" err="1">
+                <a:latin typeface="Courier" pitchFamily="2" charset="0"/>
+              </a:rPr>
+              <a:t>source_rdd</a:t>
+            </a:r>
+            <a:r>
+              <a:rPr lang="en-US" dirty="0">
+                <a:latin typeface="Courier" pitchFamily="2" charset="0"/>
+              </a:rPr>
+              <a:t>.&lt;</a:t>
+            </a:r>
+            <a:r>
+              <a:rPr lang="en-US" b="1" dirty="0">
+                <a:solidFill>
+                  <a:srgbClr val="0070C0"/>
+                </a:solidFill>
+                <a:latin typeface="Courier" pitchFamily="2" charset="0"/>
+              </a:rPr>
+              <a:t>TRANSFORMATION</a:t>
+            </a:r>
+            <a:r>
+              <a:rPr lang="en-US" dirty="0">
+                <a:latin typeface="Courier" pitchFamily="2" charset="0"/>
+              </a:rPr>
+              <a:t>&gt;(</a:t>
+            </a:r>
+            <a:r>
+              <a:rPr lang="en-US" dirty="0" err="1">
+                <a:latin typeface="Courier" pitchFamily="2" charset="0"/>
+              </a:rPr>
+              <a:t>func</a:t>
+            </a:r>
+            <a:r>
+              <a:rPr lang="en-US" dirty="0">
+                <a:latin typeface="Courier" pitchFamily="2" charset="0"/>
+              </a:rPr>
+              <a:t>)</a:t>
             </a:r>
           </a:p>
           <a:p>
@@ -8343,10 +8067,42 @@
             </a:pPr>
             <a:r>
               <a:rPr lang="en-US" dirty="0">
-                <a:latin typeface="Courier New" panose="02070309020205020404" pitchFamily="49" charset="0"/>
-                <a:cs typeface="Courier New" panose="02070309020205020404" pitchFamily="49" charset="0"/>
-              </a:rPr>
-              <a:t>data = [1, 3, -9, 4, 7, -100, -200, 500, 79, 99]</a:t>
+                <a:latin typeface="Courier" pitchFamily="2" charset="0"/>
+              </a:rPr>
+              <a:t>   rdd2 = </a:t>
+            </a:r>
+            <a:r>
+              <a:rPr lang="en-US" dirty="0" err="1">
+                <a:latin typeface="Courier" pitchFamily="2" charset="0"/>
+              </a:rPr>
+              <a:t>rdd.</a:t>
+            </a:r>
+            <a:r>
+              <a:rPr lang="en-US" b="1" dirty="0" err="1">
+                <a:solidFill>
+                  <a:srgbClr val="0070C0"/>
+                </a:solidFill>
+                <a:latin typeface="Courier" pitchFamily="2" charset="0"/>
+              </a:rPr>
+              <a:t>filter</a:t>
+            </a:r>
+            <a:r>
+              <a:rPr lang="en-US" dirty="0">
+                <a:latin typeface="Courier" pitchFamily="2" charset="0"/>
+              </a:rPr>
+              <a:t>(lambda x: </a:t>
+            </a:r>
+            <a:r>
+              <a:rPr lang="en-US" dirty="0" err="1">
+                <a:latin typeface="Courier" pitchFamily="2" charset="0"/>
+              </a:rPr>
+              <a:t>len</a:t>
+            </a:r>
+            <a:r>
+              <a:rPr lang="en-US" dirty="0">
+                <a:latin typeface="Courier" pitchFamily="2" charset="0"/>
+              </a:rPr>
+              <a:t>(x) &gt; 80)</a:t>
             </a:r>
           </a:p>
           <a:p>
@@ -8355,262 +8111,44 @@
             </a:pPr>
             <a:r>
               <a:rPr lang="en-US" dirty="0">
-                <a:latin typeface="Courier New" panose="02070309020205020404" pitchFamily="49" charset="0"/>
-                <a:cs typeface="Courier New" panose="02070309020205020404" pitchFamily="49" charset="0"/>
-              </a:rPr>
-              <a:t># spark : an instance of </a:t>
+                <a:latin typeface="Courier" pitchFamily="2" charset="0"/>
+              </a:rPr>
+              <a:t>   rdd3 = rdd2.</a:t>
+            </a:r>
+            <a:r>
+              <a:rPr lang="en-US" b="1" dirty="0">
+                <a:solidFill>
+                  <a:srgbClr val="0070C0"/>
+                </a:solidFill>
+                <a:latin typeface="Courier" pitchFamily="2" charset="0"/>
+              </a:rPr>
+              <a:t>map</a:t>
+            </a:r>
+            <a:r>
+              <a:rPr lang="en-US" dirty="0">
+                <a:latin typeface="Courier" pitchFamily="2" charset="0"/>
+              </a:rPr>
+              <a:t>(lambda x: (x, </a:t>
             </a:r>
             <a:r>
               <a:rPr lang="en-US" dirty="0" err="1">
-                <a:latin typeface="Courier New" panose="02070309020205020404" pitchFamily="49" charset="0"/>
-                <a:cs typeface="Courier New" panose="02070309020205020404" pitchFamily="49" charset="0"/>
-              </a:rPr>
-              <a:t>SparkSession</a:t>
-            </a:r>
-            <a:endParaRPr lang="en-US" dirty="0">
-              <a:latin typeface="Courier New" panose="02070309020205020404" pitchFamily="49" charset="0"/>
-              <a:cs typeface="Courier New" panose="02070309020205020404" pitchFamily="49" charset="0"/>
-            </a:endParaRPr>
-          </a:p>
-          <a:p>
-            <a:pPr marL="0" indent="0">
-              <a:buNone/>
-            </a:pPr>
-            <a:r>
-              <a:rPr lang="en-US" dirty="0">
-                <a:latin typeface="Courier New" panose="02070309020205020404" pitchFamily="49" charset="0"/>
-                <a:cs typeface="Courier New" panose="02070309020205020404" pitchFamily="49" charset="0"/>
-              </a:rPr>
-              <a:t># </a:t>
-            </a:r>
-            <a:r>
-              <a:rPr lang="en-US" dirty="0" err="1">
-                <a:latin typeface="Courier New" panose="02070309020205020404" pitchFamily="49" charset="0"/>
-                <a:cs typeface="Courier New" panose="02070309020205020404" pitchFamily="49" charset="0"/>
-              </a:rPr>
-              <a:t>rdd</a:t>
-            </a:r>
-            <a:r>
-              <a:rPr lang="en-US" dirty="0">
-                <a:latin typeface="Courier New" panose="02070309020205020404" pitchFamily="49" charset="0"/>
-                <a:cs typeface="Courier New" panose="02070309020205020404" pitchFamily="49" charset="0"/>
-              </a:rPr>
-              <a:t>: RDD[Integer]</a:t>
-            </a:r>
-          </a:p>
-          <a:p>
-            <a:pPr marL="0" indent="0">
-              <a:buNone/>
-            </a:pPr>
-            <a:r>
-              <a:rPr lang="en-US" dirty="0">
-                <a:latin typeface="Courier New" panose="02070309020205020404" pitchFamily="49" charset="0"/>
-                <a:cs typeface="Courier New" panose="02070309020205020404" pitchFamily="49" charset="0"/>
-              </a:rPr>
-              <a:t># </a:t>
-            </a:r>
-            <a:r>
-              <a:rPr lang="en-US" dirty="0">
-                <a:highlight>
-                  <a:srgbClr val="00FF00"/>
-                </a:highlight>
-                <a:latin typeface="Courier New" panose="02070309020205020404" pitchFamily="49" charset="0"/>
-                <a:cs typeface="Courier New" panose="02070309020205020404" pitchFamily="49" charset="0"/>
-              </a:rPr>
-              <a:t>create an RDD[Integer] from array of integers</a:t>
-            </a:r>
-          </a:p>
-          <a:p>
-            <a:pPr marL="0" indent="0">
-              <a:buNone/>
-            </a:pPr>
-            <a:r>
-              <a:rPr lang="en-US" dirty="0" err="1">
-                <a:latin typeface="Courier New" panose="02070309020205020404" pitchFamily="49" charset="0"/>
-                <a:cs typeface="Courier New" panose="02070309020205020404" pitchFamily="49" charset="0"/>
-              </a:rPr>
-              <a:t>rdd</a:t>
-            </a:r>
-            <a:r>
-              <a:rPr lang="en-US" dirty="0">
-                <a:latin typeface="Courier New" panose="02070309020205020404" pitchFamily="49" charset="0"/>
-                <a:cs typeface="Courier New" panose="02070309020205020404" pitchFamily="49" charset="0"/>
-              </a:rPr>
-              <a:t> = </a:t>
-            </a:r>
-            <a:r>
-              <a:rPr lang="en-US" dirty="0" err="1">
-                <a:latin typeface="Courier New" panose="02070309020205020404" pitchFamily="49" charset="0"/>
-                <a:cs typeface="Courier New" panose="02070309020205020404" pitchFamily="49" charset="0"/>
-              </a:rPr>
-              <a:t>spark.sparkContext.parallelize</a:t>
-            </a:r>
-            <a:r>
-              <a:rPr lang="en-US" dirty="0">
-                <a:latin typeface="Courier New" panose="02070309020205020404" pitchFamily="49" charset="0"/>
-                <a:cs typeface="Courier New" panose="02070309020205020404" pitchFamily="49" charset="0"/>
-              </a:rPr>
-              <a:t>(data)</a:t>
-            </a:r>
-          </a:p>
-          <a:p>
-            <a:pPr marL="0" indent="0">
-              <a:buNone/>
-            </a:pPr>
-            <a:r>
-              <a:rPr lang="en-US" dirty="0" err="1">
-                <a:latin typeface="Courier New" panose="02070309020205020404" pitchFamily="49" charset="0"/>
-                <a:cs typeface="Courier New" panose="02070309020205020404" pitchFamily="49" charset="0"/>
-              </a:rPr>
-              <a:t>rdd.count</a:t>
-            </a:r>
-            <a:r>
-              <a:rPr lang="en-US" dirty="0">
-                <a:latin typeface="Courier New" panose="02070309020205020404" pitchFamily="49" charset="0"/>
-                <a:cs typeface="Courier New" panose="02070309020205020404" pitchFamily="49" charset="0"/>
-              </a:rPr>
-              <a:t>()</a:t>
-            </a:r>
-          </a:p>
-          <a:p>
-            <a:pPr marL="0" indent="0">
-              <a:buNone/>
-            </a:pPr>
-            <a:r>
-              <a:rPr lang="en-US" dirty="0">
-                <a:latin typeface="Courier New" panose="02070309020205020404" pitchFamily="49" charset="0"/>
-                <a:cs typeface="Courier New" panose="02070309020205020404" pitchFamily="49" charset="0"/>
-              </a:rPr>
-              <a:t>10</a:t>
-            </a:r>
-          </a:p>
-          <a:p>
-            <a:pPr marL="0" indent="0">
-              <a:buNone/>
-            </a:pPr>
-            <a:r>
-              <a:rPr lang="en-US" dirty="0" err="1">
-                <a:latin typeface="Courier New" panose="02070309020205020404" pitchFamily="49" charset="0"/>
-                <a:cs typeface="Courier New" panose="02070309020205020404" pitchFamily="49" charset="0"/>
-              </a:rPr>
-              <a:t>rdd.collect</a:t>
-            </a:r>
-            <a:r>
-              <a:rPr lang="en-US" dirty="0">
-                <a:latin typeface="Courier New" panose="02070309020205020404" pitchFamily="49" charset="0"/>
-                <a:cs typeface="Courier New" panose="02070309020205020404" pitchFamily="49" charset="0"/>
-              </a:rPr>
-              <a:t>()</a:t>
-            </a:r>
-          </a:p>
-          <a:p>
-            <a:pPr marL="0" indent="0">
-              <a:buNone/>
-            </a:pPr>
-            <a:r>
-              <a:rPr lang="en-US" dirty="0">
-                <a:latin typeface="Courier New" panose="02070309020205020404" pitchFamily="49" charset="0"/>
-                <a:cs typeface="Courier New" panose="02070309020205020404" pitchFamily="49" charset="0"/>
-              </a:rPr>
-              <a:t>[1, 3, -9, 4, 7, -100, -200, 500, 79, 99]</a:t>
-            </a:r>
-          </a:p>
-          <a:p>
-            <a:pPr marL="0" indent="0">
-              <a:buNone/>
-            </a:pPr>
-            <a:r>
-              <a:rPr lang="en-US" dirty="0">
-                <a:highlight>
-                  <a:srgbClr val="00FF00"/>
-                </a:highlight>
-                <a:latin typeface="Courier New" panose="02070309020205020404" pitchFamily="49" charset="0"/>
-                <a:cs typeface="Courier New" panose="02070309020205020404" pitchFamily="49" charset="0"/>
-              </a:rPr>
-              <a:t># keep only positive elements</a:t>
-            </a:r>
-          </a:p>
-          <a:p>
-            <a:pPr marL="0" indent="0">
-              <a:buNone/>
-            </a:pPr>
-            <a:r>
-              <a:rPr lang="en-US" dirty="0">
-                <a:latin typeface="Courier New" panose="02070309020205020404" pitchFamily="49" charset="0"/>
-                <a:cs typeface="Courier New" panose="02070309020205020404" pitchFamily="49" charset="0"/>
-              </a:rPr>
-              <a:t>positives = </a:t>
-            </a:r>
-            <a:r>
-              <a:rPr lang="en-US" dirty="0" err="1">
-                <a:latin typeface="Courier New" panose="02070309020205020404" pitchFamily="49" charset="0"/>
-                <a:cs typeface="Courier New" panose="02070309020205020404" pitchFamily="49" charset="0"/>
-              </a:rPr>
-              <a:t>rdd.filter</a:t>
-            </a:r>
-            <a:r>
-              <a:rPr lang="en-US" dirty="0">
-                <a:latin typeface="Courier New" panose="02070309020205020404" pitchFamily="49" charset="0"/>
-                <a:cs typeface="Courier New" panose="02070309020205020404" pitchFamily="49" charset="0"/>
-              </a:rPr>
-              <a:t>(lambda n: n &gt; 0)</a:t>
-            </a:r>
-          </a:p>
-          <a:p>
-            <a:pPr marL="0" indent="0">
-              <a:buNone/>
-            </a:pPr>
-            <a:r>
-              <a:rPr lang="en-US" dirty="0" err="1">
-                <a:latin typeface="Courier New" panose="02070309020205020404" pitchFamily="49" charset="0"/>
-                <a:cs typeface="Courier New" panose="02070309020205020404" pitchFamily="49" charset="0"/>
-              </a:rPr>
-              <a:t>positives.collect</a:t>
-            </a:r>
-            <a:r>
-              <a:rPr lang="en-US" dirty="0">
-                <a:latin typeface="Courier New" panose="02070309020205020404" pitchFamily="49" charset="0"/>
-                <a:cs typeface="Courier New" panose="02070309020205020404" pitchFamily="49" charset="0"/>
-              </a:rPr>
-              <a:t>()</a:t>
-            </a:r>
-          </a:p>
-          <a:p>
-            <a:pPr marL="0" indent="0">
-              <a:buNone/>
-            </a:pPr>
-            <a:r>
-              <a:rPr lang="en-US" dirty="0">
-                <a:latin typeface="Courier New" panose="02070309020205020404" pitchFamily="49" charset="0"/>
-                <a:cs typeface="Courier New" panose="02070309020205020404" pitchFamily="49" charset="0"/>
-              </a:rPr>
-              <a:t>[1, 3, 4, 7, 500, 79, 99]</a:t>
-            </a:r>
-          </a:p>
-          <a:p>
-            <a:pPr marL="0" indent="0">
-              <a:buNone/>
-            </a:pPr>
-            <a:endParaRPr lang="en-US" dirty="0">
-              <a:latin typeface="Courier New" panose="02070309020205020404" pitchFamily="49" charset="0"/>
-              <a:cs typeface="Courier New" panose="02070309020205020404" pitchFamily="49" charset="0"/>
-            </a:endParaRPr>
-          </a:p>
-          <a:p>
-            <a:endParaRPr lang="en-US" dirty="0">
-              <a:latin typeface="Courier New" panose="02070309020205020404" pitchFamily="49" charset="0"/>
-              <a:cs typeface="Courier New" panose="02070309020205020404" pitchFamily="49" charset="0"/>
-            </a:endParaRPr>
-          </a:p>
-          <a:p>
-            <a:endParaRPr lang="en-US" sz="2400" dirty="0"/>
+                <a:latin typeface="Courier" pitchFamily="2" charset="0"/>
+              </a:rPr>
+              <a:t>len</a:t>
+            </a:r>
+            <a:r>
+              <a:rPr lang="en-US" dirty="0">
+                <a:latin typeface="Courier" pitchFamily="2" charset="0"/>
+              </a:rPr>
+              <a:t>(x)))</a:t>
+            </a:r>
           </a:p>
         </p:txBody>
       </p:sp>
     </p:spTree>
     <p:extLst>
       <p:ext uri="{BB962C8B-B14F-4D97-AF65-F5344CB8AC3E}">
-        <p14:creationId xmlns:p14="http://schemas.microsoft.com/office/powerpoint/2010/main" val="3764406814"/>
+        <p14:creationId xmlns:p14="http://schemas.microsoft.com/office/powerpoint/2010/main" val="3489093003"/>
       </p:ext>
     </p:extLst>
   </p:cSld>
@@ -8639,10 +8177,10 @@
       </p:grpSpPr>
       <p:sp>
         <p:nvSpPr>
-          <p:cNvPr id="2" name="Title 1">
+          <p:cNvPr id="4" name="Title 3">
             <a:extLst>
               <a:ext uri="{FF2B5EF4-FFF2-40B4-BE49-F238E27FC236}">
-                <a16:creationId xmlns:a16="http://schemas.microsoft.com/office/drawing/2014/main" id="{76A9E06D-7B31-2069-F274-FDD64F8317DD}"/>
+                <a16:creationId xmlns:a16="http://schemas.microsoft.com/office/drawing/2014/main" id="{DCCC8AEE-1310-634E-9023-7929C03FECFD}"/>
               </a:ext>
             </a:extLst>
           </p:cNvPr>
@@ -8655,8 +8193,8 @@
         </p:nvSpPr>
         <p:spPr>
           <a:xfrm>
-            <a:off x="628650" y="273844"/>
-            <a:ext cx="7886700" cy="597013"/>
+            <a:off x="628650" y="273845"/>
+            <a:ext cx="7886700" cy="457676"/>
           </a:xfrm>
         </p:spPr>
         <p:txBody>
@@ -8667,145 +8205,449 @@
           <a:p>
             <a:r>
               <a:rPr lang="en-US" dirty="0"/>
-              <a:t>RDD Summary:   </a:t>
-            </a:r>
-            <a:r>
-              <a:rPr lang="en-US" sz="4000" dirty="0">
-                <a:latin typeface="Courier" pitchFamily="2" charset="0"/>
-              </a:rPr>
-              <a:t>RDD[T]</a:t>
-            </a:r>
+              <a:t>RDD Shorthand Notation</a:t>
+            </a:r>
+          </a:p>
+        </p:txBody>
+      </p:sp>
+      <p:sp>
+        <p:nvSpPr>
+          <p:cNvPr id="5" name="Content Placeholder 4">
+            <a:extLst>
+              <a:ext uri="{FF2B5EF4-FFF2-40B4-BE49-F238E27FC236}">
+                <a16:creationId xmlns:a16="http://schemas.microsoft.com/office/drawing/2014/main" id="{C4FE1F5A-47C9-D047-9202-796ADD8B3DB3}"/>
+              </a:ext>
+            </a:extLst>
+          </p:cNvPr>
+          <p:cNvSpPr>
+            <a:spLocks noGrp="1"/>
+          </p:cNvSpPr>
+          <p:nvPr>
+            <p:ph idx="1"/>
+          </p:nvPr>
+        </p:nvSpPr>
+        <p:spPr>
+          <a:xfrm>
+            <a:off x="628650" y="731521"/>
+            <a:ext cx="7886700" cy="3901202"/>
+          </a:xfrm>
+        </p:spPr>
+        <p:txBody>
+          <a:bodyPr>
+            <a:normAutofit fontScale="92500" lnSpcReduction="20000"/>
+          </a:bodyPr>
+          <a:lstStyle/>
+          <a:p>
+            <a:pPr marL="0" indent="0">
+              <a:buNone/>
+            </a:pPr>
+            <a:r>
+              <a:rPr lang="en-US" dirty="0">
+                <a:latin typeface="Courier" pitchFamily="2" charset="0"/>
+              </a:rPr>
+              <a:t># spark denotes a SparkSession object</a:t>
+            </a:r>
+          </a:p>
+          <a:p>
+            <a:pPr marL="0" indent="0">
+              <a:buNone/>
+            </a:pPr>
+            <a:r>
+              <a:rPr lang="en-US" dirty="0" err="1">
+                <a:latin typeface="Courier" pitchFamily="2" charset="0"/>
+              </a:rPr>
+              <a:t>input_path</a:t>
+            </a:r>
+            <a:r>
+              <a:rPr lang="en-US" dirty="0">
+                <a:latin typeface="Courier" pitchFamily="2" charset="0"/>
+              </a:rPr>
+              <a:t> = “/</a:t>
+            </a:r>
+            <a:r>
+              <a:rPr lang="en-US" dirty="0" err="1">
+                <a:latin typeface="Courier" pitchFamily="2" charset="0"/>
+              </a:rPr>
+              <a:t>tmp</a:t>
+            </a:r>
+            <a:r>
+              <a:rPr lang="en-US" dirty="0">
+                <a:latin typeface="Courier" pitchFamily="2" charset="0"/>
+              </a:rPr>
+              <a:t>/data7/”</a:t>
+            </a:r>
+          </a:p>
+          <a:p>
+            <a:pPr marL="0" indent="0">
+              <a:buNone/>
+            </a:pPr>
+            <a:r>
+              <a:rPr lang="en-US" dirty="0" err="1">
+                <a:highlight>
+                  <a:srgbClr val="FFFF00"/>
+                </a:highlight>
+                <a:latin typeface="Courier" pitchFamily="2" charset="0"/>
+              </a:rPr>
+              <a:t>rdd</a:t>
+            </a:r>
+            <a:r>
+              <a:rPr lang="en-US" dirty="0">
+                <a:highlight>
+                  <a:srgbClr val="FFFF00"/>
+                </a:highlight>
+                <a:latin typeface="Courier" pitchFamily="2" charset="0"/>
+              </a:rPr>
+              <a:t> = </a:t>
+            </a:r>
+            <a:r>
+              <a:rPr lang="en-US" dirty="0" err="1">
+                <a:highlight>
+                  <a:srgbClr val="FFFF00"/>
+                </a:highlight>
+                <a:latin typeface="Courier" pitchFamily="2" charset="0"/>
+              </a:rPr>
+              <a:t>spark.sparkContext.textFile</a:t>
+            </a:r>
+            <a:r>
+              <a:rPr lang="en-US" dirty="0">
+                <a:highlight>
+                  <a:srgbClr val="FFFF00"/>
+                </a:highlight>
+                <a:latin typeface="Courier" pitchFamily="2" charset="0"/>
+              </a:rPr>
+              <a:t>(</a:t>
+            </a:r>
+            <a:r>
+              <a:rPr lang="en-US" dirty="0" err="1">
+                <a:highlight>
+                  <a:srgbClr val="FFFF00"/>
+                </a:highlight>
+                <a:latin typeface="Courier" pitchFamily="2" charset="0"/>
+              </a:rPr>
+              <a:t>input_path</a:t>
+            </a:r>
+            <a:r>
+              <a:rPr lang="en-US" dirty="0">
+                <a:highlight>
+                  <a:srgbClr val="FFFF00"/>
+                </a:highlight>
+                <a:latin typeface="Courier" pitchFamily="2" charset="0"/>
+              </a:rPr>
+              <a:t>)</a:t>
+            </a:r>
+          </a:p>
+          <a:p>
+            <a:pPr marL="0" indent="0">
+              <a:buNone/>
+            </a:pPr>
+            <a:r>
+              <a:rPr lang="en-US" dirty="0">
+                <a:highlight>
+                  <a:srgbClr val="FFFF00"/>
+                </a:highlight>
+                <a:latin typeface="Courier" pitchFamily="2" charset="0"/>
+              </a:rPr>
+              <a:t>rdd2 = </a:t>
+            </a:r>
+            <a:r>
+              <a:rPr lang="en-US" dirty="0" err="1">
+                <a:highlight>
+                  <a:srgbClr val="FFFF00"/>
+                </a:highlight>
+                <a:latin typeface="Courier" pitchFamily="2" charset="0"/>
+              </a:rPr>
+              <a:t>rdd.</a:t>
+            </a:r>
+            <a:r>
+              <a:rPr lang="en-US" b="1" dirty="0" err="1">
+                <a:solidFill>
+                  <a:srgbClr val="0070C0"/>
+                </a:solidFill>
+                <a:highlight>
+                  <a:srgbClr val="FFFF00"/>
+                </a:highlight>
+                <a:latin typeface="Courier" pitchFamily="2" charset="0"/>
+              </a:rPr>
+              <a:t>filter</a:t>
+            </a:r>
+            <a:r>
+              <a:rPr lang="en-US" dirty="0">
+                <a:highlight>
+                  <a:srgbClr val="FFFF00"/>
+                </a:highlight>
+                <a:latin typeface="Courier" pitchFamily="2" charset="0"/>
+              </a:rPr>
+              <a:t>(lambda x: </a:t>
+            </a:r>
+            <a:r>
+              <a:rPr lang="en-US" dirty="0" err="1">
+                <a:highlight>
+                  <a:srgbClr val="FFFF00"/>
+                </a:highlight>
+                <a:latin typeface="Courier" pitchFamily="2" charset="0"/>
+              </a:rPr>
+              <a:t>len</a:t>
+            </a:r>
+            <a:r>
+              <a:rPr lang="en-US" dirty="0">
+                <a:highlight>
+                  <a:srgbClr val="FFFF00"/>
+                </a:highlight>
+                <a:latin typeface="Courier" pitchFamily="2" charset="0"/>
+              </a:rPr>
+              <a:t>(x) &gt; 80)</a:t>
+            </a:r>
+          </a:p>
+          <a:p>
+            <a:pPr marL="0" indent="0">
+              <a:buNone/>
+            </a:pPr>
+            <a:r>
+              <a:rPr lang="en-US" dirty="0">
+                <a:highlight>
+                  <a:srgbClr val="FFFF00"/>
+                </a:highlight>
+                <a:latin typeface="Courier" pitchFamily="2" charset="0"/>
+              </a:rPr>
+              <a:t>rdd3 = rdd2.</a:t>
+            </a:r>
+            <a:r>
+              <a:rPr lang="en-US" b="1" dirty="0">
+                <a:solidFill>
+                  <a:srgbClr val="0070C0"/>
+                </a:solidFill>
+                <a:highlight>
+                  <a:srgbClr val="FFFF00"/>
+                </a:highlight>
+                <a:latin typeface="Courier" pitchFamily="2" charset="0"/>
+              </a:rPr>
+              <a:t>map</a:t>
+            </a:r>
+            <a:r>
+              <a:rPr lang="en-US" dirty="0">
+                <a:highlight>
+                  <a:srgbClr val="FFFF00"/>
+                </a:highlight>
+                <a:latin typeface="Courier" pitchFamily="2" charset="0"/>
+              </a:rPr>
+              <a:t>(lambda x: (x, </a:t>
+            </a:r>
+            <a:r>
+              <a:rPr lang="en-US" dirty="0" err="1">
+                <a:highlight>
+                  <a:srgbClr val="FFFF00"/>
+                </a:highlight>
+                <a:latin typeface="Courier" pitchFamily="2" charset="0"/>
+              </a:rPr>
+              <a:t>len</a:t>
+            </a:r>
+            <a:r>
+              <a:rPr lang="en-US" dirty="0">
+                <a:highlight>
+                  <a:srgbClr val="FFFF00"/>
+                </a:highlight>
+                <a:latin typeface="Courier" pitchFamily="2" charset="0"/>
+              </a:rPr>
+              <a:t>(x)))</a:t>
+            </a:r>
+          </a:p>
+          <a:p>
+            <a:pPr marL="0" indent="0">
+              <a:buNone/>
+            </a:pPr>
             <a:endParaRPr lang="en-US" dirty="0">
               <a:latin typeface="Courier" pitchFamily="2" charset="0"/>
             </a:endParaRPr>
           </a:p>
-        </p:txBody>
-      </p:sp>
-      <p:sp>
-        <p:nvSpPr>
-          <p:cNvPr id="3" name="Content Placeholder 2">
-            <a:extLst>
-              <a:ext uri="{FF2B5EF4-FFF2-40B4-BE49-F238E27FC236}">
-                <a16:creationId xmlns:a16="http://schemas.microsoft.com/office/drawing/2014/main" id="{73E3DC99-4F17-E4AD-357E-F9E19992DC8E}"/>
-              </a:ext>
-            </a:extLst>
-          </p:cNvPr>
-          <p:cNvSpPr>
-            <a:spLocks noGrp="1"/>
-          </p:cNvSpPr>
-          <p:nvPr>
-            <p:ph idx="1"/>
-          </p:nvPr>
-        </p:nvSpPr>
-        <p:spPr>
-          <a:xfrm>
-            <a:off x="628650" y="870857"/>
-            <a:ext cx="7886700" cy="3509554"/>
-          </a:xfrm>
-        </p:spPr>
-        <p:txBody>
-          <a:bodyPr>
-            <a:normAutofit fontScale="92500" lnSpcReduction="10000"/>
-          </a:bodyPr>
-          <a:lstStyle/>
-          <a:p>
-            <a:r>
-              <a:rPr lang="en-US" sz="2400" dirty="0"/>
-              <a:t>RDD is a low-level data abstraction in Spark</a:t>
-            </a:r>
-          </a:p>
-          <a:p>
-            <a:pPr lvl="1"/>
-            <a:r>
-              <a:rPr lang="en-US" sz="2200"/>
-              <a:t>Each element is a data type of T</a:t>
-            </a:r>
-            <a:endParaRPr lang="en-US" sz="2200" dirty="0"/>
-          </a:p>
-          <a:p>
-            <a:r>
-              <a:rPr lang="en-US" sz="2400" dirty="0"/>
-              <a:t>Your data can be represented as an RDD</a:t>
-            </a:r>
-          </a:p>
-          <a:p>
-            <a:pPr lvl="1"/>
-            <a:r>
-              <a:rPr lang="en-US" sz="2000" dirty="0"/>
-              <a:t>Python Collections</a:t>
-            </a:r>
-          </a:p>
-          <a:p>
-            <a:pPr lvl="1"/>
-            <a:r>
-              <a:rPr lang="en-US" sz="2000" dirty="0"/>
-              <a:t>Text files, CSV files, log files, …</a:t>
-            </a:r>
-          </a:p>
-          <a:p>
-            <a:pPr lvl="1"/>
-            <a:r>
-              <a:rPr lang="en-US" sz="2000" dirty="0"/>
-              <a:t>Unstructured and semi-structured data</a:t>
-            </a:r>
-          </a:p>
-          <a:p>
-            <a:r>
-              <a:rPr lang="en-US" sz="2400" dirty="0"/>
-              <a:t>RDD is a READ-ONLY: no synchronization is required</a:t>
-            </a:r>
-          </a:p>
-          <a:p>
-            <a:r>
-              <a:rPr lang="en-US" sz="2400" dirty="0"/>
-              <a:t>RDD is partitioned and distributed: parallelism</a:t>
-            </a:r>
-          </a:p>
-          <a:p>
-            <a:r>
-              <a:rPr lang="en-US" sz="2400" dirty="0"/>
-              <a:t>RDD is resilient: fault-tolerant: you will not lose data</a:t>
-            </a:r>
-            <a:endParaRPr lang="en-US" dirty="0"/>
-          </a:p>
-        </p:txBody>
-      </p:sp>
-      <p:sp>
-        <p:nvSpPr>
-          <p:cNvPr id="4" name="TextBox 3">
-            <a:extLst>
-              <a:ext uri="{FF2B5EF4-FFF2-40B4-BE49-F238E27FC236}">
-                <a16:creationId xmlns:a16="http://schemas.microsoft.com/office/drawing/2014/main" id="{254D404D-4595-0DD4-92C3-3DBEEFD67B2A}"/>
-              </a:ext>
-            </a:extLst>
-          </p:cNvPr>
-          <p:cNvSpPr txBox="1"/>
-          <p:nvPr/>
-        </p:nvSpPr>
-        <p:spPr>
-          <a:xfrm>
-            <a:off x="-592183" y="-644434"/>
-            <a:ext cx="184731" cy="369332"/>
-          </a:xfrm>
-          <a:prstGeom prst="rect">
-            <a:avLst/>
-          </a:prstGeom>
-          <a:noFill/>
-        </p:spPr>
-        <p:txBody>
-          <a:bodyPr wrap="none" rtlCol="0">
-            <a:spAutoFit/>
-          </a:bodyPr>
-          <a:lstStyle/>
-          <a:p>
-            <a:endParaRPr lang="en-US" dirty="0"/>
+          <a:p>
+            <a:pPr marL="0" indent="0">
+              <a:buNone/>
+            </a:pPr>
+            <a:r>
+              <a:rPr lang="en-US" dirty="0">
+                <a:latin typeface="Courier" pitchFamily="2" charset="0"/>
+              </a:rPr>
+              <a:t>  OR</a:t>
+            </a:r>
+          </a:p>
+          <a:p>
+            <a:pPr marL="0" indent="0">
+              <a:buNone/>
+            </a:pPr>
+            <a:endParaRPr lang="en-US" dirty="0">
+              <a:latin typeface="Courier" pitchFamily="2" charset="0"/>
+            </a:endParaRPr>
+          </a:p>
+          <a:p>
+            <a:pPr marL="0" indent="0">
+              <a:buNone/>
+            </a:pPr>
+            <a:r>
+              <a:rPr lang="en-US" dirty="0">
+                <a:highlight>
+                  <a:srgbClr val="00FF00"/>
+                </a:highlight>
+                <a:latin typeface="Courier" pitchFamily="2" charset="0"/>
+              </a:rPr>
+              <a:t>rdd3 = </a:t>
+            </a:r>
+            <a:r>
+              <a:rPr lang="en-US" dirty="0" err="1">
+                <a:highlight>
+                  <a:srgbClr val="00FF00"/>
+                </a:highlight>
+                <a:latin typeface="Courier" pitchFamily="2" charset="0"/>
+              </a:rPr>
+              <a:t>spark.sparkContext.textFile</a:t>
+            </a:r>
+            <a:r>
+              <a:rPr lang="en-US" dirty="0">
+                <a:highlight>
+                  <a:srgbClr val="00FF00"/>
+                </a:highlight>
+                <a:latin typeface="Courier" pitchFamily="2" charset="0"/>
+              </a:rPr>
+              <a:t>(</a:t>
+            </a:r>
+            <a:r>
+              <a:rPr lang="en-US" dirty="0" err="1">
+                <a:highlight>
+                  <a:srgbClr val="00FF00"/>
+                </a:highlight>
+                <a:latin typeface="Courier" pitchFamily="2" charset="0"/>
+              </a:rPr>
+              <a:t>input_path</a:t>
+            </a:r>
+            <a:r>
+              <a:rPr lang="en-US" dirty="0">
+                <a:highlight>
+                  <a:srgbClr val="00FF00"/>
+                </a:highlight>
+                <a:latin typeface="Courier" pitchFamily="2" charset="0"/>
+              </a:rPr>
+              <a:t>)</a:t>
+            </a:r>
+          </a:p>
+          <a:p>
+            <a:pPr marL="0" indent="0">
+              <a:buNone/>
+            </a:pPr>
+            <a:r>
+              <a:rPr lang="en-US" dirty="0">
+                <a:highlight>
+                  <a:srgbClr val="00FF00"/>
+                </a:highlight>
+                <a:latin typeface="Courier" pitchFamily="2" charset="0"/>
+              </a:rPr>
+              <a:t>         .</a:t>
+            </a:r>
+            <a:r>
+              <a:rPr lang="en-US" b="1" dirty="0">
+                <a:solidFill>
+                  <a:srgbClr val="0070C0"/>
+                </a:solidFill>
+                <a:highlight>
+                  <a:srgbClr val="00FF00"/>
+                </a:highlight>
+                <a:latin typeface="Courier" pitchFamily="2" charset="0"/>
+              </a:rPr>
+              <a:t>filter</a:t>
+            </a:r>
+            <a:r>
+              <a:rPr lang="en-US" dirty="0">
+                <a:highlight>
+                  <a:srgbClr val="00FF00"/>
+                </a:highlight>
+                <a:latin typeface="Courier" pitchFamily="2" charset="0"/>
+              </a:rPr>
+              <a:t>(lambda x: </a:t>
+            </a:r>
+            <a:r>
+              <a:rPr lang="en-US" dirty="0" err="1">
+                <a:highlight>
+                  <a:srgbClr val="00FF00"/>
+                </a:highlight>
+                <a:latin typeface="Courier" pitchFamily="2" charset="0"/>
+              </a:rPr>
+              <a:t>len</a:t>
+            </a:r>
+            <a:r>
+              <a:rPr lang="en-US" dirty="0">
+                <a:highlight>
+                  <a:srgbClr val="00FF00"/>
+                </a:highlight>
+                <a:latin typeface="Courier" pitchFamily="2" charset="0"/>
+              </a:rPr>
+              <a:t>(x) &gt; 80)</a:t>
+            </a:r>
+          </a:p>
+          <a:p>
+            <a:pPr marL="0" indent="0">
+              <a:buNone/>
+            </a:pPr>
+            <a:r>
+              <a:rPr lang="en-US" dirty="0">
+                <a:highlight>
+                  <a:srgbClr val="00FF00"/>
+                </a:highlight>
+                <a:latin typeface="Courier" pitchFamily="2" charset="0"/>
+              </a:rPr>
+              <a:t>         .</a:t>
+            </a:r>
+            <a:r>
+              <a:rPr lang="en-US" b="1" dirty="0">
+                <a:solidFill>
+                  <a:srgbClr val="0070C0"/>
+                </a:solidFill>
+                <a:highlight>
+                  <a:srgbClr val="00FF00"/>
+                </a:highlight>
+                <a:latin typeface="Courier" pitchFamily="2" charset="0"/>
+              </a:rPr>
+              <a:t>map</a:t>
+            </a:r>
+            <a:r>
+              <a:rPr lang="en-US" dirty="0">
+                <a:highlight>
+                  <a:srgbClr val="00FF00"/>
+                </a:highlight>
+                <a:latin typeface="Courier" pitchFamily="2" charset="0"/>
+              </a:rPr>
+              <a:t>(lambda x: (x, </a:t>
+            </a:r>
+            <a:r>
+              <a:rPr lang="en-US" dirty="0" err="1">
+                <a:highlight>
+                  <a:srgbClr val="00FF00"/>
+                </a:highlight>
+                <a:latin typeface="Courier" pitchFamily="2" charset="0"/>
+              </a:rPr>
+              <a:t>len</a:t>
+            </a:r>
+            <a:r>
+              <a:rPr lang="en-US" dirty="0">
+                <a:highlight>
+                  <a:srgbClr val="00FF00"/>
+                </a:highlight>
+                <a:latin typeface="Courier" pitchFamily="2" charset="0"/>
+              </a:rPr>
+              <a:t>(x)))</a:t>
+            </a:r>
+          </a:p>
+          <a:p>
+            <a:pPr marL="0" indent="0">
+              <a:buNone/>
+            </a:pPr>
+            <a:endParaRPr lang="en-US" dirty="0">
+              <a:latin typeface="Courier" pitchFamily="2" charset="0"/>
+            </a:endParaRPr>
           </a:p>
         </p:txBody>
       </p:sp>
     </p:spTree>
     <p:extLst>
       <p:ext uri="{BB962C8B-B14F-4D97-AF65-F5344CB8AC3E}">
-        <p14:creationId xmlns:p14="http://schemas.microsoft.com/office/powerpoint/2010/main" val="1415533691"/>
+        <p14:creationId xmlns:p14="http://schemas.microsoft.com/office/powerpoint/2010/main" val="644228492"/>
       </p:ext>
     </p:extLst>
   </p:cSld>
@@ -8834,10 +8676,10 @@
       </p:grpSpPr>
       <p:sp>
         <p:nvSpPr>
-          <p:cNvPr id="2" name="Title 1">
+          <p:cNvPr id="4" name="Title 3">
             <a:extLst>
               <a:ext uri="{FF2B5EF4-FFF2-40B4-BE49-F238E27FC236}">
-                <a16:creationId xmlns:a16="http://schemas.microsoft.com/office/drawing/2014/main" id="{6443D346-1F86-DDEA-E287-B442E334A8B7}"/>
+                <a16:creationId xmlns:a16="http://schemas.microsoft.com/office/drawing/2014/main" id="{DCCC8AEE-1310-634E-9023-7929C03FECFD}"/>
               </a:ext>
             </a:extLst>
           </p:cNvPr>
@@ -8848,24 +8690,31 @@
             <p:ph type="title"/>
           </p:nvPr>
         </p:nvSpPr>
-        <p:spPr/>
-        <p:txBody>
-          <a:bodyPr/>
+        <p:spPr>
+          <a:xfrm>
+            <a:off x="628650" y="273844"/>
+            <a:ext cx="7886700" cy="509927"/>
+          </a:xfrm>
+        </p:spPr>
+        <p:txBody>
+          <a:bodyPr>
+            <a:normAutofit fontScale="90000"/>
+          </a:bodyPr>
           <a:lstStyle/>
           <a:p>
             <a:r>
               <a:rPr lang="en-US" dirty="0"/>
-              <a:t>09o98</a:t>
-            </a:r>
-          </a:p>
-        </p:txBody>
-      </p:sp>
-      <p:sp>
-        <p:nvSpPr>
-          <p:cNvPr id="3" name="Content Placeholder 2">
+              <a:t>RDD Shorthand Notation Penalty?</a:t>
+            </a:r>
+          </a:p>
+        </p:txBody>
+      </p:sp>
+      <p:sp>
+        <p:nvSpPr>
+          <p:cNvPr id="5" name="Content Placeholder 4">
             <a:extLst>
               <a:ext uri="{FF2B5EF4-FFF2-40B4-BE49-F238E27FC236}">
-                <a16:creationId xmlns:a16="http://schemas.microsoft.com/office/drawing/2014/main" id="{799B8DF9-6A66-82C7-DC89-202BF7A191BF}"/>
+                <a16:creationId xmlns:a16="http://schemas.microsoft.com/office/drawing/2014/main" id="{C4FE1F5A-47C9-D047-9202-796ADD8B3DB3}"/>
               </a:ext>
             </a:extLst>
           </p:cNvPr>
@@ -8876,19 +8725,490 @@
             <p:ph idx="1"/>
           </p:nvPr>
         </p:nvSpPr>
-        <p:spPr/>
-        <p:txBody>
-          <a:bodyPr/>
+        <p:spPr>
+          <a:xfrm>
+            <a:off x="628650" y="783771"/>
+            <a:ext cx="7886700" cy="3848952"/>
+          </a:xfrm>
+        </p:spPr>
+        <p:txBody>
+          <a:bodyPr>
+            <a:normAutofit fontScale="70000" lnSpcReduction="20000"/>
+          </a:bodyPr>
           <a:lstStyle/>
           <a:p>
-            <a:endParaRPr lang="en-US"/>
+            <a:pPr marL="0" indent="0">
+              <a:buNone/>
+            </a:pPr>
+            <a:r>
+              <a:rPr lang="en-US" b="1" dirty="0">
+                <a:latin typeface="Courier" pitchFamily="2" charset="0"/>
+              </a:rPr>
+              <a:t>There is no performance Penalty for not writing short-hand notation. </a:t>
+            </a:r>
+          </a:p>
+          <a:p>
+            <a:pPr marL="0" indent="0">
+              <a:buNone/>
+            </a:pPr>
+            <a:r>
+              <a:rPr lang="en-US" dirty="0">
+                <a:latin typeface="Courier" pitchFamily="2" charset="0"/>
+              </a:rPr>
+              <a:t>The following are equivalent:</a:t>
+            </a:r>
+          </a:p>
+          <a:p>
+            <a:pPr marL="0" indent="0">
+              <a:buNone/>
+            </a:pPr>
+            <a:endParaRPr lang="en-US" dirty="0">
+              <a:highlight>
+                <a:srgbClr val="00FF00"/>
+              </a:highlight>
+              <a:latin typeface="Courier" pitchFamily="2" charset="0"/>
+            </a:endParaRPr>
+          </a:p>
+          <a:p>
+            <a:pPr marL="0" indent="0">
+              <a:buNone/>
+            </a:pPr>
+            <a:r>
+              <a:rPr lang="en-US" dirty="0" err="1">
+                <a:latin typeface="Courier" pitchFamily="2" charset="0"/>
+              </a:rPr>
+              <a:t>input_path</a:t>
+            </a:r>
+            <a:r>
+              <a:rPr lang="en-US" dirty="0">
+                <a:latin typeface="Courier" pitchFamily="2" charset="0"/>
+              </a:rPr>
+              <a:t> = “/</a:t>
+            </a:r>
+            <a:r>
+              <a:rPr lang="en-US" dirty="0" err="1">
+                <a:latin typeface="Courier" pitchFamily="2" charset="0"/>
+              </a:rPr>
+              <a:t>tmp</a:t>
+            </a:r>
+            <a:r>
+              <a:rPr lang="en-US" dirty="0">
+                <a:latin typeface="Courier" pitchFamily="2" charset="0"/>
+              </a:rPr>
+              <a:t>/data7/”</a:t>
+            </a:r>
+          </a:p>
+          <a:p>
+            <a:pPr marL="0" indent="0">
+              <a:buNone/>
+            </a:pPr>
+            <a:r>
+              <a:rPr lang="en-US" dirty="0" err="1">
+                <a:highlight>
+                  <a:srgbClr val="FFFF00"/>
+                </a:highlight>
+                <a:latin typeface="Courier" pitchFamily="2" charset="0"/>
+              </a:rPr>
+              <a:t>rdd</a:t>
+            </a:r>
+            <a:r>
+              <a:rPr lang="en-US" dirty="0">
+                <a:highlight>
+                  <a:srgbClr val="FFFF00"/>
+                </a:highlight>
+                <a:latin typeface="Courier" pitchFamily="2" charset="0"/>
+              </a:rPr>
+              <a:t> = </a:t>
+            </a:r>
+            <a:r>
+              <a:rPr lang="en-US" dirty="0" err="1">
+                <a:highlight>
+                  <a:srgbClr val="FFFF00"/>
+                </a:highlight>
+                <a:latin typeface="Courier" pitchFamily="2" charset="0"/>
+              </a:rPr>
+              <a:t>spark.sparkContext.textFile</a:t>
+            </a:r>
+            <a:r>
+              <a:rPr lang="en-US" dirty="0">
+                <a:highlight>
+                  <a:srgbClr val="FFFF00"/>
+                </a:highlight>
+                <a:latin typeface="Courier" pitchFamily="2" charset="0"/>
+              </a:rPr>
+              <a:t>(</a:t>
+            </a:r>
+            <a:r>
+              <a:rPr lang="en-US" dirty="0" err="1">
+                <a:highlight>
+                  <a:srgbClr val="FFFF00"/>
+                </a:highlight>
+                <a:latin typeface="Courier" pitchFamily="2" charset="0"/>
+              </a:rPr>
+              <a:t>input_path</a:t>
+            </a:r>
+            <a:r>
+              <a:rPr lang="en-US" dirty="0">
+                <a:highlight>
+                  <a:srgbClr val="FFFF00"/>
+                </a:highlight>
+                <a:latin typeface="Courier" pitchFamily="2" charset="0"/>
+              </a:rPr>
+              <a:t>)</a:t>
+            </a:r>
+          </a:p>
+          <a:p>
+            <a:pPr marL="0" indent="0">
+              <a:buNone/>
+            </a:pPr>
+            <a:r>
+              <a:rPr lang="en-US" dirty="0">
+                <a:highlight>
+                  <a:srgbClr val="FFFF00"/>
+                </a:highlight>
+                <a:latin typeface="Courier" pitchFamily="2" charset="0"/>
+              </a:rPr>
+              <a:t>rdd2 = </a:t>
+            </a:r>
+            <a:r>
+              <a:rPr lang="en-US" dirty="0" err="1">
+                <a:highlight>
+                  <a:srgbClr val="FFFF00"/>
+                </a:highlight>
+                <a:latin typeface="Courier" pitchFamily="2" charset="0"/>
+              </a:rPr>
+              <a:t>rdd.</a:t>
+            </a:r>
+            <a:r>
+              <a:rPr lang="en-US" b="1" dirty="0" err="1">
+                <a:solidFill>
+                  <a:srgbClr val="0070C0"/>
+                </a:solidFill>
+                <a:highlight>
+                  <a:srgbClr val="FFFF00"/>
+                </a:highlight>
+                <a:latin typeface="Courier" pitchFamily="2" charset="0"/>
+              </a:rPr>
+              <a:t>filter</a:t>
+            </a:r>
+            <a:r>
+              <a:rPr lang="en-US" dirty="0">
+                <a:highlight>
+                  <a:srgbClr val="FFFF00"/>
+                </a:highlight>
+                <a:latin typeface="Courier" pitchFamily="2" charset="0"/>
+              </a:rPr>
+              <a:t>(lambda x: </a:t>
+            </a:r>
+            <a:r>
+              <a:rPr lang="en-US" dirty="0" err="1">
+                <a:highlight>
+                  <a:srgbClr val="FFFF00"/>
+                </a:highlight>
+                <a:latin typeface="Courier" pitchFamily="2" charset="0"/>
+              </a:rPr>
+              <a:t>len</a:t>
+            </a:r>
+            <a:r>
+              <a:rPr lang="en-US" dirty="0">
+                <a:highlight>
+                  <a:srgbClr val="FFFF00"/>
+                </a:highlight>
+                <a:latin typeface="Courier" pitchFamily="2" charset="0"/>
+              </a:rPr>
+              <a:t>(x) &gt; 80)</a:t>
+            </a:r>
+          </a:p>
+          <a:p>
+            <a:pPr marL="0" indent="0">
+              <a:buNone/>
+            </a:pPr>
+            <a:r>
+              <a:rPr lang="en-US" dirty="0">
+                <a:highlight>
+                  <a:srgbClr val="FFFF00"/>
+                </a:highlight>
+                <a:latin typeface="Courier" pitchFamily="2" charset="0"/>
+              </a:rPr>
+              <a:t>rdd3 = rdd2.</a:t>
+            </a:r>
+            <a:r>
+              <a:rPr lang="en-US" b="1" dirty="0">
+                <a:solidFill>
+                  <a:srgbClr val="0070C0"/>
+                </a:solidFill>
+                <a:highlight>
+                  <a:srgbClr val="FFFF00"/>
+                </a:highlight>
+                <a:latin typeface="Courier" pitchFamily="2" charset="0"/>
+              </a:rPr>
+              <a:t>map</a:t>
+            </a:r>
+            <a:r>
+              <a:rPr lang="en-US" dirty="0">
+                <a:highlight>
+                  <a:srgbClr val="FFFF00"/>
+                </a:highlight>
+                <a:latin typeface="Courier" pitchFamily="2" charset="0"/>
+              </a:rPr>
+              <a:t>(lambda x: (x, </a:t>
+            </a:r>
+            <a:r>
+              <a:rPr lang="en-US" dirty="0" err="1">
+                <a:highlight>
+                  <a:srgbClr val="FFFF00"/>
+                </a:highlight>
+                <a:latin typeface="Courier" pitchFamily="2" charset="0"/>
+              </a:rPr>
+              <a:t>len</a:t>
+            </a:r>
+            <a:r>
+              <a:rPr lang="en-US" dirty="0">
+                <a:highlight>
+                  <a:srgbClr val="FFFF00"/>
+                </a:highlight>
+                <a:latin typeface="Courier" pitchFamily="2" charset="0"/>
+              </a:rPr>
+              <a:t>(x)))</a:t>
+            </a:r>
+          </a:p>
+          <a:p>
+            <a:pPr marL="0" indent="0">
+              <a:buNone/>
+            </a:pPr>
+            <a:endParaRPr lang="en-US" dirty="0">
+              <a:latin typeface="Courier" pitchFamily="2" charset="0"/>
+            </a:endParaRPr>
+          </a:p>
+          <a:p>
+            <a:pPr marL="0" indent="0">
+              <a:buNone/>
+            </a:pPr>
+            <a:r>
+              <a:rPr lang="en-US" dirty="0">
+                <a:latin typeface="Courier" pitchFamily="2" charset="0"/>
+              </a:rPr>
+              <a:t>OR</a:t>
+            </a:r>
+          </a:p>
+          <a:p>
+            <a:pPr marL="0" indent="0">
+              <a:buNone/>
+            </a:pPr>
+            <a:endParaRPr lang="en-US" dirty="0">
+              <a:latin typeface="Courier" pitchFamily="2" charset="0"/>
+            </a:endParaRPr>
+          </a:p>
+          <a:p>
+            <a:pPr marL="0" indent="0">
+              <a:buNone/>
+            </a:pPr>
+            <a:r>
+              <a:rPr lang="en-US" dirty="0" err="1">
+                <a:latin typeface="Courier" pitchFamily="2" charset="0"/>
+              </a:rPr>
+              <a:t>input_path</a:t>
+            </a:r>
+            <a:r>
+              <a:rPr lang="en-US" dirty="0">
+                <a:latin typeface="Courier" pitchFamily="2" charset="0"/>
+              </a:rPr>
+              <a:t> = “/</a:t>
+            </a:r>
+            <a:r>
+              <a:rPr lang="en-US" dirty="0" err="1">
+                <a:latin typeface="Courier" pitchFamily="2" charset="0"/>
+              </a:rPr>
+              <a:t>tmp</a:t>
+            </a:r>
+            <a:r>
+              <a:rPr lang="en-US" dirty="0">
+                <a:latin typeface="Courier" pitchFamily="2" charset="0"/>
+              </a:rPr>
+              <a:t>/data7/”</a:t>
+            </a:r>
+          </a:p>
+          <a:p>
+            <a:pPr marL="0" indent="0">
+              <a:buNone/>
+            </a:pPr>
+            <a:r>
+              <a:rPr lang="en-US" dirty="0">
+                <a:highlight>
+                  <a:srgbClr val="00FF00"/>
+                </a:highlight>
+                <a:latin typeface="Courier" pitchFamily="2" charset="0"/>
+              </a:rPr>
+              <a:t>rdd3 = </a:t>
+            </a:r>
+            <a:r>
+              <a:rPr lang="en-US" dirty="0" err="1">
+                <a:highlight>
+                  <a:srgbClr val="00FF00"/>
+                </a:highlight>
+                <a:latin typeface="Courier" pitchFamily="2" charset="0"/>
+              </a:rPr>
+              <a:t>spark.sparkContext.textFile</a:t>
+            </a:r>
+            <a:r>
+              <a:rPr lang="en-US" dirty="0">
+                <a:highlight>
+                  <a:srgbClr val="00FF00"/>
+                </a:highlight>
+                <a:latin typeface="Courier" pitchFamily="2" charset="0"/>
+              </a:rPr>
+              <a:t>(</a:t>
+            </a:r>
+            <a:r>
+              <a:rPr lang="en-US" dirty="0" err="1">
+                <a:highlight>
+                  <a:srgbClr val="00FF00"/>
+                </a:highlight>
+                <a:latin typeface="Courier" pitchFamily="2" charset="0"/>
+              </a:rPr>
+              <a:t>input_path</a:t>
+            </a:r>
+            <a:r>
+              <a:rPr lang="en-US" dirty="0">
+                <a:highlight>
+                  <a:srgbClr val="00FF00"/>
+                </a:highlight>
+                <a:latin typeface="Courier" pitchFamily="2" charset="0"/>
+              </a:rPr>
+              <a:t>)</a:t>
+            </a:r>
+          </a:p>
+          <a:p>
+            <a:pPr marL="0" indent="0">
+              <a:buNone/>
+            </a:pPr>
+            <a:r>
+              <a:rPr lang="en-US" dirty="0">
+                <a:highlight>
+                  <a:srgbClr val="00FF00"/>
+                </a:highlight>
+                <a:latin typeface="Courier" pitchFamily="2" charset="0"/>
+              </a:rPr>
+              <a:t>         .</a:t>
+            </a:r>
+            <a:r>
+              <a:rPr lang="en-US" b="1" dirty="0">
+                <a:solidFill>
+                  <a:srgbClr val="0070C0"/>
+                </a:solidFill>
+                <a:highlight>
+                  <a:srgbClr val="00FF00"/>
+                </a:highlight>
+                <a:latin typeface="Courier" pitchFamily="2" charset="0"/>
+              </a:rPr>
+              <a:t>filter</a:t>
+            </a:r>
+            <a:r>
+              <a:rPr lang="en-US" dirty="0">
+                <a:highlight>
+                  <a:srgbClr val="00FF00"/>
+                </a:highlight>
+                <a:latin typeface="Courier" pitchFamily="2" charset="0"/>
+              </a:rPr>
+              <a:t>(lambda x: </a:t>
+            </a:r>
+            <a:r>
+              <a:rPr lang="en-US" dirty="0" err="1">
+                <a:highlight>
+                  <a:srgbClr val="00FF00"/>
+                </a:highlight>
+                <a:latin typeface="Courier" pitchFamily="2" charset="0"/>
+              </a:rPr>
+              <a:t>len</a:t>
+            </a:r>
+            <a:r>
+              <a:rPr lang="en-US" dirty="0">
+                <a:highlight>
+                  <a:srgbClr val="00FF00"/>
+                </a:highlight>
+                <a:latin typeface="Courier" pitchFamily="2" charset="0"/>
+              </a:rPr>
+              <a:t>(x) &gt; 80)</a:t>
+            </a:r>
+          </a:p>
+          <a:p>
+            <a:pPr marL="0" indent="0">
+              <a:buNone/>
+            </a:pPr>
+            <a:r>
+              <a:rPr lang="en-US" dirty="0">
+                <a:highlight>
+                  <a:srgbClr val="00FF00"/>
+                </a:highlight>
+                <a:latin typeface="Courier" pitchFamily="2" charset="0"/>
+              </a:rPr>
+              <a:t>         .</a:t>
+            </a:r>
+            <a:r>
+              <a:rPr lang="en-US" b="1" dirty="0">
+                <a:solidFill>
+                  <a:srgbClr val="0070C0"/>
+                </a:solidFill>
+                <a:highlight>
+                  <a:srgbClr val="00FF00"/>
+                </a:highlight>
+                <a:latin typeface="Courier" pitchFamily="2" charset="0"/>
+              </a:rPr>
+              <a:t>map</a:t>
+            </a:r>
+            <a:r>
+              <a:rPr lang="en-US" dirty="0">
+                <a:highlight>
+                  <a:srgbClr val="00FF00"/>
+                </a:highlight>
+                <a:latin typeface="Courier" pitchFamily="2" charset="0"/>
+              </a:rPr>
+              <a:t>(lambda x: (x, </a:t>
+            </a:r>
+            <a:r>
+              <a:rPr lang="en-US" dirty="0" err="1">
+                <a:highlight>
+                  <a:srgbClr val="00FF00"/>
+                </a:highlight>
+                <a:latin typeface="Courier" pitchFamily="2" charset="0"/>
+              </a:rPr>
+              <a:t>len</a:t>
+            </a:r>
+            <a:r>
+              <a:rPr lang="en-US" dirty="0">
+                <a:highlight>
+                  <a:srgbClr val="00FF00"/>
+                </a:highlight>
+                <a:latin typeface="Courier" pitchFamily="2" charset="0"/>
+              </a:rPr>
+              <a:t>(x)))</a:t>
+            </a:r>
+          </a:p>
+          <a:p>
+            <a:pPr marL="0" indent="0">
+              <a:buNone/>
+            </a:pPr>
+            <a:endParaRPr lang="en-US" dirty="0">
+              <a:highlight>
+                <a:srgbClr val="00FF00"/>
+              </a:highlight>
+              <a:latin typeface="Courier" pitchFamily="2" charset="0"/>
+            </a:endParaRPr>
+          </a:p>
+          <a:p>
+            <a:pPr marL="0" indent="0">
+              <a:buNone/>
+            </a:pPr>
+            <a:endParaRPr lang="en-US" dirty="0">
+              <a:latin typeface="Courier" pitchFamily="2" charset="0"/>
+            </a:endParaRPr>
           </a:p>
         </p:txBody>
       </p:sp>
     </p:spTree>
     <p:extLst>
       <p:ext uri="{BB962C8B-B14F-4D97-AF65-F5344CB8AC3E}">
-        <p14:creationId xmlns:p14="http://schemas.microsoft.com/office/powerpoint/2010/main" val="2480704635"/>
+        <p14:creationId xmlns:p14="http://schemas.microsoft.com/office/powerpoint/2010/main" val="3286605573"/>
       </p:ext>
     </p:extLst>
   </p:cSld>
@@ -8917,10 +9237,10 @@
       </p:grpSpPr>
       <p:sp>
         <p:nvSpPr>
-          <p:cNvPr id="2" name="Title 1">
+          <p:cNvPr id="4" name="Title 3">
             <a:extLst>
               <a:ext uri="{FF2B5EF4-FFF2-40B4-BE49-F238E27FC236}">
-                <a16:creationId xmlns:a16="http://schemas.microsoft.com/office/drawing/2014/main" id="{DECB18BD-EEFB-B947-3E31-0FC46816037C}"/>
+                <a16:creationId xmlns:a16="http://schemas.microsoft.com/office/drawing/2014/main" id="{DCCC8AEE-1310-634E-9023-7929C03FECFD}"/>
               </a:ext>
             </a:extLst>
           </p:cNvPr>
@@ -8931,21 +9251,31 @@
             <p:ph type="title"/>
           </p:nvPr>
         </p:nvSpPr>
-        <p:spPr/>
-        <p:txBody>
-          <a:bodyPr/>
+        <p:spPr>
+          <a:xfrm>
+            <a:off x="628650" y="273844"/>
+            <a:ext cx="7886700" cy="501219"/>
+          </a:xfrm>
+        </p:spPr>
+        <p:txBody>
+          <a:bodyPr>
+            <a:normAutofit fontScale="90000"/>
+          </a:bodyPr>
           <a:lstStyle/>
           <a:p>
-            <a:endParaRPr lang="en-US"/>
-          </a:p>
-        </p:txBody>
-      </p:sp>
-      <p:sp>
-        <p:nvSpPr>
-          <p:cNvPr id="3" name="Content Placeholder 2">
+            <a:r>
+              <a:rPr lang="en-US" dirty="0"/>
+              <a:t>RDD Example: create RDD from a Python Collection</a:t>
+            </a:r>
+          </a:p>
+        </p:txBody>
+      </p:sp>
+      <p:sp>
+        <p:nvSpPr>
+          <p:cNvPr id="5" name="Content Placeholder 4">
             <a:extLst>
               <a:ext uri="{FF2B5EF4-FFF2-40B4-BE49-F238E27FC236}">
-                <a16:creationId xmlns:a16="http://schemas.microsoft.com/office/drawing/2014/main" id="{B4D85728-7AF6-C0E0-5FAB-880E4A7B7965}"/>
+                <a16:creationId xmlns:a16="http://schemas.microsoft.com/office/drawing/2014/main" id="{C4FE1F5A-47C9-D047-9202-796ADD8B3DB3}"/>
               </a:ext>
             </a:extLst>
           </p:cNvPr>
@@ -8956,19 +9286,306 @@
             <p:ph idx="1"/>
           </p:nvPr>
         </p:nvSpPr>
-        <p:spPr/>
-        <p:txBody>
-          <a:bodyPr/>
+        <p:spPr>
+          <a:xfrm>
+            <a:off x="628650" y="775063"/>
+            <a:ext cx="7886700" cy="3857660"/>
+          </a:xfrm>
+        </p:spPr>
+        <p:txBody>
+          <a:bodyPr>
+            <a:normAutofit fontScale="70000" lnSpcReduction="20000"/>
+          </a:bodyPr>
           <a:lstStyle/>
           <a:p>
-            <a:endParaRPr lang="en-US"/>
+            <a:pPr marL="0" indent="0">
+              <a:buNone/>
+            </a:pPr>
+            <a:r>
+              <a:rPr lang="en-US" dirty="0">
+                <a:highlight>
+                  <a:srgbClr val="00FF00"/>
+                </a:highlight>
+                <a:latin typeface="Courier New" panose="02070309020205020404" pitchFamily="49" charset="0"/>
+                <a:cs typeface="Courier New" panose="02070309020205020404" pitchFamily="49" charset="0"/>
+              </a:rPr>
+              <a:t># create a Python collection</a:t>
+            </a:r>
+          </a:p>
+          <a:p>
+            <a:pPr marL="0" indent="0">
+              <a:buNone/>
+            </a:pPr>
+            <a:r>
+              <a:rPr lang="en-US" dirty="0">
+                <a:latin typeface="Courier New" panose="02070309020205020404" pitchFamily="49" charset="0"/>
+                <a:cs typeface="Courier New" panose="02070309020205020404" pitchFamily="49" charset="0"/>
+              </a:rPr>
+              <a:t>data = [1, 3, -9, 4, 7, -100, -200, 500, 79, 99]</a:t>
+            </a:r>
+          </a:p>
+          <a:p>
+            <a:pPr marL="0" indent="0">
+              <a:buNone/>
+            </a:pPr>
+            <a:r>
+              <a:rPr lang="en-US" dirty="0">
+                <a:latin typeface="Courier New" panose="02070309020205020404" pitchFamily="49" charset="0"/>
+                <a:cs typeface="Courier New" panose="02070309020205020404" pitchFamily="49" charset="0"/>
+              </a:rPr>
+              <a:t># spark : an instance of </a:t>
+            </a:r>
+            <a:r>
+              <a:rPr lang="en-US" dirty="0" err="1">
+                <a:latin typeface="Courier New" panose="02070309020205020404" pitchFamily="49" charset="0"/>
+                <a:cs typeface="Courier New" panose="02070309020205020404" pitchFamily="49" charset="0"/>
+              </a:rPr>
+              <a:t>SparkSession</a:t>
+            </a:r>
+            <a:endParaRPr lang="en-US" dirty="0">
+              <a:latin typeface="Courier New" panose="02070309020205020404" pitchFamily="49" charset="0"/>
+              <a:cs typeface="Courier New" panose="02070309020205020404" pitchFamily="49" charset="0"/>
+            </a:endParaRPr>
+          </a:p>
+          <a:p>
+            <a:pPr marL="0" indent="0">
+              <a:buNone/>
+            </a:pPr>
+            <a:r>
+              <a:rPr lang="en-US" dirty="0">
+                <a:latin typeface="Courier New" panose="02070309020205020404" pitchFamily="49" charset="0"/>
+                <a:cs typeface="Courier New" panose="02070309020205020404" pitchFamily="49" charset="0"/>
+              </a:rPr>
+              <a:t># </a:t>
+            </a:r>
+            <a:r>
+              <a:rPr lang="en-US" dirty="0" err="1">
+                <a:latin typeface="Courier New" panose="02070309020205020404" pitchFamily="49" charset="0"/>
+                <a:cs typeface="Courier New" panose="02070309020205020404" pitchFamily="49" charset="0"/>
+              </a:rPr>
+              <a:t>rdd</a:t>
+            </a:r>
+            <a:r>
+              <a:rPr lang="en-US" dirty="0">
+                <a:latin typeface="Courier New" panose="02070309020205020404" pitchFamily="49" charset="0"/>
+                <a:cs typeface="Courier New" panose="02070309020205020404" pitchFamily="49" charset="0"/>
+              </a:rPr>
+              <a:t>: RDD[Integer]</a:t>
+            </a:r>
+          </a:p>
+          <a:p>
+            <a:pPr marL="0" indent="0">
+              <a:buNone/>
+            </a:pPr>
+            <a:r>
+              <a:rPr lang="en-US" dirty="0">
+                <a:latin typeface="Courier New" panose="02070309020205020404" pitchFamily="49" charset="0"/>
+                <a:cs typeface="Courier New" panose="02070309020205020404" pitchFamily="49" charset="0"/>
+              </a:rPr>
+              <a:t># </a:t>
+            </a:r>
+            <a:r>
+              <a:rPr lang="en-US" dirty="0">
+                <a:highlight>
+                  <a:srgbClr val="00FF00"/>
+                </a:highlight>
+                <a:latin typeface="Courier New" panose="02070309020205020404" pitchFamily="49" charset="0"/>
+                <a:cs typeface="Courier New" panose="02070309020205020404" pitchFamily="49" charset="0"/>
+              </a:rPr>
+              <a:t>create an RDD[Integer] from array of integers</a:t>
+            </a:r>
+          </a:p>
+          <a:p>
+            <a:pPr marL="0" indent="0">
+              <a:buNone/>
+            </a:pPr>
+            <a:r>
+              <a:rPr lang="en-US" dirty="0" err="1">
+                <a:latin typeface="Courier New" panose="02070309020205020404" pitchFamily="49" charset="0"/>
+                <a:cs typeface="Courier New" panose="02070309020205020404" pitchFamily="49" charset="0"/>
+              </a:rPr>
+              <a:t>rdd</a:t>
+            </a:r>
+            <a:r>
+              <a:rPr lang="en-US" dirty="0">
+                <a:latin typeface="Courier New" panose="02070309020205020404" pitchFamily="49" charset="0"/>
+                <a:cs typeface="Courier New" panose="02070309020205020404" pitchFamily="49" charset="0"/>
+              </a:rPr>
+              <a:t> = </a:t>
+            </a:r>
+            <a:r>
+              <a:rPr lang="en-US" dirty="0" err="1">
+                <a:latin typeface="Courier New" panose="02070309020205020404" pitchFamily="49" charset="0"/>
+                <a:cs typeface="Courier New" panose="02070309020205020404" pitchFamily="49" charset="0"/>
+              </a:rPr>
+              <a:t>spark.sparkContext.parallelize</a:t>
+            </a:r>
+            <a:r>
+              <a:rPr lang="en-US" dirty="0">
+                <a:latin typeface="Courier New" panose="02070309020205020404" pitchFamily="49" charset="0"/>
+                <a:cs typeface="Courier New" panose="02070309020205020404" pitchFamily="49" charset="0"/>
+              </a:rPr>
+              <a:t>(data)</a:t>
+            </a:r>
+          </a:p>
+          <a:p>
+            <a:pPr marL="0" indent="0">
+              <a:buNone/>
+            </a:pPr>
+            <a:r>
+              <a:rPr lang="en-US" dirty="0" err="1">
+                <a:latin typeface="Courier New" panose="02070309020205020404" pitchFamily="49" charset="0"/>
+                <a:cs typeface="Courier New" panose="02070309020205020404" pitchFamily="49" charset="0"/>
+              </a:rPr>
+              <a:t>rdd.count</a:t>
+            </a:r>
+            <a:r>
+              <a:rPr lang="en-US" dirty="0">
+                <a:latin typeface="Courier New" panose="02070309020205020404" pitchFamily="49" charset="0"/>
+                <a:cs typeface="Courier New" panose="02070309020205020404" pitchFamily="49" charset="0"/>
+              </a:rPr>
+              <a:t>()</a:t>
+            </a:r>
+          </a:p>
+          <a:p>
+            <a:pPr marL="0" indent="0">
+              <a:buNone/>
+            </a:pPr>
+            <a:r>
+              <a:rPr lang="en-US" dirty="0">
+                <a:latin typeface="Courier New" panose="02070309020205020404" pitchFamily="49" charset="0"/>
+                <a:cs typeface="Courier New" panose="02070309020205020404" pitchFamily="49" charset="0"/>
+              </a:rPr>
+              <a:t>10</a:t>
+            </a:r>
+          </a:p>
+          <a:p>
+            <a:pPr marL="0" indent="0">
+              <a:buNone/>
+            </a:pPr>
+            <a:r>
+              <a:rPr lang="en-US" dirty="0" err="1">
+                <a:latin typeface="Courier New" panose="02070309020205020404" pitchFamily="49" charset="0"/>
+                <a:cs typeface="Courier New" panose="02070309020205020404" pitchFamily="49" charset="0"/>
+              </a:rPr>
+              <a:t>rdd.collect</a:t>
+            </a:r>
+            <a:r>
+              <a:rPr lang="en-US" dirty="0">
+                <a:latin typeface="Courier New" panose="02070309020205020404" pitchFamily="49" charset="0"/>
+                <a:cs typeface="Courier New" panose="02070309020205020404" pitchFamily="49" charset="0"/>
+              </a:rPr>
+              <a:t>()</a:t>
+            </a:r>
+          </a:p>
+          <a:p>
+            <a:pPr marL="0" indent="0">
+              <a:buNone/>
+            </a:pPr>
+            <a:r>
+              <a:rPr lang="en-US" dirty="0">
+                <a:latin typeface="Courier New" panose="02070309020205020404" pitchFamily="49" charset="0"/>
+                <a:cs typeface="Courier New" panose="02070309020205020404" pitchFamily="49" charset="0"/>
+              </a:rPr>
+              <a:t>[1, 3, -9, 4, 7, -100, -200, 500, 79, 99]</a:t>
+            </a:r>
+          </a:p>
+          <a:p>
+            <a:pPr marL="0" indent="0">
+              <a:buNone/>
+            </a:pPr>
+            <a:r>
+              <a:rPr lang="en-US" dirty="0">
+                <a:highlight>
+                  <a:srgbClr val="00FF00"/>
+                </a:highlight>
+                <a:latin typeface="Courier New" panose="02070309020205020404" pitchFamily="49" charset="0"/>
+                <a:cs typeface="Courier New" panose="02070309020205020404" pitchFamily="49" charset="0"/>
+              </a:rPr>
+              <a:t># keep only positive elements</a:t>
+            </a:r>
+          </a:p>
+          <a:p>
+            <a:pPr marL="0" indent="0">
+              <a:buNone/>
+            </a:pPr>
+            <a:r>
+              <a:rPr lang="en-US" dirty="0">
+                <a:latin typeface="Courier New" panose="02070309020205020404" pitchFamily="49" charset="0"/>
+                <a:cs typeface="Courier New" panose="02070309020205020404" pitchFamily="49" charset="0"/>
+              </a:rPr>
+              <a:t>positives = </a:t>
+            </a:r>
+            <a:r>
+              <a:rPr lang="en-US" dirty="0" err="1">
+                <a:latin typeface="Courier New" panose="02070309020205020404" pitchFamily="49" charset="0"/>
+                <a:cs typeface="Courier New" panose="02070309020205020404" pitchFamily="49" charset="0"/>
+              </a:rPr>
+              <a:t>rdd.filter</a:t>
+            </a:r>
+            <a:r>
+              <a:rPr lang="en-US" dirty="0">
+                <a:latin typeface="Courier New" panose="02070309020205020404" pitchFamily="49" charset="0"/>
+                <a:cs typeface="Courier New" panose="02070309020205020404" pitchFamily="49" charset="0"/>
+              </a:rPr>
+              <a:t>(lambda n: n &gt; 0)</a:t>
+            </a:r>
+          </a:p>
+          <a:p>
+            <a:pPr marL="0" indent="0">
+              <a:buNone/>
+            </a:pPr>
+            <a:r>
+              <a:rPr lang="en-US" dirty="0" err="1">
+                <a:latin typeface="Courier New" panose="02070309020205020404" pitchFamily="49" charset="0"/>
+                <a:cs typeface="Courier New" panose="02070309020205020404" pitchFamily="49" charset="0"/>
+              </a:rPr>
+              <a:t>positives.collect</a:t>
+            </a:r>
+            <a:r>
+              <a:rPr lang="en-US" dirty="0">
+                <a:latin typeface="Courier New" panose="02070309020205020404" pitchFamily="49" charset="0"/>
+                <a:cs typeface="Courier New" panose="02070309020205020404" pitchFamily="49" charset="0"/>
+              </a:rPr>
+              <a:t>()</a:t>
+            </a:r>
+          </a:p>
+          <a:p>
+            <a:pPr marL="0" indent="0">
+              <a:buNone/>
+            </a:pPr>
+            <a:r>
+              <a:rPr lang="en-US" dirty="0">
+                <a:latin typeface="Courier New" panose="02070309020205020404" pitchFamily="49" charset="0"/>
+                <a:cs typeface="Courier New" panose="02070309020205020404" pitchFamily="49" charset="0"/>
+              </a:rPr>
+              <a:t>[1, 3, 4, 7, 500, 79, 99]</a:t>
+            </a:r>
+          </a:p>
+          <a:p>
+            <a:pPr marL="0" indent="0">
+              <a:buNone/>
+            </a:pPr>
+            <a:endParaRPr lang="en-US" dirty="0">
+              <a:latin typeface="Courier New" panose="02070309020205020404" pitchFamily="49" charset="0"/>
+              <a:cs typeface="Courier New" panose="02070309020205020404" pitchFamily="49" charset="0"/>
+            </a:endParaRPr>
+          </a:p>
+          <a:p>
+            <a:endParaRPr lang="en-US" dirty="0">
+              <a:latin typeface="Courier New" panose="02070309020205020404" pitchFamily="49" charset="0"/>
+              <a:cs typeface="Courier New" panose="02070309020205020404" pitchFamily="49" charset="0"/>
+            </a:endParaRPr>
+          </a:p>
+          <a:p>
+            <a:endParaRPr lang="en-US" sz="2400" dirty="0"/>
           </a:p>
         </p:txBody>
       </p:sp>
     </p:spTree>
     <p:extLst>
       <p:ext uri="{BB962C8B-B14F-4D97-AF65-F5344CB8AC3E}">
-        <p14:creationId xmlns:p14="http://schemas.microsoft.com/office/powerpoint/2010/main" val="3073895063"/>
+        <p14:creationId xmlns:p14="http://schemas.microsoft.com/office/powerpoint/2010/main" val="3764406814"/>
       </p:ext>
     </p:extLst>
   </p:cSld>
@@ -8997,10 +9614,10 @@
       </p:grpSpPr>
       <p:sp>
         <p:nvSpPr>
-          <p:cNvPr id="4" name="Title 3">
+          <p:cNvPr id="2" name="Title 1">
             <a:extLst>
               <a:ext uri="{FF2B5EF4-FFF2-40B4-BE49-F238E27FC236}">
-                <a16:creationId xmlns:a16="http://schemas.microsoft.com/office/drawing/2014/main" id="{DCCC8AEE-1310-634E-9023-7929C03FECFD}"/>
+                <a16:creationId xmlns:a16="http://schemas.microsoft.com/office/drawing/2014/main" id="{76A9E06D-7B31-2069-F274-FDD64F8317DD}"/>
               </a:ext>
             </a:extLst>
           </p:cNvPr>
@@ -9011,24 +9628,40 @@
             <p:ph type="title"/>
           </p:nvPr>
         </p:nvSpPr>
-        <p:spPr/>
-        <p:txBody>
-          <a:bodyPr/>
+        <p:spPr>
+          <a:xfrm>
+            <a:off x="628650" y="273844"/>
+            <a:ext cx="7886700" cy="489245"/>
+          </a:xfrm>
+        </p:spPr>
+        <p:txBody>
+          <a:bodyPr>
+            <a:normAutofit fontScale="90000"/>
+          </a:bodyPr>
           <a:lstStyle/>
           <a:p>
             <a:r>
               <a:rPr lang="en-US" dirty="0"/>
-              <a:t>RDD Example: create RDD from a Python Collection</a:t>
-            </a:r>
-          </a:p>
-        </p:txBody>
-      </p:sp>
-      <p:sp>
-        <p:nvSpPr>
-          <p:cNvPr id="5" name="Content Placeholder 4">
+              <a:t>RDD Summary:   </a:t>
+            </a:r>
+            <a:r>
+              <a:rPr lang="en-US" sz="4000" dirty="0">
+                <a:latin typeface="Courier" pitchFamily="2" charset="0"/>
+              </a:rPr>
+              <a:t>RDD[T]</a:t>
+            </a:r>
+            <a:endParaRPr lang="en-US" dirty="0">
+              <a:latin typeface="Courier" pitchFamily="2" charset="0"/>
+            </a:endParaRPr>
+          </a:p>
+        </p:txBody>
+      </p:sp>
+      <p:sp>
+        <p:nvSpPr>
+          <p:cNvPr id="3" name="Content Placeholder 2">
             <a:extLst>
               <a:ext uri="{FF2B5EF4-FFF2-40B4-BE49-F238E27FC236}">
-                <a16:creationId xmlns:a16="http://schemas.microsoft.com/office/drawing/2014/main" id="{C4FE1F5A-47C9-D047-9202-796ADD8B3DB3}"/>
+                <a16:creationId xmlns:a16="http://schemas.microsoft.com/office/drawing/2014/main" id="{73E3DC99-4F17-E4AD-357E-F9E19992DC8E}"/>
               </a:ext>
             </a:extLst>
           </p:cNvPr>
@@ -9039,213 +9672,121 @@
             <p:ph idx="1"/>
           </p:nvPr>
         </p:nvSpPr>
-        <p:spPr/>
+        <p:spPr>
+          <a:xfrm>
+            <a:off x="628650" y="870857"/>
+            <a:ext cx="7886700" cy="3683726"/>
+          </a:xfrm>
+        </p:spPr>
         <p:txBody>
           <a:bodyPr>
-            <a:normAutofit fontScale="92500" lnSpcReduction="20000"/>
+            <a:normAutofit fontScale="92500" lnSpcReduction="10000"/>
           </a:bodyPr>
           <a:lstStyle/>
           <a:p>
-            <a:pPr marL="0" indent="0">
-              <a:buNone/>
-            </a:pPr>
-            <a:r>
-              <a:rPr lang="en-US" dirty="0">
-                <a:highlight>
-                  <a:srgbClr val="00FF00"/>
-                </a:highlight>
-                <a:latin typeface="Courier New" panose="02070309020205020404" pitchFamily="49" charset="0"/>
-                <a:cs typeface="Courier New" panose="02070309020205020404" pitchFamily="49" charset="0"/>
-              </a:rPr>
-              <a:t># create an array of strings</a:t>
-            </a:r>
-          </a:p>
-          <a:p>
-            <a:pPr marL="0" indent="0">
-              <a:buNone/>
-            </a:pPr>
-            <a:r>
-              <a:rPr lang="en-US" dirty="0">
-                <a:latin typeface="Courier New" panose="02070309020205020404" pitchFamily="49" charset="0"/>
-                <a:cs typeface="Courier New" panose="02070309020205020404" pitchFamily="49" charset="0"/>
-              </a:rPr>
-              <a:t>data = [“fox is red”, “fox is gray”, “red fox”]</a:t>
-            </a:r>
-          </a:p>
-          <a:p>
-            <a:pPr marL="0" indent="0">
-              <a:buNone/>
-            </a:pPr>
-            <a:r>
-              <a:rPr lang="en-US" dirty="0">
-                <a:latin typeface="Courier New" panose="02070309020205020404" pitchFamily="49" charset="0"/>
-                <a:cs typeface="Courier New" panose="02070309020205020404" pitchFamily="49" charset="0"/>
-              </a:rPr>
-              <a:t># spark : an instance of </a:t>
-            </a:r>
-            <a:r>
-              <a:rPr lang="en-US" dirty="0" err="1">
-                <a:latin typeface="Courier New" panose="02070309020205020404" pitchFamily="49" charset="0"/>
-                <a:cs typeface="Courier New" panose="02070309020205020404" pitchFamily="49" charset="0"/>
-              </a:rPr>
-              <a:t>SparkSession</a:t>
-            </a:r>
-            <a:endParaRPr lang="en-US" dirty="0">
-              <a:latin typeface="Courier New" panose="02070309020205020404" pitchFamily="49" charset="0"/>
-              <a:cs typeface="Courier New" panose="02070309020205020404" pitchFamily="49" charset="0"/>
-            </a:endParaRPr>
-          </a:p>
-          <a:p>
-            <a:pPr marL="0" indent="0">
-              <a:buNone/>
-            </a:pPr>
-            <a:r>
-              <a:rPr lang="en-US" dirty="0">
-                <a:latin typeface="Courier New" panose="02070309020205020404" pitchFamily="49" charset="0"/>
-                <a:cs typeface="Courier New" panose="02070309020205020404" pitchFamily="49" charset="0"/>
-              </a:rPr>
-              <a:t># </a:t>
-            </a:r>
-            <a:r>
-              <a:rPr lang="en-US" dirty="0" err="1">
-                <a:latin typeface="Courier New" panose="02070309020205020404" pitchFamily="49" charset="0"/>
-                <a:cs typeface="Courier New" panose="02070309020205020404" pitchFamily="49" charset="0"/>
-              </a:rPr>
-              <a:t>rdd</a:t>
-            </a:r>
-            <a:r>
-              <a:rPr lang="en-US" dirty="0">
-                <a:latin typeface="Courier New" panose="02070309020205020404" pitchFamily="49" charset="0"/>
-                <a:cs typeface="Courier New" panose="02070309020205020404" pitchFamily="49" charset="0"/>
-              </a:rPr>
-              <a:t>: RDD[String]</a:t>
-            </a:r>
-          </a:p>
-          <a:p>
-            <a:pPr marL="0" indent="0">
-              <a:buNone/>
-            </a:pPr>
-            <a:r>
-              <a:rPr lang="en-US" dirty="0">
-                <a:highlight>
-                  <a:srgbClr val="00FF00"/>
-                </a:highlight>
-                <a:latin typeface="Courier New" panose="02070309020205020404" pitchFamily="49" charset="0"/>
-                <a:cs typeface="Courier New" panose="02070309020205020404" pitchFamily="49" charset="0"/>
-              </a:rPr>
-              <a:t># create an RDD[String] from array of strings</a:t>
-            </a:r>
-          </a:p>
-          <a:p>
-            <a:pPr marL="0" indent="0">
-              <a:buNone/>
-            </a:pPr>
-            <a:r>
-              <a:rPr lang="en-US" dirty="0" err="1">
-                <a:latin typeface="Courier New" panose="02070309020205020404" pitchFamily="49" charset="0"/>
-                <a:cs typeface="Courier New" panose="02070309020205020404" pitchFamily="49" charset="0"/>
-              </a:rPr>
-              <a:t>rdd</a:t>
-            </a:r>
-            <a:r>
-              <a:rPr lang="en-US" dirty="0">
-                <a:latin typeface="Courier New" panose="02070309020205020404" pitchFamily="49" charset="0"/>
-                <a:cs typeface="Courier New" panose="02070309020205020404" pitchFamily="49" charset="0"/>
-              </a:rPr>
-              <a:t> = </a:t>
-            </a:r>
-            <a:r>
-              <a:rPr lang="en-US" dirty="0" err="1">
-                <a:latin typeface="Courier New" panose="02070309020205020404" pitchFamily="49" charset="0"/>
-                <a:cs typeface="Courier New" panose="02070309020205020404" pitchFamily="49" charset="0"/>
-              </a:rPr>
-              <a:t>spark.sparkContext.parallelize</a:t>
-            </a:r>
-            <a:r>
-              <a:rPr lang="en-US" dirty="0">
-                <a:latin typeface="Courier New" panose="02070309020205020404" pitchFamily="49" charset="0"/>
-                <a:cs typeface="Courier New" panose="02070309020205020404" pitchFamily="49" charset="0"/>
-              </a:rPr>
-              <a:t>(data)</a:t>
-            </a:r>
-          </a:p>
-          <a:p>
-            <a:pPr marL="0" indent="0">
-              <a:buNone/>
-            </a:pPr>
-            <a:r>
-              <a:rPr lang="en-US" dirty="0" err="1">
-                <a:latin typeface="Courier New" panose="02070309020205020404" pitchFamily="49" charset="0"/>
-                <a:cs typeface="Courier New" panose="02070309020205020404" pitchFamily="49" charset="0"/>
-              </a:rPr>
-              <a:t>rdd.count</a:t>
-            </a:r>
-            <a:r>
-              <a:rPr lang="en-US" dirty="0">
-                <a:latin typeface="Courier New" panose="02070309020205020404" pitchFamily="49" charset="0"/>
-                <a:cs typeface="Courier New" panose="02070309020205020404" pitchFamily="49" charset="0"/>
-              </a:rPr>
-              <a:t>()</a:t>
-            </a:r>
-          </a:p>
-          <a:p>
-            <a:pPr marL="0" indent="0">
-              <a:buNone/>
-            </a:pPr>
-            <a:r>
-              <a:rPr lang="en-US" dirty="0">
-                <a:latin typeface="Courier New" panose="02070309020205020404" pitchFamily="49" charset="0"/>
-                <a:cs typeface="Courier New" panose="02070309020205020404" pitchFamily="49" charset="0"/>
-              </a:rPr>
-              <a:t>3</a:t>
-            </a:r>
-          </a:p>
-          <a:p>
-            <a:pPr marL="0" indent="0">
-              <a:buNone/>
-            </a:pPr>
-            <a:r>
-              <a:rPr lang="en-US" dirty="0" err="1">
-                <a:latin typeface="Courier New" panose="02070309020205020404" pitchFamily="49" charset="0"/>
-                <a:cs typeface="Courier New" panose="02070309020205020404" pitchFamily="49" charset="0"/>
-              </a:rPr>
-              <a:t>rdd.collect</a:t>
-            </a:r>
-            <a:r>
-              <a:rPr lang="en-US" dirty="0">
-                <a:latin typeface="Courier New" panose="02070309020205020404" pitchFamily="49" charset="0"/>
-                <a:cs typeface="Courier New" panose="02070309020205020404" pitchFamily="49" charset="0"/>
-              </a:rPr>
-              <a:t>()</a:t>
-            </a:r>
-          </a:p>
-          <a:p>
-            <a:pPr marL="0" indent="0">
-              <a:buNone/>
-            </a:pPr>
-            <a:r>
-              <a:rPr lang="en-US" dirty="0">
-                <a:latin typeface="Courier New" panose="02070309020205020404" pitchFamily="49" charset="0"/>
-                <a:cs typeface="Courier New" panose="02070309020205020404" pitchFamily="49" charset="0"/>
-              </a:rPr>
-              <a:t>[“fox is red”, “fox is gray”, “red fox”]</a:t>
-            </a:r>
-          </a:p>
-          <a:p>
-            <a:endParaRPr lang="en-US" dirty="0">
-              <a:latin typeface="Courier New" panose="02070309020205020404" pitchFamily="49" charset="0"/>
-              <a:cs typeface="Courier New" panose="02070309020205020404" pitchFamily="49" charset="0"/>
-            </a:endParaRPr>
-          </a:p>
-          <a:p>
-            <a:endParaRPr lang="en-US" sz="2400" dirty="0"/>
+            <a:r>
+              <a:rPr lang="en-US" sz="2400" dirty="0"/>
+              <a:t>RDD is a low-level data abstraction in Spark</a:t>
+            </a:r>
+          </a:p>
+          <a:p>
+            <a:pPr lvl="1"/>
+            <a:r>
+              <a:rPr lang="en-US" sz="2200" dirty="0"/>
+              <a:t>Each element is a data type of T</a:t>
+            </a:r>
+          </a:p>
+          <a:p>
+            <a:pPr lvl="1"/>
+            <a:r>
+              <a:rPr lang="en-US" sz="2200" dirty="0"/>
+              <a:t>T can be any data type</a:t>
+            </a:r>
+          </a:p>
+          <a:p>
+            <a:r>
+              <a:rPr lang="en-US" sz="2400" dirty="0"/>
+              <a:t>Your data can be represented as an RDD</a:t>
+            </a:r>
+          </a:p>
+          <a:p>
+            <a:pPr lvl="1"/>
+            <a:r>
+              <a:rPr lang="en-US" sz="2000" dirty="0"/>
+              <a:t>Python Collections</a:t>
+            </a:r>
+          </a:p>
+          <a:p>
+            <a:pPr lvl="1"/>
+            <a:r>
+              <a:rPr lang="en-US" sz="2000" dirty="0"/>
+              <a:t>Text files, CSV files, log files, …</a:t>
+            </a:r>
+          </a:p>
+          <a:p>
+            <a:pPr lvl="1"/>
+            <a:r>
+              <a:rPr lang="en-US" sz="2000" dirty="0"/>
+              <a:t>Unstructured and semi-structured data</a:t>
+            </a:r>
+          </a:p>
+          <a:p>
+            <a:r>
+              <a:rPr lang="en-US" sz="2400" dirty="0"/>
+              <a:t>RDD is a READ-ONLY: no synchronization is required</a:t>
+            </a:r>
+          </a:p>
+          <a:p>
+            <a:r>
+              <a:rPr lang="en-US" sz="2400" dirty="0"/>
+              <a:t>RDD is partitioned and distributed: parallelism</a:t>
+            </a:r>
+          </a:p>
+          <a:p>
+            <a:r>
+              <a:rPr lang="en-US" sz="2400" dirty="0"/>
+              <a:t>RDD is resilient: fault-tolerant: you will not lose data</a:t>
+            </a:r>
+            <a:endParaRPr lang="en-US" dirty="0"/>
+          </a:p>
+        </p:txBody>
+      </p:sp>
+      <p:sp>
+        <p:nvSpPr>
+          <p:cNvPr id="4" name="TextBox 3">
+            <a:extLst>
+              <a:ext uri="{FF2B5EF4-FFF2-40B4-BE49-F238E27FC236}">
+                <a16:creationId xmlns:a16="http://schemas.microsoft.com/office/drawing/2014/main" id="{254D404D-4595-0DD4-92C3-3DBEEFD67B2A}"/>
+              </a:ext>
+            </a:extLst>
+          </p:cNvPr>
+          <p:cNvSpPr txBox="1"/>
+          <p:nvPr/>
+        </p:nvSpPr>
+        <p:spPr>
+          <a:xfrm>
+            <a:off x="-592183" y="-644434"/>
+            <a:ext cx="184731" cy="369332"/>
+          </a:xfrm>
+          <a:prstGeom prst="rect">
+            <a:avLst/>
+          </a:prstGeom>
+          <a:noFill/>
+        </p:spPr>
+        <p:txBody>
+          <a:bodyPr wrap="none" rtlCol="0">
+            <a:spAutoFit/>
+          </a:bodyPr>
+          <a:lstStyle/>
+          <a:p>
+            <a:endParaRPr lang="en-US" dirty="0"/>
           </a:p>
         </p:txBody>
       </p:sp>
     </p:spTree>
     <p:extLst>
       <p:ext uri="{BB962C8B-B14F-4D97-AF65-F5344CB8AC3E}">
-        <p14:creationId xmlns:p14="http://schemas.microsoft.com/office/powerpoint/2010/main" val="2224253655"/>
+        <p14:creationId xmlns:p14="http://schemas.microsoft.com/office/powerpoint/2010/main" val="1415533691"/>
       </p:ext>
     </p:extLst>
   </p:cSld>
@@ -9362,7 +9903,7 @@
             <a:pPr lvl="1" fontAlgn="base"/>
             <a:r>
               <a:rPr lang="en-US" dirty="0"/>
-              <a:t> Used for unstructured and semi-structured data (log files, text files, …)</a:t>
+              <a:t> Used for unstructured and semi-structured data (log files, text files, CSV files, …)</a:t>
             </a:r>
           </a:p>
           <a:p>
@@ -9479,7 +10020,7 @@
           <a:p>
             <a:r>
               <a:rPr lang="en-US" dirty="0"/>
-              <a:t>RDD Example: create RDD from a Text File</a:t>
+              <a:t>RDD Example: create RDD from a Python Collection</a:t>
             </a:r>
           </a:p>
         </p:txBody>
@@ -9503,7 +10044,7 @@
         <p:spPr/>
         <p:txBody>
           <a:bodyPr>
-            <a:normAutofit/>
+            <a:normAutofit fontScale="92500" lnSpcReduction="20000"/>
           </a:bodyPr>
           <a:lstStyle/>
           <a:p>
@@ -9511,72 +10052,26 @@
               <a:buNone/>
             </a:pPr>
             <a:r>
-              <a:rPr lang="en-US" dirty="0" err="1">
+              <a:rPr lang="en-US" dirty="0">
+                <a:highlight>
+                  <a:srgbClr val="00FF00"/>
+                </a:highlight>
                 <a:latin typeface="Courier New" panose="02070309020205020404" pitchFamily="49" charset="0"/>
                 <a:cs typeface="Courier New" panose="02070309020205020404" pitchFamily="49" charset="0"/>
               </a:rPr>
-              <a:t>input_path</a:t>
-            </a:r>
+              <a:t># create an array of strings</a:t>
+            </a:r>
+          </a:p>
+          <a:p>
+            <a:pPr marL="0" indent="0">
+              <a:buNone/>
+            </a:pPr>
             <a:r>
               <a:rPr lang="en-US" dirty="0">
                 <a:latin typeface="Courier New" panose="02070309020205020404" pitchFamily="49" charset="0"/>
                 <a:cs typeface="Courier New" panose="02070309020205020404" pitchFamily="49" charset="0"/>
               </a:rPr>
-              <a:t> = “/</a:t>
-            </a:r>
-            <a:r>
-              <a:rPr lang="en-US" dirty="0" err="1">
-                <a:latin typeface="Courier New" panose="02070309020205020404" pitchFamily="49" charset="0"/>
-                <a:cs typeface="Courier New" panose="02070309020205020404" pitchFamily="49" charset="0"/>
-              </a:rPr>
-              <a:t>tmp</a:t>
-            </a:r>
-            <a:r>
-              <a:rPr lang="en-US" dirty="0">
-                <a:latin typeface="Courier New" panose="02070309020205020404" pitchFamily="49" charset="0"/>
-                <a:cs typeface="Courier New" panose="02070309020205020404" pitchFamily="49" charset="0"/>
-              </a:rPr>
-              <a:t>/project77/</a:t>
-            </a:r>
-            <a:r>
-              <a:rPr lang="en-US" dirty="0" err="1">
-                <a:latin typeface="Courier New" panose="02070309020205020404" pitchFamily="49" charset="0"/>
-                <a:cs typeface="Courier New" panose="02070309020205020404" pitchFamily="49" charset="0"/>
-              </a:rPr>
-              <a:t>samples.txt</a:t>
-            </a:r>
-            <a:r>
-              <a:rPr lang="en-US" dirty="0">
-                <a:latin typeface="Courier New" panose="02070309020205020404" pitchFamily="49" charset="0"/>
-                <a:cs typeface="Courier New" panose="02070309020205020404" pitchFamily="49" charset="0"/>
-              </a:rPr>
-              <a:t>”</a:t>
-            </a:r>
-          </a:p>
-          <a:p>
-            <a:pPr marL="0" indent="0">
-              <a:buNone/>
-            </a:pPr>
-            <a:r>
-              <a:rPr lang="en-US" dirty="0">
-                <a:latin typeface="Courier New" panose="02070309020205020404" pitchFamily="49" charset="0"/>
-                <a:cs typeface="Courier New" panose="02070309020205020404" pitchFamily="49" charset="0"/>
-              </a:rPr>
-              <a:t># let </a:t>
-            </a:r>
-            <a:r>
-              <a:rPr lang="en-US" dirty="0" err="1">
-                <a:latin typeface="Courier New" panose="02070309020205020404" pitchFamily="49" charset="0"/>
-                <a:cs typeface="Courier New" panose="02070309020205020404" pitchFamily="49" charset="0"/>
-              </a:rPr>
-              <a:t>samples.txt</a:t>
-            </a:r>
-            <a:r>
-              <a:rPr lang="en-US" dirty="0">
-                <a:latin typeface="Courier New" panose="02070309020205020404" pitchFamily="49" charset="0"/>
-                <a:cs typeface="Courier New" panose="02070309020205020404" pitchFamily="49" charset="0"/>
-              </a:rPr>
-              <a:t> to have 25,000,000,000 records</a:t>
+              <a:t>data = [“fox is red”, “fox is gray”, “red fox”]</a:t>
             </a:r>
           </a:p>
           <a:p>
@@ -9635,12 +10130,12 @@
             <a:r>
               <a:rPr lang="en-US" dirty="0">
                 <a:highlight>
-                  <a:srgbClr val="FFFF00"/>
+                  <a:srgbClr val="00FF00"/>
                 </a:highlight>
                 <a:latin typeface="Courier New" panose="02070309020205020404" pitchFamily="49" charset="0"/>
                 <a:cs typeface="Courier New" panose="02070309020205020404" pitchFamily="49" charset="0"/>
               </a:rPr>
-              <a:t># create an RDD[String] from input path</a:t>
+              <a:t># create an RDD[String] from array of strings</a:t>
             </a:r>
           </a:p>
           <a:p>
@@ -9666,28 +10161,45 @@
                 <a:latin typeface="Courier New" panose="02070309020205020404" pitchFamily="49" charset="0"/>
                 <a:cs typeface="Courier New" panose="02070309020205020404" pitchFamily="49" charset="0"/>
               </a:rPr>
-              <a:t>spark.sparkContext.textFile</a:t>
+              <a:t>spark.sparkContext.parallelize</a:t>
             </a:r>
             <a:r>
               <a:rPr lang="en-US" dirty="0">
                 <a:latin typeface="Courier New" panose="02070309020205020404" pitchFamily="49" charset="0"/>
                 <a:cs typeface="Courier New" panose="02070309020205020404" pitchFamily="49" charset="0"/>
               </a:rPr>
-              <a:t>(</a:t>
-            </a:r>
+              <a:t>(data)</a:t>
+            </a:r>
+          </a:p>
+          <a:p>
+            <a:pPr marL="0" indent="0">
+              <a:buNone/>
+            </a:pPr>
             <a:r>
               <a:rPr lang="en-US" dirty="0" err="1">
                 <a:latin typeface="Courier New" panose="02070309020205020404" pitchFamily="49" charset="0"/>
                 <a:cs typeface="Courier New" panose="02070309020205020404" pitchFamily="49" charset="0"/>
               </a:rPr>
-              <a:t>input_path</a:t>
+              <a:t>rdd.count</a:t>
             </a:r>
             <a:r>
               <a:rPr lang="en-US" dirty="0">
                 <a:latin typeface="Courier New" panose="02070309020205020404" pitchFamily="49" charset="0"/>
                 <a:cs typeface="Courier New" panose="02070309020205020404" pitchFamily="49" charset="0"/>
               </a:rPr>
-              <a:t>)</a:t>
+              <a:t>()</a:t>
+            </a:r>
+          </a:p>
+          <a:p>
+            <a:pPr marL="0" indent="0">
+              <a:buNone/>
+            </a:pPr>
+            <a:r>
+              <a:rPr lang="en-US" dirty="0">
+                <a:latin typeface="Courier New" panose="02070309020205020404" pitchFamily="49" charset="0"/>
+                <a:cs typeface="Courier New" panose="02070309020205020404" pitchFamily="49" charset="0"/>
+              </a:rPr>
+              <a:t>3</a:t>
             </a:r>
           </a:p>
           <a:p>
@@ -9699,7 +10211,7 @@
                 <a:latin typeface="Courier New" panose="02070309020205020404" pitchFamily="49" charset="0"/>
                 <a:cs typeface="Courier New" panose="02070309020205020404" pitchFamily="49" charset="0"/>
               </a:rPr>
-              <a:t>rdd.count</a:t>
+              <a:t>rdd.collect</a:t>
             </a:r>
             <a:r>
               <a:rPr lang="en-US" dirty="0">
@@ -9718,7 +10230,7 @@
                 <a:latin typeface="Courier New" panose="02070309020205020404" pitchFamily="49" charset="0"/>
                 <a:cs typeface="Courier New" panose="02070309020205020404" pitchFamily="49" charset="0"/>
               </a:rPr>
-              <a:t>25,000,000,000</a:t>
+              <a:t>[“fox is red”, “fox is gray”, “red fox”]</a:t>
             </a:r>
           </a:p>
           <a:p>
@@ -9735,7 +10247,7 @@
     </p:spTree>
     <p:extLst>
       <p:ext uri="{BB962C8B-B14F-4D97-AF65-F5344CB8AC3E}">
-        <p14:creationId xmlns:p14="http://schemas.microsoft.com/office/powerpoint/2010/main" val="167157630"/>
+        <p14:creationId xmlns:p14="http://schemas.microsoft.com/office/powerpoint/2010/main" val="2224253655"/>
       </p:ext>
     </p:extLst>
   </p:cSld>
@@ -9785,7 +10297,7 @@
           <a:p>
             <a:r>
               <a:rPr lang="en-US" dirty="0"/>
-              <a:t>RDD  map() Transformation</a:t>
+              <a:t>RDD Example: create RDD from a Text File</a:t>
             </a:r>
           </a:p>
         </p:txBody>
@@ -9809,7 +10321,7 @@
         <p:spPr/>
         <p:txBody>
           <a:bodyPr>
-            <a:normAutofit lnSpcReduction="10000"/>
+            <a:normAutofit/>
           </a:bodyPr>
           <a:lstStyle/>
           <a:p>
@@ -9817,51 +10329,46 @@
               <a:buNone/>
             </a:pPr>
             <a:r>
-              <a:rPr lang="en-US" sz="2400" dirty="0">
+              <a:rPr lang="en-US" dirty="0" err="1">
                 <a:latin typeface="Courier New" panose="02070309020205020404" pitchFamily="49" charset="0"/>
                 <a:cs typeface="Courier New" panose="02070309020205020404" pitchFamily="49" charset="0"/>
               </a:rPr>
-              <a:t># </a:t>
-            </a:r>
-            <a:r>
-              <a:rPr lang="en-US" sz="2400" dirty="0" err="1">
+              <a:t>input_path</a:t>
+            </a:r>
+            <a:r>
+              <a:rPr lang="en-US" dirty="0">
                 <a:latin typeface="Courier New" panose="02070309020205020404" pitchFamily="49" charset="0"/>
                 <a:cs typeface="Courier New" panose="02070309020205020404" pitchFamily="49" charset="0"/>
               </a:rPr>
-              <a:t>source_rdd</a:t>
-            </a:r>
-            <a:r>
-              <a:rPr lang="en-US" sz="2400" dirty="0">
+              <a:t> = “/</a:t>
+            </a:r>
+            <a:r>
+              <a:rPr lang="en-US" dirty="0" err="1">
                 <a:latin typeface="Courier New" panose="02070309020205020404" pitchFamily="49" charset="0"/>
                 <a:cs typeface="Courier New" panose="02070309020205020404" pitchFamily="49" charset="0"/>
               </a:rPr>
-              <a:t> : RDD[V]</a:t>
-            </a:r>
-          </a:p>
-          <a:p>
-            <a:pPr marL="0" indent="0">
-              <a:buNone/>
-            </a:pPr>
-            <a:r>
-              <a:rPr lang="en-US" sz="2400" dirty="0">
+              <a:t>tmp</a:t>
+            </a:r>
+            <a:r>
+              <a:rPr lang="en-US" dirty="0">
                 <a:latin typeface="Courier New" panose="02070309020205020404" pitchFamily="49" charset="0"/>
                 <a:cs typeface="Courier New" panose="02070309020205020404" pitchFamily="49" charset="0"/>
               </a:rPr>
-              <a:t># </a:t>
-            </a:r>
-            <a:r>
-              <a:rPr lang="en-US" sz="2400" dirty="0" err="1">
+              <a:t>/project77/</a:t>
+            </a:r>
+            <a:r>
+              <a:rPr lang="en-US" dirty="0" err="1">
                 <a:latin typeface="Courier New" panose="02070309020205020404" pitchFamily="49" charset="0"/>
                 <a:cs typeface="Courier New" panose="02070309020205020404" pitchFamily="49" charset="0"/>
               </a:rPr>
-              <a:t>target_rdd</a:t>
-            </a:r>
-            <a:r>
-              <a:rPr lang="en-US" sz="2400" dirty="0">
+              <a:t>samples.txt</a:t>
+            </a:r>
+            <a:r>
+              <a:rPr lang="en-US" dirty="0">
                 <a:latin typeface="Courier New" panose="02070309020205020404" pitchFamily="49" charset="0"/>
                 <a:cs typeface="Courier New" panose="02070309020205020404" pitchFamily="49" charset="0"/>
               </a:rPr>
-              <a:t> : RDD[T]</a:t>
+              <a:t>”</a:t>
             </a:r>
           </a:p>
           <a:p>
@@ -9869,53 +10376,46 @@
               <a:buNone/>
             </a:pPr>
             <a:r>
-              <a:rPr lang="en-US" sz="2400" dirty="0" err="1">
+              <a:rPr lang="en-US" dirty="0">
                 <a:latin typeface="Courier New" panose="02070309020205020404" pitchFamily="49" charset="0"/>
                 <a:cs typeface="Courier New" panose="02070309020205020404" pitchFamily="49" charset="0"/>
               </a:rPr>
-              <a:t>target_rdd</a:t>
-            </a:r>
-            <a:r>
-              <a:rPr lang="en-US" sz="2400" dirty="0">
+              <a:t># let </a:t>
+            </a:r>
+            <a:r>
+              <a:rPr lang="en-US" dirty="0" err="1">
                 <a:latin typeface="Courier New" panose="02070309020205020404" pitchFamily="49" charset="0"/>
                 <a:cs typeface="Courier New" panose="02070309020205020404" pitchFamily="49" charset="0"/>
               </a:rPr>
-              <a:t> = </a:t>
-            </a:r>
-            <a:r>
-              <a:rPr lang="en-US" sz="2400" dirty="0" err="1">
+              <a:t>samples.txt</a:t>
+            </a:r>
+            <a:r>
+              <a:rPr lang="en-US" dirty="0">
                 <a:latin typeface="Courier New" panose="02070309020205020404" pitchFamily="49" charset="0"/>
                 <a:cs typeface="Courier New" panose="02070309020205020404" pitchFamily="49" charset="0"/>
               </a:rPr>
-              <a:t>source_rdd.map</a:t>
-            </a:r>
-            <a:r>
-              <a:rPr lang="en-US" sz="2400" dirty="0">
+              <a:t> to have 25,000,000,000 records</a:t>
+            </a:r>
+          </a:p>
+          <a:p>
+            <a:pPr marL="0" indent="0">
+              <a:buNone/>
+            </a:pPr>
+            <a:r>
+              <a:rPr lang="en-US" dirty="0">
                 <a:latin typeface="Courier New" panose="02070309020205020404" pitchFamily="49" charset="0"/>
                 <a:cs typeface="Courier New" panose="02070309020205020404" pitchFamily="49" charset="0"/>
               </a:rPr>
-              <a:t>(</a:t>
-            </a:r>
-            <a:r>
-              <a:rPr lang="en-US" sz="2400" dirty="0" err="1">
+              <a:t># spark : an instance of </a:t>
+            </a:r>
+            <a:r>
+              <a:rPr lang="en-US" dirty="0" err="1">
                 <a:latin typeface="Courier New" panose="02070309020205020404" pitchFamily="49" charset="0"/>
                 <a:cs typeface="Courier New" panose="02070309020205020404" pitchFamily="49" charset="0"/>
               </a:rPr>
-              <a:t>my_function</a:t>
-            </a:r>
-            <a:r>
-              <a:rPr lang="en-US" sz="2400" dirty="0">
-                <a:latin typeface="Courier New" panose="02070309020205020404" pitchFamily="49" charset="0"/>
-                <a:cs typeface="Courier New" panose="02070309020205020404" pitchFamily="49" charset="0"/>
-              </a:rPr>
-              <a:t>)</a:t>
-            </a:r>
-          </a:p>
-          <a:p>
-            <a:pPr marL="0" indent="0">
-              <a:buNone/>
-            </a:pPr>
-            <a:endParaRPr lang="en-US" sz="2400" dirty="0">
+              <a:t>SparkSession</a:t>
+            </a:r>
+            <a:endParaRPr lang="en-US" dirty="0">
               <a:latin typeface="Courier New" panose="02070309020205020404" pitchFamily="49" charset="0"/>
               <a:cs typeface="Courier New" panose="02070309020205020404" pitchFamily="49" charset="0"/>
             </a:endParaRPr>
@@ -9925,25 +10425,25 @@
               <a:buNone/>
             </a:pPr>
             <a:r>
-              <a:rPr lang="en-US" sz="2400" dirty="0">
+              <a:rPr lang="en-US" dirty="0">
                 <a:latin typeface="Courier New" panose="02070309020205020404" pitchFamily="49" charset="0"/>
                 <a:cs typeface="Courier New" panose="02070309020205020404" pitchFamily="49" charset="0"/>
               </a:rPr>
               <a:t># </a:t>
             </a:r>
             <a:r>
-              <a:rPr lang="en-US" sz="2400" dirty="0" err="1">
+              <a:rPr lang="en-US" dirty="0" err="1">
                 <a:latin typeface="Courier New" panose="02070309020205020404" pitchFamily="49" charset="0"/>
                 <a:cs typeface="Courier New" panose="02070309020205020404" pitchFamily="49" charset="0"/>
               </a:rPr>
-              <a:t>my_function</a:t>
-            </a:r>
-            <a:r>
-              <a:rPr lang="en-US" sz="2400" dirty="0">
+              <a:t>rdd</a:t>
+            </a:r>
+            <a:r>
+              <a:rPr lang="en-US" dirty="0">
                 <a:latin typeface="Courier New" panose="02070309020205020404" pitchFamily="49" charset="0"/>
                 <a:cs typeface="Courier New" panose="02070309020205020404" pitchFamily="49" charset="0"/>
               </a:rPr>
-              <a:t>() converts a V to T</a:t>
+              <a:t>: RDD[String]</a:t>
             </a:r>
           </a:p>
           <a:p>
@@ -9951,65 +10451,99 @@
               <a:buNone/>
             </a:pPr>
             <a:r>
-              <a:rPr lang="en-US" sz="2400" b="1" dirty="0">
-                <a:solidFill>
-                  <a:srgbClr val="0070C0"/>
-                </a:solidFill>
+              <a:rPr lang="en-US" dirty="0">
+                <a:highlight>
+                  <a:srgbClr val="FFFF00"/>
+                </a:highlight>
                 <a:latin typeface="Courier New" panose="02070309020205020404" pitchFamily="49" charset="0"/>
                 <a:cs typeface="Courier New" panose="02070309020205020404" pitchFamily="49" charset="0"/>
               </a:rPr>
-              <a:t>def </a:t>
-            </a:r>
-            <a:r>
-              <a:rPr lang="en-US" sz="2400" b="1" dirty="0" err="1">
-                <a:solidFill>
-                  <a:srgbClr val="0070C0"/>
-                </a:solidFill>
+              <a:t># create an RDD[String] from input path</a:t>
+            </a:r>
+          </a:p>
+          <a:p>
+            <a:pPr marL="0" indent="0">
+              <a:buNone/>
+            </a:pPr>
+            <a:r>
+              <a:rPr lang="en-US" dirty="0" err="1">
                 <a:latin typeface="Courier New" panose="02070309020205020404" pitchFamily="49" charset="0"/>
                 <a:cs typeface="Courier New" panose="02070309020205020404" pitchFamily="49" charset="0"/>
               </a:rPr>
-              <a:t>my_function</a:t>
-            </a:r>
-            <a:r>
-              <a:rPr lang="en-US" sz="2400" b="1" dirty="0">
-                <a:solidFill>
-                  <a:srgbClr val="0070C0"/>
-                </a:solidFill>
+              <a:t>rdd</a:t>
+            </a:r>
+            <a:r>
+              <a:rPr lang="en-US" dirty="0">
                 <a:latin typeface="Courier New" panose="02070309020205020404" pitchFamily="49" charset="0"/>
                 <a:cs typeface="Courier New" panose="02070309020205020404" pitchFamily="49" charset="0"/>
               </a:rPr>
-              <a:t>(V):</a:t>
-            </a:r>
-          </a:p>
-          <a:p>
-            <a:pPr marL="0" indent="0">
-              <a:buNone/>
-            </a:pPr>
-            <a:r>
-              <a:rPr lang="en-US" sz="2400" b="1" dirty="0">
-                <a:solidFill>
-                  <a:srgbClr val="0070C0"/>
-                </a:solidFill>
+              <a:t> = </a:t>
+            </a:r>
+            <a:r>
+              <a:rPr lang="en-US" dirty="0" err="1">
                 <a:latin typeface="Courier New" panose="02070309020205020404" pitchFamily="49" charset="0"/>
                 <a:cs typeface="Courier New" panose="02070309020205020404" pitchFamily="49" charset="0"/>
               </a:rPr>
-              <a:t>  return &lt;convert-V-to-T&gt;</a:t>
-            </a:r>
-          </a:p>
-          <a:p>
-            <a:pPr marL="0" indent="0">
-              <a:buNone/>
-            </a:pPr>
-            <a:r>
-              <a:rPr lang="en-US" sz="2400" b="1" dirty="0">
-                <a:solidFill>
-                  <a:srgbClr val="0070C0"/>
-                </a:solidFill>
+              <a:t>spark.sparkContext.textFile</a:t>
+            </a:r>
+            <a:r>
+              <a:rPr lang="en-US" dirty="0">
                 <a:latin typeface="Courier New" panose="02070309020205020404" pitchFamily="49" charset="0"/>
                 <a:cs typeface="Courier New" panose="02070309020205020404" pitchFamily="49" charset="0"/>
               </a:rPr>
-              <a:t>#end-def</a:t>
-            </a:r>
+              <a:t>(</a:t>
+            </a:r>
+            <a:r>
+              <a:rPr lang="en-US" dirty="0" err="1">
+                <a:latin typeface="Courier New" panose="02070309020205020404" pitchFamily="49" charset="0"/>
+                <a:cs typeface="Courier New" panose="02070309020205020404" pitchFamily="49" charset="0"/>
+              </a:rPr>
+              <a:t>input_path</a:t>
+            </a:r>
+            <a:r>
+              <a:rPr lang="en-US" dirty="0">
+                <a:latin typeface="Courier New" panose="02070309020205020404" pitchFamily="49" charset="0"/>
+                <a:cs typeface="Courier New" panose="02070309020205020404" pitchFamily="49" charset="0"/>
+              </a:rPr>
+              <a:t>)</a:t>
+            </a:r>
+          </a:p>
+          <a:p>
+            <a:pPr marL="0" indent="0">
+              <a:buNone/>
+            </a:pPr>
+            <a:r>
+              <a:rPr lang="en-US" dirty="0" err="1">
+                <a:latin typeface="Courier New" panose="02070309020205020404" pitchFamily="49" charset="0"/>
+                <a:cs typeface="Courier New" panose="02070309020205020404" pitchFamily="49" charset="0"/>
+              </a:rPr>
+              <a:t>rdd.count</a:t>
+            </a:r>
+            <a:r>
+              <a:rPr lang="en-US" dirty="0">
+                <a:latin typeface="Courier New" panose="02070309020205020404" pitchFamily="49" charset="0"/>
+                <a:cs typeface="Courier New" panose="02070309020205020404" pitchFamily="49" charset="0"/>
+              </a:rPr>
+              <a:t>()</a:t>
+            </a:r>
+          </a:p>
+          <a:p>
+            <a:pPr marL="0" indent="0">
+              <a:buNone/>
+            </a:pPr>
+            <a:r>
+              <a:rPr lang="en-US" dirty="0">
+                <a:latin typeface="Courier New" panose="02070309020205020404" pitchFamily="49" charset="0"/>
+                <a:cs typeface="Courier New" panose="02070309020205020404" pitchFamily="49" charset="0"/>
+              </a:rPr>
+              <a:t>25,000,000,000</a:t>
+            </a:r>
+          </a:p>
+          <a:p>
+            <a:endParaRPr lang="en-US" dirty="0">
+              <a:latin typeface="Courier New" panose="02070309020205020404" pitchFamily="49" charset="0"/>
+              <a:cs typeface="Courier New" panose="02070309020205020404" pitchFamily="49" charset="0"/>
+            </a:endParaRPr>
           </a:p>
           <a:p>
             <a:endParaRPr lang="en-US" sz="2400" dirty="0"/>
@@ -10019,7 +10553,7 @@
     </p:spTree>
     <p:extLst>
       <p:ext uri="{BB962C8B-B14F-4D97-AF65-F5344CB8AC3E}">
-        <p14:creationId xmlns:p14="http://schemas.microsoft.com/office/powerpoint/2010/main" val="14225864"/>
+        <p14:creationId xmlns:p14="http://schemas.microsoft.com/office/powerpoint/2010/main" val="167157630"/>
       </p:ext>
     </p:extLst>
   </p:cSld>
@@ -10062,21 +10596,14 @@
             <p:ph type="title"/>
           </p:nvPr>
         </p:nvSpPr>
-        <p:spPr>
-          <a:xfrm>
-            <a:off x="628650" y="273845"/>
-            <a:ext cx="7886700" cy="518636"/>
-          </a:xfrm>
-        </p:spPr>
-        <p:txBody>
-          <a:bodyPr>
-            <a:normAutofit fontScale="90000"/>
-          </a:bodyPr>
+        <p:spPr/>
+        <p:txBody>
+          <a:bodyPr/>
           <a:lstStyle/>
           <a:p>
             <a:r>
               <a:rPr lang="en-US" dirty="0"/>
-              <a:t>RDD Transformations Examples: 100 files</a:t>
+              <a:t>RDD  map() Transformation</a:t>
             </a:r>
           </a:p>
         </p:txBody>
@@ -10097,15 +10624,10 @@
             <p:ph idx="1"/>
           </p:nvPr>
         </p:nvSpPr>
-        <p:spPr>
-          <a:xfrm>
-            <a:off x="628650" y="792481"/>
-            <a:ext cx="7886700" cy="3840242"/>
-          </a:xfrm>
-        </p:spPr>
+        <p:spPr/>
         <p:txBody>
           <a:bodyPr>
-            <a:normAutofit fontScale="70000" lnSpcReduction="20000"/>
+            <a:normAutofit lnSpcReduction="10000"/>
           </a:bodyPr>
           <a:lstStyle/>
           <a:p>
@@ -10117,21 +10639,21 @@
                 <a:latin typeface="Courier New" panose="02070309020205020404" pitchFamily="49" charset="0"/>
                 <a:cs typeface="Courier New" panose="02070309020205020404" pitchFamily="49" charset="0"/>
               </a:rPr>
-              <a:t># ls –l /</a:t>
+              <a:t># </a:t>
             </a:r>
             <a:r>
               <a:rPr lang="en-US" sz="2400" dirty="0" err="1">
                 <a:latin typeface="Courier New" panose="02070309020205020404" pitchFamily="49" charset="0"/>
                 <a:cs typeface="Courier New" panose="02070309020205020404" pitchFamily="49" charset="0"/>
               </a:rPr>
-              <a:t>tmp</a:t>
+              <a:t>source_rdd</a:t>
             </a:r>
             <a:r>
               <a:rPr lang="en-US" sz="2400" dirty="0">
                 <a:latin typeface="Courier New" panose="02070309020205020404" pitchFamily="49" charset="0"/>
                 <a:cs typeface="Courier New" panose="02070309020205020404" pitchFamily="49" charset="0"/>
               </a:rPr>
-              <a:t>/project77/</a:t>
+              <a:t> : RDD[V]</a:t>
             </a:r>
           </a:p>
           <a:p>
@@ -10143,43 +10665,68 @@
                 <a:latin typeface="Courier New" panose="02070309020205020404" pitchFamily="49" charset="0"/>
                 <a:cs typeface="Courier New" panose="02070309020205020404" pitchFamily="49" charset="0"/>
               </a:rPr>
-              <a:t>File_001.txt (has  500,000,000 records)</a:t>
-            </a:r>
-          </a:p>
-          <a:p>
-            <a:pPr marL="0" indent="0">
-              <a:buNone/>
-            </a:pPr>
+              <a:t># </a:t>
+            </a:r>
+            <a:r>
+              <a:rPr lang="en-US" sz="2400" dirty="0" err="1">
+                <a:latin typeface="Courier New" panose="02070309020205020404" pitchFamily="49" charset="0"/>
+                <a:cs typeface="Courier New" panose="02070309020205020404" pitchFamily="49" charset="0"/>
+              </a:rPr>
+              <a:t>target_rdd</a:t>
+            </a:r>
             <a:r>
               <a:rPr lang="en-US" sz="2400" dirty="0">
                 <a:latin typeface="Courier New" panose="02070309020205020404" pitchFamily="49" charset="0"/>
                 <a:cs typeface="Courier New" panose="02070309020205020404" pitchFamily="49" charset="0"/>
               </a:rPr>
-              <a:t>File_002.txt (has  500,000,000 records)</a:t>
+              <a:t> : RDD[T]</a:t>
             </a:r>
           </a:p>
           <a:p>
             <a:pPr marL="0" indent="0">
               <a:buNone/>
             </a:pPr>
+            <a:r>
+              <a:rPr lang="en-US" sz="2400" dirty="0" err="1">
+                <a:latin typeface="Courier New" panose="02070309020205020404" pitchFamily="49" charset="0"/>
+                <a:cs typeface="Courier New" panose="02070309020205020404" pitchFamily="49" charset="0"/>
+              </a:rPr>
+              <a:t>target_rdd</a:t>
+            </a:r>
             <a:r>
               <a:rPr lang="en-US" sz="2400" dirty="0">
                 <a:latin typeface="Courier New" panose="02070309020205020404" pitchFamily="49" charset="0"/>
                 <a:cs typeface="Courier New" panose="02070309020205020404" pitchFamily="49" charset="0"/>
               </a:rPr>
-              <a:t>…</a:t>
-            </a:r>
-          </a:p>
-          <a:p>
-            <a:pPr marL="0" indent="0">
-              <a:buNone/>
-            </a:pPr>
+              <a:t> = </a:t>
+            </a:r>
+            <a:r>
+              <a:rPr lang="en-US" sz="2400" dirty="0" err="1">
+                <a:latin typeface="Courier New" panose="02070309020205020404" pitchFamily="49" charset="0"/>
+                <a:cs typeface="Courier New" panose="02070309020205020404" pitchFamily="49" charset="0"/>
+              </a:rPr>
+              <a:t>source_rdd.map</a:t>
+            </a:r>
             <a:r>
               <a:rPr lang="en-US" sz="2400" dirty="0">
                 <a:latin typeface="Courier New" panose="02070309020205020404" pitchFamily="49" charset="0"/>
                 <a:cs typeface="Courier New" panose="02070309020205020404" pitchFamily="49" charset="0"/>
               </a:rPr>
-              <a:t>File_100.txt (has  500,000,000 records)</a:t>
+              <a:t>(</a:t>
+            </a:r>
+            <a:r>
+              <a:rPr lang="en-US" sz="2400" dirty="0" err="1">
+                <a:latin typeface="Courier New" panose="02070309020205020404" pitchFamily="49" charset="0"/>
+                <a:cs typeface="Courier New" panose="02070309020205020404" pitchFamily="49" charset="0"/>
+              </a:rPr>
+              <a:t>my_function</a:t>
+            </a:r>
+            <a:r>
+              <a:rPr lang="en-US" sz="2400" dirty="0">
+                <a:latin typeface="Courier New" panose="02070309020205020404" pitchFamily="49" charset="0"/>
+                <a:cs typeface="Courier New" panose="02070309020205020404" pitchFamily="49" charset="0"/>
+              </a:rPr>
+              <a:t>)</a:t>
             </a:r>
           </a:p>
           <a:p>
@@ -10196,149 +10743,75 @@
               <a:buNone/>
             </a:pPr>
             <a:r>
-              <a:rPr lang="en-US" sz="2400" dirty="0" err="1">
-                <a:highlight>
-                  <a:srgbClr val="C0C0C0"/>
-                </a:highlight>
-                <a:latin typeface="Courier New" panose="02070309020205020404" pitchFamily="49" charset="0"/>
-                <a:cs typeface="Courier New" panose="02070309020205020404" pitchFamily="49" charset="0"/>
-              </a:rPr>
-              <a:t>input_path</a:t>
-            </a:r>
-            <a:r>
-              <a:rPr lang="en-US" sz="2400" dirty="0">
-                <a:highlight>
-                  <a:srgbClr val="C0C0C0"/>
-                </a:highlight>
-                <a:latin typeface="Courier New" panose="02070309020205020404" pitchFamily="49" charset="0"/>
-                <a:cs typeface="Courier New" panose="02070309020205020404" pitchFamily="49" charset="0"/>
-              </a:rPr>
-              <a:t> = “/</a:t>
-            </a:r>
-            <a:r>
-              <a:rPr lang="en-US" sz="2400" dirty="0" err="1">
-                <a:highlight>
-                  <a:srgbClr val="C0C0C0"/>
-                </a:highlight>
-                <a:latin typeface="Courier New" panose="02070309020205020404" pitchFamily="49" charset="0"/>
-                <a:cs typeface="Courier New" panose="02070309020205020404" pitchFamily="49" charset="0"/>
-              </a:rPr>
-              <a:t>tmp</a:t>
-            </a:r>
-            <a:r>
-              <a:rPr lang="en-US" sz="2400" dirty="0">
-                <a:highlight>
-                  <a:srgbClr val="C0C0C0"/>
-                </a:highlight>
-                <a:latin typeface="Courier New" panose="02070309020205020404" pitchFamily="49" charset="0"/>
-                <a:cs typeface="Courier New" panose="02070309020205020404" pitchFamily="49" charset="0"/>
-              </a:rPr>
-              <a:t>/project77/”</a:t>
-            </a:r>
-          </a:p>
-          <a:p>
-            <a:pPr marL="0" indent="0">
-              <a:buNone/>
-            </a:pPr>
-            <a:r>
               <a:rPr lang="en-US" sz="2400" dirty="0">
                 <a:latin typeface="Courier New" panose="02070309020205020404" pitchFamily="49" charset="0"/>
                 <a:cs typeface="Courier New" panose="02070309020205020404" pitchFamily="49" charset="0"/>
               </a:rPr>
-              <a:t># spark : an instance of </a:t>
+              <a:t># </a:t>
             </a:r>
             <a:r>
               <a:rPr lang="en-US" sz="2400" dirty="0" err="1">
                 <a:latin typeface="Courier New" panose="02070309020205020404" pitchFamily="49" charset="0"/>
                 <a:cs typeface="Courier New" panose="02070309020205020404" pitchFamily="49" charset="0"/>
               </a:rPr>
-              <a:t>SparkSession</a:t>
-            </a:r>
-            <a:endParaRPr lang="en-US" sz="2400" dirty="0">
-              <a:latin typeface="Courier New" panose="02070309020205020404" pitchFamily="49" charset="0"/>
-              <a:cs typeface="Courier New" panose="02070309020205020404" pitchFamily="49" charset="0"/>
-            </a:endParaRPr>
-          </a:p>
-          <a:p>
-            <a:pPr marL="0" indent="0">
-              <a:buNone/>
-            </a:pPr>
-            <a:r>
-              <a:rPr lang="en-US" sz="2400" dirty="0">
-                <a:highlight>
-                  <a:srgbClr val="FFFF00"/>
-                </a:highlight>
-                <a:latin typeface="Courier New" panose="02070309020205020404" pitchFamily="49" charset="0"/>
-                <a:cs typeface="Courier New" panose="02070309020205020404" pitchFamily="49" charset="0"/>
-              </a:rPr>
-              <a:t># create </a:t>
-            </a:r>
-            <a:r>
-              <a:rPr lang="en-US" sz="2400" dirty="0" err="1">
-                <a:highlight>
-                  <a:srgbClr val="FFFF00"/>
-                </a:highlight>
-                <a:latin typeface="Courier New" panose="02070309020205020404" pitchFamily="49" charset="0"/>
-                <a:cs typeface="Courier New" panose="02070309020205020404" pitchFamily="49" charset="0"/>
-              </a:rPr>
-              <a:t>rdd</a:t>
-            </a:r>
-            <a:r>
-              <a:rPr lang="en-US" sz="2400" dirty="0">
-                <a:highlight>
-                  <a:srgbClr val="FFFF00"/>
-                </a:highlight>
-                <a:latin typeface="Courier New" panose="02070309020205020404" pitchFamily="49" charset="0"/>
-                <a:cs typeface="Courier New" panose="02070309020205020404" pitchFamily="49" charset="0"/>
-              </a:rPr>
-              <a:t> as RDD[String] from input path</a:t>
-            </a:r>
-          </a:p>
-          <a:p>
-            <a:pPr marL="0" indent="0">
-              <a:buNone/>
-            </a:pPr>
-            <a:r>
-              <a:rPr lang="en-US" sz="2400" dirty="0" err="1">
-                <a:latin typeface="Courier New" panose="02070309020205020404" pitchFamily="49" charset="0"/>
-                <a:cs typeface="Courier New" panose="02070309020205020404" pitchFamily="49" charset="0"/>
-              </a:rPr>
-              <a:t>rdd</a:t>
+              <a:t>my_function</a:t>
             </a:r>
             <a:r>
               <a:rPr lang="en-US" sz="2400" dirty="0">
                 <a:latin typeface="Courier New" panose="02070309020205020404" pitchFamily="49" charset="0"/>
                 <a:cs typeface="Courier New" panose="02070309020205020404" pitchFamily="49" charset="0"/>
               </a:rPr>
-              <a:t> = </a:t>
-            </a:r>
-            <a:r>
-              <a:rPr lang="en-US" sz="2400" dirty="0" err="1">
+              <a:t>() converts a V to T</a:t>
+            </a:r>
+          </a:p>
+          <a:p>
+            <a:pPr marL="0" indent="0">
+              <a:buNone/>
+            </a:pPr>
+            <a:r>
+              <a:rPr lang="en-US" sz="2400" b="1" dirty="0">
+                <a:solidFill>
+                  <a:srgbClr val="0070C0"/>
+                </a:solidFill>
                 <a:latin typeface="Courier New" panose="02070309020205020404" pitchFamily="49" charset="0"/>
                 <a:cs typeface="Courier New" panose="02070309020205020404" pitchFamily="49" charset="0"/>
               </a:rPr>
-              <a:t>spark.sparkContext.textFile</a:t>
-            </a:r>
-            <a:r>
-              <a:rPr lang="en-US" sz="2400" dirty="0">
+              <a:t>def </a:t>
+            </a:r>
+            <a:r>
+              <a:rPr lang="en-US" sz="2400" b="1" dirty="0" err="1">
+                <a:solidFill>
+                  <a:srgbClr val="0070C0"/>
+                </a:solidFill>
                 <a:latin typeface="Courier New" panose="02070309020205020404" pitchFamily="49" charset="0"/>
                 <a:cs typeface="Courier New" panose="02070309020205020404" pitchFamily="49" charset="0"/>
               </a:rPr>
-              <a:t>(</a:t>
-            </a:r>
-            <a:r>
-              <a:rPr lang="en-US" sz="2400" dirty="0" err="1">
+              <a:t>my_function</a:t>
+            </a:r>
+            <a:r>
+              <a:rPr lang="en-US" sz="2400" b="1" dirty="0">
+                <a:solidFill>
+                  <a:srgbClr val="0070C0"/>
+                </a:solidFill>
                 <a:latin typeface="Courier New" panose="02070309020205020404" pitchFamily="49" charset="0"/>
                 <a:cs typeface="Courier New" panose="02070309020205020404" pitchFamily="49" charset="0"/>
               </a:rPr>
-              <a:t>input_path</a:t>
-            </a:r>
-            <a:r>
-              <a:rPr lang="en-US" sz="2400" dirty="0">
+              <a:t>(V):</a:t>
+            </a:r>
+          </a:p>
+          <a:p>
+            <a:pPr marL="0" indent="0">
+              <a:buNone/>
+            </a:pPr>
+            <a:r>
+              <a:rPr lang="en-US" sz="2400" b="1" dirty="0">
+                <a:solidFill>
+                  <a:srgbClr val="0070C0"/>
+                </a:solidFill>
                 <a:latin typeface="Courier New" panose="02070309020205020404" pitchFamily="49" charset="0"/>
                 <a:cs typeface="Courier New" panose="02070309020205020404" pitchFamily="49" charset="0"/>
               </a:rPr>
-              <a:t>)</a:t>
+              <a:t>  return &lt;convert-V-to-T&gt;</a:t>
             </a:r>
           </a:p>
           <a:p>
@@ -10346,38 +10819,25 @@
               <a:buNone/>
             </a:pPr>
             <a:r>
-              <a:rPr lang="en-US" sz="2400" dirty="0" err="1">
+              <a:rPr lang="en-US" sz="2400" b="1" dirty="0">
+                <a:solidFill>
+                  <a:srgbClr val="0070C0"/>
+                </a:solidFill>
                 <a:latin typeface="Courier New" panose="02070309020205020404" pitchFamily="49" charset="0"/>
                 <a:cs typeface="Courier New" panose="02070309020205020404" pitchFamily="49" charset="0"/>
               </a:rPr>
-              <a:t>rdd.count</a:t>
-            </a:r>
-            <a:r>
-              <a:rPr lang="en-US" sz="2400" dirty="0">
-                <a:latin typeface="Courier New" panose="02070309020205020404" pitchFamily="49" charset="0"/>
-                <a:cs typeface="Courier New" panose="02070309020205020404" pitchFamily="49" charset="0"/>
-              </a:rPr>
-              <a:t>()</a:t>
-            </a:r>
-          </a:p>
-          <a:p>
-            <a:pPr marL="0" indent="0">
-              <a:buNone/>
-            </a:pPr>
-            <a:r>
-              <a:rPr lang="en-US" sz="2400" dirty="0">
-                <a:latin typeface="Courier New" panose="02070309020205020404" pitchFamily="49" charset="0"/>
-                <a:cs typeface="Courier New" panose="02070309020205020404" pitchFamily="49" charset="0"/>
-              </a:rPr>
-              <a:t>50,000,000,000</a:t>
-            </a:r>
+              <a:t>#end-def</a:t>
+            </a:r>
+          </a:p>
+          <a:p>
+            <a:endParaRPr lang="en-US" sz="2400" dirty="0"/>
           </a:p>
         </p:txBody>
       </p:sp>
     </p:spTree>
     <p:extLst>
       <p:ext uri="{BB962C8B-B14F-4D97-AF65-F5344CB8AC3E}">
-        <p14:creationId xmlns:p14="http://schemas.microsoft.com/office/powerpoint/2010/main" val="1805675905"/>
+        <p14:creationId xmlns:p14="http://schemas.microsoft.com/office/powerpoint/2010/main" val="14225864"/>
       </p:ext>
     </p:extLst>
   </p:cSld>
@@ -10434,7 +10894,7 @@
           <a:p>
             <a:r>
               <a:rPr lang="en-US" dirty="0"/>
-              <a:t>RDD Notation</a:t>
+              <a:t>RDD Transformations Examples: 100 files</a:t>
             </a:r>
           </a:p>
         </p:txBody>
@@ -10463,109 +10923,271 @@
         </p:spPr>
         <p:txBody>
           <a:bodyPr>
-            <a:normAutofit/>
+            <a:normAutofit fontScale="70000" lnSpcReduction="20000"/>
           </a:bodyPr>
           <a:lstStyle/>
           <a:p>
+            <a:pPr marL="0" indent="0">
+              <a:buNone/>
+            </a:pPr>
             <a:r>
               <a:rPr lang="en-US" sz="2400" dirty="0">
+                <a:latin typeface="Courier New" panose="02070309020205020404" pitchFamily="49" charset="0"/>
+                <a:cs typeface="Courier New" panose="02070309020205020404" pitchFamily="49" charset="0"/>
+              </a:rPr>
+              <a:t># ls –l /</a:t>
+            </a:r>
+            <a:r>
+              <a:rPr lang="en-US" sz="2400" dirty="0" err="1">
+                <a:latin typeface="Courier New" panose="02070309020205020404" pitchFamily="49" charset="0"/>
+                <a:cs typeface="Courier New" panose="02070309020205020404" pitchFamily="49" charset="0"/>
+              </a:rPr>
+              <a:t>tmp</a:t>
+            </a:r>
+            <a:r>
+              <a:rPr lang="en-US" sz="2400" dirty="0">
+                <a:latin typeface="Courier New" panose="02070309020205020404" pitchFamily="49" charset="0"/>
+                <a:cs typeface="Courier New" panose="02070309020205020404" pitchFamily="49" charset="0"/>
+              </a:rPr>
+              <a:t>/project77/</a:t>
+            </a:r>
+          </a:p>
+          <a:p>
+            <a:pPr marL="0" indent="0">
+              <a:buNone/>
+            </a:pPr>
+            <a:r>
+              <a:rPr lang="en-US" sz="2400" dirty="0">
+                <a:latin typeface="Courier New" panose="02070309020205020404" pitchFamily="49" charset="0"/>
+                <a:cs typeface="Courier New" panose="02070309020205020404" pitchFamily="49" charset="0"/>
+              </a:rPr>
+              <a:t>File_001.txt (has  500,000,000 records)</a:t>
+            </a:r>
+          </a:p>
+          <a:p>
+            <a:pPr marL="0" indent="0">
+              <a:buNone/>
+            </a:pPr>
+            <a:r>
+              <a:rPr lang="en-US" sz="2400" dirty="0">
+                <a:latin typeface="Courier New" panose="02070309020205020404" pitchFamily="49" charset="0"/>
+                <a:cs typeface="Courier New" panose="02070309020205020404" pitchFamily="49" charset="0"/>
+              </a:rPr>
+              <a:t>File_002.txt (has  500,000,000 records)</a:t>
+            </a:r>
+          </a:p>
+          <a:p>
+            <a:pPr marL="0" indent="0">
+              <a:buNone/>
+            </a:pPr>
+            <a:r>
+              <a:rPr lang="en-US" sz="2400" dirty="0">
+                <a:latin typeface="Courier New" panose="02070309020205020404" pitchFamily="49" charset="0"/>
+                <a:cs typeface="Courier New" panose="02070309020205020404" pitchFamily="49" charset="0"/>
+              </a:rPr>
+              <a:t>…</a:t>
+            </a:r>
+          </a:p>
+          <a:p>
+            <a:pPr marL="0" indent="0">
+              <a:buNone/>
+            </a:pPr>
+            <a:r>
+              <a:rPr lang="en-US" sz="2400" dirty="0">
+                <a:latin typeface="Courier New" panose="02070309020205020404" pitchFamily="49" charset="0"/>
+                <a:cs typeface="Courier New" panose="02070309020205020404" pitchFamily="49" charset="0"/>
+              </a:rPr>
+              <a:t>File_100.txt (has  500,000,000 records)</a:t>
+            </a:r>
+          </a:p>
+          <a:p>
+            <a:pPr marL="0" indent="0">
+              <a:buNone/>
+            </a:pPr>
+            <a:endParaRPr lang="en-US" sz="2400" dirty="0">
+              <a:latin typeface="Courier New" panose="02070309020205020404" pitchFamily="49" charset="0"/>
+              <a:cs typeface="Courier New" panose="02070309020205020404" pitchFamily="49" charset="0"/>
+            </a:endParaRPr>
+          </a:p>
+          <a:p>
+            <a:pPr marL="0" indent="0">
+              <a:buNone/>
+            </a:pPr>
+            <a:r>
+              <a:rPr lang="en-US" sz="2400" dirty="0" err="1">
                 <a:highlight>
-                  <a:srgbClr val="00FF00"/>
+                  <a:srgbClr val="C0C0C0"/>
                 </a:highlight>
                 <a:latin typeface="Courier New" panose="02070309020205020404" pitchFamily="49" charset="0"/>
                 <a:cs typeface="Courier New" panose="02070309020205020404" pitchFamily="49" charset="0"/>
               </a:rPr>
-              <a:t>RDD[Integer]</a:t>
-            </a:r>
+              <a:t>input_path</a:t>
+            </a:r>
+            <a:r>
+              <a:rPr lang="en-US" sz="2400" dirty="0">
+                <a:highlight>
+                  <a:srgbClr val="C0C0C0"/>
+                </a:highlight>
+                <a:latin typeface="Courier New" panose="02070309020205020404" pitchFamily="49" charset="0"/>
+                <a:cs typeface="Courier New" panose="02070309020205020404" pitchFamily="49" charset="0"/>
+              </a:rPr>
+              <a:t> = “/</a:t>
+            </a:r>
+            <a:r>
+              <a:rPr lang="en-US" sz="2400" dirty="0" err="1">
+                <a:highlight>
+                  <a:srgbClr val="C0C0C0"/>
+                </a:highlight>
+                <a:latin typeface="Courier New" panose="02070309020205020404" pitchFamily="49" charset="0"/>
+                <a:cs typeface="Courier New" panose="02070309020205020404" pitchFamily="49" charset="0"/>
+              </a:rPr>
+              <a:t>tmp</a:t>
+            </a:r>
+            <a:r>
+              <a:rPr lang="en-US" sz="2400" dirty="0">
+                <a:highlight>
+                  <a:srgbClr val="C0C0C0"/>
+                </a:highlight>
+                <a:latin typeface="Courier New" panose="02070309020205020404" pitchFamily="49" charset="0"/>
+                <a:cs typeface="Courier New" panose="02070309020205020404" pitchFamily="49" charset="0"/>
+              </a:rPr>
+              <a:t>/project77/”</a:t>
+            </a:r>
+          </a:p>
+          <a:p>
+            <a:pPr marL="0" indent="0">
+              <a:buNone/>
+            </a:pPr>
             <a:r>
               <a:rPr lang="en-US" sz="2400" dirty="0">
                 <a:latin typeface="Courier New" panose="02070309020205020404" pitchFamily="49" charset="0"/>
                 <a:cs typeface="Courier New" panose="02070309020205020404" pitchFamily="49" charset="0"/>
               </a:rPr>
-              <a:t> : elements are integers</a:t>
-            </a:r>
-          </a:p>
-          <a:p>
+              <a:t># spark : an instance of </a:t>
+            </a:r>
+            <a:r>
+              <a:rPr lang="en-US" sz="2400" dirty="0" err="1">
+                <a:latin typeface="Courier New" panose="02070309020205020404" pitchFamily="49" charset="0"/>
+                <a:cs typeface="Courier New" panose="02070309020205020404" pitchFamily="49" charset="0"/>
+              </a:rPr>
+              <a:t>SparkSession</a:t>
+            </a:r>
+            <a:endParaRPr lang="en-US" sz="2400" dirty="0">
+              <a:latin typeface="Courier New" panose="02070309020205020404" pitchFamily="49" charset="0"/>
+              <a:cs typeface="Courier New" panose="02070309020205020404" pitchFamily="49" charset="0"/>
+            </a:endParaRPr>
+          </a:p>
+          <a:p>
+            <a:pPr marL="0" indent="0">
+              <a:buNone/>
+            </a:pPr>
             <a:r>
               <a:rPr lang="en-US" sz="2400" dirty="0">
                 <a:highlight>
-                  <a:srgbClr val="00FF00"/>
+                  <a:srgbClr val="FFFF00"/>
                 </a:highlight>
                 <a:latin typeface="Courier New" panose="02070309020205020404" pitchFamily="49" charset="0"/>
                 <a:cs typeface="Courier New" panose="02070309020205020404" pitchFamily="49" charset="0"/>
               </a:rPr>
-              <a:t>RDD[String]</a:t>
+              <a:t># create </a:t>
+            </a:r>
+            <a:r>
+              <a:rPr lang="en-US" sz="2400" dirty="0" err="1">
+                <a:highlight>
+                  <a:srgbClr val="FFFF00"/>
+                </a:highlight>
+                <a:latin typeface="Courier New" panose="02070309020205020404" pitchFamily="49" charset="0"/>
+                <a:cs typeface="Courier New" panose="02070309020205020404" pitchFamily="49" charset="0"/>
+              </a:rPr>
+              <a:t>rdd</a:t>
+            </a:r>
+            <a:r>
+              <a:rPr lang="en-US" sz="2400" dirty="0">
+                <a:highlight>
+                  <a:srgbClr val="FFFF00"/>
+                </a:highlight>
+                <a:latin typeface="Courier New" panose="02070309020205020404" pitchFamily="49" charset="0"/>
+                <a:cs typeface="Courier New" panose="02070309020205020404" pitchFamily="49" charset="0"/>
+              </a:rPr>
+              <a:t> as RDD[String] from input path</a:t>
+            </a:r>
+          </a:p>
+          <a:p>
+            <a:pPr marL="0" indent="0">
+              <a:buNone/>
+            </a:pPr>
+            <a:r>
+              <a:rPr lang="en-US" sz="2400" dirty="0" err="1">
+                <a:latin typeface="Courier New" panose="02070309020205020404" pitchFamily="49" charset="0"/>
+                <a:cs typeface="Courier New" panose="02070309020205020404" pitchFamily="49" charset="0"/>
+              </a:rPr>
+              <a:t>rdd</a:t>
             </a:r>
             <a:r>
               <a:rPr lang="en-US" sz="2400" dirty="0">
                 <a:latin typeface="Courier New" panose="02070309020205020404" pitchFamily="49" charset="0"/>
                 <a:cs typeface="Courier New" panose="02070309020205020404" pitchFamily="49" charset="0"/>
               </a:rPr>
-              <a:t>  : elements are strings</a:t>
-            </a:r>
-          </a:p>
-          <a:p>
-            <a:r>
-              <a:rPr lang="en-US" sz="2400" dirty="0">
-                <a:highlight>
-                  <a:srgbClr val="00FF00"/>
-                </a:highlight>
+              <a:t> = </a:t>
+            </a:r>
+            <a:r>
+              <a:rPr lang="en-US" sz="2400" dirty="0" err="1">
                 <a:latin typeface="Courier New" panose="02070309020205020404" pitchFamily="49" charset="0"/>
                 <a:cs typeface="Courier New" panose="02070309020205020404" pitchFamily="49" charset="0"/>
               </a:rPr>
-              <a:t>RDD[(String, Integer)]</a:t>
+              <a:t>spark.sparkContext.textFile</a:t>
             </a:r>
             <a:r>
               <a:rPr lang="en-US" sz="2400" dirty="0">
                 <a:latin typeface="Courier New" panose="02070309020205020404" pitchFamily="49" charset="0"/>
                 <a:cs typeface="Courier New" panose="02070309020205020404" pitchFamily="49" charset="0"/>
               </a:rPr>
-              <a:t>: elements are (key, value) pairs</a:t>
-            </a:r>
-          </a:p>
-          <a:p>
-            <a:r>
-              <a:rPr lang="en-US" sz="2400" dirty="0">
-                <a:highlight>
-                  <a:srgbClr val="00FF00"/>
-                </a:highlight>
+              <a:t>(</a:t>
+            </a:r>
+            <a:r>
+              <a:rPr lang="en-US" sz="2400" dirty="0" err="1">
                 <a:latin typeface="Courier New" panose="02070309020205020404" pitchFamily="49" charset="0"/>
                 <a:cs typeface="Courier New" panose="02070309020205020404" pitchFamily="49" charset="0"/>
               </a:rPr>
-              <a:t>RDD[(String, Integer, Integer)]</a:t>
+              <a:t>input_path</a:t>
             </a:r>
             <a:r>
               <a:rPr lang="en-US" sz="2400" dirty="0">
                 <a:latin typeface="Courier New" panose="02070309020205020404" pitchFamily="49" charset="0"/>
                 <a:cs typeface="Courier New" panose="02070309020205020404" pitchFamily="49" charset="0"/>
               </a:rPr>
-              <a:t>:  elements are triplets</a:t>
-            </a:r>
-          </a:p>
-          <a:p>
-            <a:r>
-              <a:rPr lang="en-US" dirty="0">
-                <a:highlight>
-                  <a:srgbClr val="00FF00"/>
-                </a:highlight>
+              <a:t>)</a:t>
+            </a:r>
+          </a:p>
+          <a:p>
+            <a:pPr marL="0" indent="0">
+              <a:buNone/>
+            </a:pPr>
+            <a:r>
+              <a:rPr lang="en-US" sz="2400" dirty="0" err="1">
                 <a:latin typeface="Courier New" panose="02070309020205020404" pitchFamily="49" charset="0"/>
                 <a:cs typeface="Courier New" panose="02070309020205020404" pitchFamily="49" charset="0"/>
               </a:rPr>
-              <a:t>RDD[(String, (Integer, Integer, Integer))]</a:t>
-            </a:r>
-            <a:r>
-              <a:rPr lang="en-US" dirty="0">
-                <a:latin typeface="Courier New" panose="02070309020205020404" pitchFamily="49" charset="0"/>
-                <a:cs typeface="Courier New" panose="02070309020205020404" pitchFamily="49" charset="0"/>
-              </a:rPr>
-              <a:t>: </a:t>
+              <a:t>rdd.count</a:t>
             </a:r>
             <a:r>
               <a:rPr lang="en-US" sz="2400" dirty="0">
                 <a:latin typeface="Courier New" panose="02070309020205020404" pitchFamily="49" charset="0"/>
                 <a:cs typeface="Courier New" panose="02070309020205020404" pitchFamily="49" charset="0"/>
               </a:rPr>
-              <a:t>elements are (key, value) pairs</a:t>
+              <a:t>()</a:t>
+            </a:r>
+          </a:p>
+          <a:p>
+            <a:pPr marL="0" indent="0">
+              <a:buNone/>
+            </a:pPr>
+            <a:r>
+              <a:rPr lang="en-US" sz="2400" dirty="0">
+                <a:latin typeface="Courier New" panose="02070309020205020404" pitchFamily="49" charset="0"/>
+                <a:cs typeface="Courier New" panose="02070309020205020404" pitchFamily="49" charset="0"/>
+              </a:rPr>
+              <a:t>50,000,000,000</a:t>
             </a:r>
           </a:p>
         </p:txBody>
@@ -10573,7 +11195,7 @@
     </p:spTree>
     <p:extLst>
       <p:ext uri="{BB962C8B-B14F-4D97-AF65-F5344CB8AC3E}">
-        <p14:creationId xmlns:p14="http://schemas.microsoft.com/office/powerpoint/2010/main" val="2344857200"/>
+        <p14:creationId xmlns:p14="http://schemas.microsoft.com/office/powerpoint/2010/main" val="1805675905"/>
       </p:ext>
     </p:extLst>
   </p:cSld>
@@ -10602,6 +11224,233 @@
       </p:grpSpPr>
       <p:sp>
         <p:nvSpPr>
+          <p:cNvPr id="4" name="Title 3">
+            <a:extLst>
+              <a:ext uri="{FF2B5EF4-FFF2-40B4-BE49-F238E27FC236}">
+                <a16:creationId xmlns:a16="http://schemas.microsoft.com/office/drawing/2014/main" id="{DCCC8AEE-1310-634E-9023-7929C03FECFD}"/>
+              </a:ext>
+            </a:extLst>
+          </p:cNvPr>
+          <p:cNvSpPr>
+            <a:spLocks noGrp="1"/>
+          </p:cNvSpPr>
+          <p:nvPr>
+            <p:ph type="title"/>
+          </p:nvPr>
+        </p:nvSpPr>
+        <p:spPr>
+          <a:xfrm>
+            <a:off x="628650" y="273845"/>
+            <a:ext cx="7886700" cy="518636"/>
+          </a:xfrm>
+        </p:spPr>
+        <p:txBody>
+          <a:bodyPr>
+            <a:normAutofit fontScale="90000"/>
+          </a:bodyPr>
+          <a:lstStyle/>
+          <a:p>
+            <a:r>
+              <a:rPr lang="en-US" dirty="0"/>
+              <a:t>RDD Notation</a:t>
+            </a:r>
+          </a:p>
+        </p:txBody>
+      </p:sp>
+      <p:sp>
+        <p:nvSpPr>
+          <p:cNvPr id="5" name="Content Placeholder 4">
+            <a:extLst>
+              <a:ext uri="{FF2B5EF4-FFF2-40B4-BE49-F238E27FC236}">
+                <a16:creationId xmlns:a16="http://schemas.microsoft.com/office/drawing/2014/main" id="{C4FE1F5A-47C9-D047-9202-796ADD8B3DB3}"/>
+              </a:ext>
+            </a:extLst>
+          </p:cNvPr>
+          <p:cNvSpPr>
+            <a:spLocks noGrp="1"/>
+          </p:cNvSpPr>
+          <p:nvPr>
+            <p:ph idx="1"/>
+          </p:nvPr>
+        </p:nvSpPr>
+        <p:spPr>
+          <a:xfrm>
+            <a:off x="628650" y="792481"/>
+            <a:ext cx="7886700" cy="3840242"/>
+          </a:xfrm>
+        </p:spPr>
+        <p:txBody>
+          <a:bodyPr>
+            <a:normAutofit fontScale="92500" lnSpcReduction="10000"/>
+          </a:bodyPr>
+          <a:lstStyle/>
+          <a:p>
+            <a:r>
+              <a:rPr lang="en-US" sz="2400" dirty="0">
+                <a:highlight>
+                  <a:srgbClr val="00FF00"/>
+                </a:highlight>
+                <a:latin typeface="Courier New" panose="02070309020205020404" pitchFamily="49" charset="0"/>
+                <a:cs typeface="Courier New" panose="02070309020205020404" pitchFamily="49" charset="0"/>
+              </a:rPr>
+              <a:t>RDD[Integer]</a:t>
+            </a:r>
+            <a:r>
+              <a:rPr lang="en-US" sz="2400" dirty="0">
+                <a:latin typeface="Courier New" panose="02070309020205020404" pitchFamily="49" charset="0"/>
+                <a:cs typeface="Courier New" panose="02070309020205020404" pitchFamily="49" charset="0"/>
+              </a:rPr>
+              <a:t> : elements are integers</a:t>
+            </a:r>
+          </a:p>
+          <a:p>
+            <a:r>
+              <a:rPr lang="en-US" sz="2400" dirty="0">
+                <a:highlight>
+                  <a:srgbClr val="00FF00"/>
+                </a:highlight>
+                <a:latin typeface="Courier New" panose="02070309020205020404" pitchFamily="49" charset="0"/>
+                <a:cs typeface="Courier New" panose="02070309020205020404" pitchFamily="49" charset="0"/>
+              </a:rPr>
+              <a:t>RDD[String]</a:t>
+            </a:r>
+            <a:r>
+              <a:rPr lang="en-US" sz="2400" dirty="0">
+                <a:latin typeface="Courier New" panose="02070309020205020404" pitchFamily="49" charset="0"/>
+                <a:cs typeface="Courier New" panose="02070309020205020404" pitchFamily="49" charset="0"/>
+              </a:rPr>
+              <a:t>  : elements are strings</a:t>
+            </a:r>
+          </a:p>
+          <a:p>
+            <a:r>
+              <a:rPr lang="en-US" sz="2400" dirty="0">
+                <a:highlight>
+                  <a:srgbClr val="00FF00"/>
+                </a:highlight>
+                <a:latin typeface="Courier New" panose="02070309020205020404" pitchFamily="49" charset="0"/>
+                <a:cs typeface="Courier New" panose="02070309020205020404" pitchFamily="49" charset="0"/>
+              </a:rPr>
+              <a:t>RDD[(String, Integer)]</a:t>
+            </a:r>
+            <a:r>
+              <a:rPr lang="en-US" sz="2400" dirty="0">
+                <a:latin typeface="Courier New" panose="02070309020205020404" pitchFamily="49" charset="0"/>
+                <a:cs typeface="Courier New" panose="02070309020205020404" pitchFamily="49" charset="0"/>
+              </a:rPr>
+              <a:t>: elements are (key, value) pairs</a:t>
+            </a:r>
+          </a:p>
+          <a:p>
+            <a:r>
+              <a:rPr lang="en-US" sz="2400" dirty="0">
+                <a:highlight>
+                  <a:srgbClr val="00FF00"/>
+                </a:highlight>
+                <a:latin typeface="Courier New" panose="02070309020205020404" pitchFamily="49" charset="0"/>
+                <a:cs typeface="Courier New" panose="02070309020205020404" pitchFamily="49" charset="0"/>
+              </a:rPr>
+              <a:t>RDD[(String, Integer, Integer)]</a:t>
+            </a:r>
+            <a:r>
+              <a:rPr lang="en-US" sz="2400" dirty="0">
+                <a:latin typeface="Courier New" panose="02070309020205020404" pitchFamily="49" charset="0"/>
+                <a:cs typeface="Courier New" panose="02070309020205020404" pitchFamily="49" charset="0"/>
+              </a:rPr>
+              <a:t>:  elements are triplets</a:t>
+            </a:r>
+          </a:p>
+          <a:p>
+            <a:r>
+              <a:rPr lang="en-US" dirty="0">
+                <a:highlight>
+                  <a:srgbClr val="00FF00"/>
+                </a:highlight>
+                <a:latin typeface="Courier New" panose="02070309020205020404" pitchFamily="49" charset="0"/>
+                <a:cs typeface="Courier New" panose="02070309020205020404" pitchFamily="49" charset="0"/>
+              </a:rPr>
+              <a:t>RDD[(String, (Integer, Integer, Integer))]</a:t>
+            </a:r>
+            <a:r>
+              <a:rPr lang="en-US" dirty="0">
+                <a:latin typeface="Courier New" panose="02070309020205020404" pitchFamily="49" charset="0"/>
+                <a:cs typeface="Courier New" panose="02070309020205020404" pitchFamily="49" charset="0"/>
+              </a:rPr>
+              <a:t>: </a:t>
+            </a:r>
+            <a:r>
+              <a:rPr lang="en-US" sz="2400" dirty="0">
+                <a:latin typeface="Courier New" panose="02070309020205020404" pitchFamily="49" charset="0"/>
+                <a:cs typeface="Courier New" panose="02070309020205020404" pitchFamily="49" charset="0"/>
+              </a:rPr>
+              <a:t>elements are (key, value) pairs</a:t>
+            </a:r>
+          </a:p>
+          <a:p>
+            <a:pPr lvl="1"/>
+            <a:r>
+              <a:rPr lang="en-US" sz="2200" dirty="0">
+                <a:latin typeface="Courier New" panose="02070309020205020404" pitchFamily="49" charset="0"/>
+                <a:cs typeface="Courier New" panose="02070309020205020404" pitchFamily="49" charset="0"/>
+              </a:rPr>
+              <a:t> key is String</a:t>
+            </a:r>
+          </a:p>
+          <a:p>
+            <a:pPr lvl="1"/>
+            <a:r>
+              <a:rPr lang="en-US" sz="2200" dirty="0">
+                <a:latin typeface="Courier New" panose="02070309020205020404" pitchFamily="49" charset="0"/>
+                <a:cs typeface="Courier New" panose="02070309020205020404" pitchFamily="49" charset="0"/>
+              </a:rPr>
+              <a:t> value is (Integer, Integer, </a:t>
+            </a:r>
+            <a:r>
+              <a:rPr lang="en-US" sz="2200">
+                <a:latin typeface="Courier New" panose="02070309020205020404" pitchFamily="49" charset="0"/>
+                <a:cs typeface="Courier New" panose="02070309020205020404" pitchFamily="49" charset="0"/>
+              </a:rPr>
+              <a:t>Integer) </a:t>
+            </a:r>
+            <a:endParaRPr lang="en-US" sz="2200" dirty="0">
+              <a:latin typeface="Courier New" panose="02070309020205020404" pitchFamily="49" charset="0"/>
+              <a:cs typeface="Courier New" panose="02070309020205020404" pitchFamily="49" charset="0"/>
+            </a:endParaRPr>
+          </a:p>
+        </p:txBody>
+      </p:sp>
+    </p:spTree>
+    <p:extLst>
+      <p:ext uri="{BB962C8B-B14F-4D97-AF65-F5344CB8AC3E}">
+        <p14:creationId xmlns:p14="http://schemas.microsoft.com/office/powerpoint/2010/main" val="2344857200"/>
+      </p:ext>
+    </p:extLst>
+  </p:cSld>
+  <p:clrMapOvr>
+    <a:masterClrMapping/>
+  </p:clrMapOvr>
+</p:sld>
+</file>
+
+<file path=ppt/slides/slide25.xml><?xml version="1.0" encoding="utf-8"?>
+<p:sld xmlns:a="http://schemas.openxmlformats.org/drawingml/2006/main" xmlns:r="http://schemas.openxmlformats.org/officeDocument/2006/relationships" xmlns:p="http://schemas.openxmlformats.org/presentationml/2006/main">
+  <p:cSld>
+    <p:spTree>
+      <p:nvGrpSpPr>
+        <p:cNvPr id="1" name=""/>
+        <p:cNvGrpSpPr/>
+        <p:nvPr/>
+      </p:nvGrpSpPr>
+      <p:grpSpPr>
+        <a:xfrm>
+          <a:off x="0" y="0"/>
+          <a:ext cx="0" cy="0"/>
+          <a:chOff x="0" y="0"/>
+          <a:chExt cx="0" cy="0"/>
+        </a:xfrm>
+      </p:grpSpPr>
+      <p:sp>
+        <p:nvSpPr>
           <p:cNvPr id="2" name="Title 1">
             <a:extLst>
               <a:ext uri="{FF2B5EF4-FFF2-40B4-BE49-F238E27FC236}">
@@ -10619,7 +11468,7 @@
         <p:spPr>
           <a:xfrm>
             <a:off x="451191" y="880520"/>
-            <a:ext cx="4382066" cy="1178320"/>
+            <a:ext cx="4382066" cy="1691230"/>
           </a:xfrm>
         </p:spPr>
         <p:txBody>
@@ -10639,6 +11488,13 @@
             <a:r>
               <a:rPr lang="en-US" sz="4800" dirty="0"/>
               <a:t>  RDD</a:t>
+            </a:r>
+            <a:br>
+              <a:rPr lang="en-US" sz="4800" dirty="0"/>
+            </a:br>
+            <a:r>
+              <a:rPr lang="en-US" sz="4800" dirty="0"/>
+              <a:t>Create your RDDs</a:t>
             </a:r>
           </a:p>
         </p:txBody>
@@ -10710,16 +11566,18 @@
         <p:spPr>
           <a:xfrm>
             <a:off x="628650" y="273845"/>
-            <a:ext cx="7886700" cy="544762"/>
-          </a:xfrm>
-        </p:spPr>
-        <p:txBody>
-          <a:bodyPr/>
+            <a:ext cx="7886700" cy="466384"/>
+          </a:xfrm>
+        </p:spPr>
+        <p:txBody>
+          <a:bodyPr>
+            <a:normAutofit fontScale="90000"/>
+          </a:bodyPr>
           <a:lstStyle/>
           <a:p>
             <a:r>
               <a:rPr lang="en-US" dirty="0"/>
-              <a:t>RDD = Resilient Distributed Dataset</a:t>
+              <a:t>Data Abstractions in Spark</a:t>
             </a:r>
           </a:p>
         </p:txBody>
@@ -10742,8 +11600,8 @@
         </p:nvSpPr>
         <p:spPr>
           <a:xfrm>
-            <a:off x="628650" y="818606"/>
-            <a:ext cx="7886700" cy="3971107"/>
+            <a:off x="628650" y="740229"/>
+            <a:ext cx="7886700" cy="3892494"/>
           </a:xfrm>
         </p:spPr>
         <p:txBody>
@@ -10752,129 +11610,72 @@
           </a:bodyPr>
           <a:lstStyle/>
           <a:p>
-            <a:pPr marL="457200" indent="-457200" fontAlgn="base">
-              <a:buFont typeface="+mj-lt"/>
-              <a:buAutoNum type="arabicPeriod"/>
+            <a:pPr marL="0" indent="0" fontAlgn="base">
+              <a:buNone/>
             </a:pPr>
             <a:r>
-              <a:rPr lang="en-US" b="1" dirty="0"/>
-              <a:t>RDD</a:t>
-            </a:r>
-            <a:r>
-              <a:rPr lang="en-US" dirty="0"/>
-              <a:t> is the fundamental data structure of Spark. </a:t>
-            </a:r>
-          </a:p>
-          <a:p>
-            <a:pPr marL="457200" indent="-457200" fontAlgn="base">
-              <a:buFont typeface="+mj-lt"/>
-              <a:buAutoNum type="arabicPeriod"/>
+              <a:rPr lang="en-US" sz="2800" b="1" dirty="0"/>
+              <a:t>RDD </a:t>
+            </a:r>
+          </a:p>
+          <a:p>
+            <a:pPr fontAlgn="base"/>
+            <a:r>
+              <a:rPr lang="en-US" dirty="0"/>
+              <a:t> Low-Level</a:t>
+            </a:r>
+          </a:p>
+          <a:p>
+            <a:pPr fontAlgn="base"/>
+            <a:r>
+              <a:rPr lang="en-US" dirty="0"/>
+              <a:t>Partitioned (to enable parallel transformations)</a:t>
+            </a:r>
+          </a:p>
+          <a:p>
+            <a:pPr fontAlgn="base"/>
+            <a:r>
+              <a:rPr lang="en-US" dirty="0"/>
+              <a:t> Each element can have a data type T</a:t>
+            </a:r>
+          </a:p>
+          <a:p>
+            <a:pPr fontAlgn="base"/>
+            <a:r>
+              <a:rPr lang="en-US" dirty="0"/>
+              <a:t> Used for unstructured and semi-structured data (log files, text files, CSV files, …)</a:t>
+            </a:r>
+          </a:p>
+          <a:p>
+            <a:pPr fontAlgn="base"/>
+            <a:endParaRPr lang="en-US" dirty="0"/>
+          </a:p>
+          <a:p>
+            <a:pPr marL="0" indent="0" fontAlgn="base">
+              <a:buNone/>
             </a:pPr>
             <a:r>
-              <a:rPr lang="en-US" dirty="0"/>
-              <a:t>RDD  is an </a:t>
-            </a:r>
-            <a:r>
-              <a:rPr lang="en-US" b="1" u="sng" dirty="0"/>
-              <a:t>immutable</a:t>
-            </a:r>
-            <a:r>
-              <a:rPr lang="en-US" dirty="0"/>
-              <a:t> collection of objects which                                computes on the different node of the cluster.</a:t>
-            </a:r>
-          </a:p>
-          <a:p>
-            <a:pPr marL="457200" indent="-457200" fontAlgn="base">
-              <a:buFont typeface="+mj-lt"/>
-              <a:buAutoNum type="arabicPeriod"/>
-            </a:pPr>
-            <a:r>
-              <a:rPr lang="en-US" b="1" u="sng" dirty="0">
-                <a:solidFill>
-                  <a:srgbClr val="0070C0"/>
-                </a:solidFill>
-              </a:rPr>
-              <a:t>RDD is Resilient</a:t>
-            </a:r>
-            <a:r>
-              <a:rPr lang="en-US" b="1" dirty="0"/>
-              <a:t>: </a:t>
-            </a:r>
-            <a:r>
-              <a:rPr lang="en-US" dirty="0"/>
-              <a:t>fault-tolerant with the help of RDD lineage graph (</a:t>
-            </a:r>
-            <a:r>
-              <a:rPr lang="en-US" b="1" u="sng" dirty="0">
-                <a:hlinkClick r:id="rId2"/>
-              </a:rPr>
-              <a:t>DAG</a:t>
-            </a:r>
-            <a:r>
-              <a:rPr lang="en-US" dirty="0"/>
-              <a:t>) and so able to recompute missing or damaged partitions due to node failures.</a:t>
-            </a:r>
-          </a:p>
-          <a:p>
-            <a:pPr marL="457200" indent="-457200" fontAlgn="base">
-              <a:buFont typeface="+mj-lt"/>
-              <a:buAutoNum type="arabicPeriod"/>
-            </a:pPr>
-            <a:r>
-              <a:rPr lang="en-US" b="1" u="sng" dirty="0">
-                <a:solidFill>
-                  <a:srgbClr val="0070C0"/>
-                </a:solidFill>
-              </a:rPr>
-              <a:t>RDD is Distributed</a:t>
-            </a:r>
-            <a:r>
-              <a:rPr lang="en-US" dirty="0"/>
-              <a:t>,</a:t>
-            </a:r>
-            <a:r>
-              <a:rPr lang="en-US" b="1" dirty="0"/>
-              <a:t> </a:t>
-            </a:r>
-            <a:r>
-              <a:rPr lang="en-US" dirty="0"/>
-              <a:t>since Data resides on multiple nodes.</a:t>
-            </a:r>
-          </a:p>
-          <a:p>
-            <a:pPr marL="457200" indent="-457200" fontAlgn="base">
-              <a:buFont typeface="+mj-lt"/>
-              <a:buAutoNum type="arabicPeriod"/>
-            </a:pPr>
-            <a:r>
-              <a:rPr lang="en-US" b="1" u="sng" dirty="0">
-                <a:solidFill>
-                  <a:srgbClr val="0070C0"/>
-                </a:solidFill>
-              </a:rPr>
-              <a:t>RDD is a Dataset </a:t>
-            </a:r>
+              <a:rPr lang="en-US" sz="3200" dirty="0"/>
+              <a:t>Your-Data </a:t>
+            </a:r>
+            <a:r>
+              <a:rPr lang="en-US" sz="3200" dirty="0">
+                <a:sym typeface="Wingdings" pitchFamily="2" charset="2"/>
+              </a:rPr>
+              <a:t> Spark  RDD</a:t>
+            </a:r>
+            <a:endParaRPr lang="en-US" sz="3200" dirty="0"/>
           </a:p>
           <a:p>
             <a:pPr lvl="1" fontAlgn="base"/>
-            <a:r>
-              <a:rPr lang="en-US" dirty="0"/>
-              <a:t>Represents records of the data you work with. </a:t>
-            </a:r>
-          </a:p>
-          <a:p>
-            <a:pPr lvl="1" fontAlgn="base"/>
-            <a:r>
-              <a:rPr lang="en-US" dirty="0"/>
-              <a:t>The user can load the data set externally which can be either JSON file, CSV file, text file or database via JDBC with no specific data structure.</a:t>
-            </a:r>
+            <a:endParaRPr lang="en-US" dirty="0"/>
           </a:p>
         </p:txBody>
       </p:sp>
     </p:spTree>
     <p:extLst>
       <p:ext uri="{BB962C8B-B14F-4D97-AF65-F5344CB8AC3E}">
-        <p14:creationId xmlns:p14="http://schemas.microsoft.com/office/powerpoint/2010/main" val="1607915906"/>
+        <p14:creationId xmlns:p14="http://schemas.microsoft.com/office/powerpoint/2010/main" val="2030310678"/>
       </p:ext>
     </p:extLst>
   </p:cSld>
@@ -10917,7 +11718,12 @@
             <p:ph type="title"/>
           </p:nvPr>
         </p:nvSpPr>
-        <p:spPr/>
+        <p:spPr>
+          <a:xfrm>
+            <a:off x="628650" y="273845"/>
+            <a:ext cx="7886700" cy="544762"/>
+          </a:xfrm>
+        </p:spPr>
         <p:txBody>
           <a:bodyPr/>
           <a:lstStyle/>
@@ -10945,73 +11751,133 @@
             <p:ph idx="1"/>
           </p:nvPr>
         </p:nvSpPr>
-        <p:spPr/>
+        <p:spPr>
+          <a:xfrm>
+            <a:off x="628650" y="818606"/>
+            <a:ext cx="7886700" cy="3971107"/>
+          </a:xfrm>
+        </p:spPr>
         <p:txBody>
           <a:bodyPr>
             <a:normAutofit/>
           </a:bodyPr>
           <a:lstStyle/>
           <a:p>
-            <a:r>
-              <a:rPr lang="en-US" sz="2400" dirty="0"/>
-              <a:t>RDD is the fundamental data structure of Spark. </a:t>
-            </a:r>
-          </a:p>
-          <a:p>
-            <a:pPr lvl="1"/>
-            <a:r>
-              <a:rPr lang="en-US" sz="2200" dirty="0"/>
-              <a:t> Your data (files, collections, …) is represented as an RDD</a:t>
-            </a:r>
-          </a:p>
-          <a:p>
-            <a:r>
-              <a:rPr lang="en-US" sz="2400" dirty="0"/>
-              <a:t>RDDs are </a:t>
-            </a:r>
-            <a:r>
-              <a:rPr lang="en-US" sz="2400" b="1" dirty="0">
+            <a:pPr marL="457200" indent="-457200" fontAlgn="base">
+              <a:buFont typeface="+mj-lt"/>
+              <a:buAutoNum type="arabicPeriod"/>
+            </a:pPr>
+            <a:r>
+              <a:rPr lang="en-US" b="1" dirty="0"/>
+              <a:t>RDD</a:t>
+            </a:r>
+            <a:r>
+              <a:rPr lang="en-US" dirty="0"/>
+              <a:t> is the fundamental data structure of Spark. </a:t>
+            </a:r>
+          </a:p>
+          <a:p>
+            <a:pPr marL="457200" indent="-457200" fontAlgn="base">
+              <a:buFont typeface="+mj-lt"/>
+              <a:buAutoNum type="arabicPeriod"/>
+            </a:pPr>
+            <a:r>
+              <a:rPr lang="en-US" dirty="0"/>
+              <a:t>RDD  is an </a:t>
+            </a:r>
+            <a:r>
+              <a:rPr lang="en-US" b="1" u="sng" dirty="0"/>
+              <a:t>immutable</a:t>
+            </a:r>
+            <a:r>
+              <a:rPr lang="en-US" dirty="0"/>
+              <a:t> collection of objects which                                computes on the different node of the cluster.</a:t>
+            </a:r>
+          </a:p>
+          <a:p>
+            <a:pPr marL="457200" indent="-457200" fontAlgn="base">
+              <a:buFont typeface="+mj-lt"/>
+              <a:buAutoNum type="arabicPeriod"/>
+            </a:pPr>
+            <a:r>
+              <a:rPr lang="en-US" b="1" u="sng" dirty="0">
                 <a:solidFill>
                   <a:srgbClr val="0070C0"/>
                 </a:solidFill>
               </a:rPr>
-              <a:t>immutable</a:t>
-            </a:r>
-            <a:r>
-              <a:rPr lang="en-US" sz="2400" dirty="0"/>
-              <a:t> (READ-ONLY)</a:t>
-            </a:r>
-          </a:p>
-          <a:p>
-            <a:r>
-              <a:rPr lang="en-US" sz="2400" dirty="0"/>
-              <a:t>RDDs are distributed collections of objects of any type. </a:t>
-            </a:r>
-          </a:p>
-          <a:p>
-            <a:r>
-              <a:rPr lang="en-US" sz="2400" dirty="0"/>
-              <a:t>As the name suggests is a </a:t>
-            </a:r>
-            <a:r>
-              <a:rPr lang="en-US" sz="2400" b="1" dirty="0">
+              <a:t>RDD is Resilient</a:t>
+            </a:r>
+            <a:r>
+              <a:rPr lang="en-US" b="1" dirty="0"/>
+              <a:t>: </a:t>
+            </a:r>
+            <a:r>
+              <a:rPr lang="en-US" dirty="0"/>
+              <a:t>fault-tolerant with the help of RDD lineage graph (</a:t>
+            </a:r>
+            <a:r>
+              <a:rPr lang="en-US" b="1" u="sng" dirty="0">
+                <a:hlinkClick r:id="rId2"/>
+              </a:rPr>
+              <a:t>DAG</a:t>
+            </a:r>
+            <a:r>
+              <a:rPr lang="en-US" dirty="0"/>
+              <a:t>) and so able to recompute missing or damaged partitions due to node failures.</a:t>
+            </a:r>
+          </a:p>
+          <a:p>
+            <a:pPr marL="457200" indent="-457200" fontAlgn="base">
+              <a:buFont typeface="+mj-lt"/>
+              <a:buAutoNum type="arabicPeriod"/>
+            </a:pPr>
+            <a:r>
+              <a:rPr lang="en-US" b="1" u="sng" dirty="0">
                 <a:solidFill>
                   <a:srgbClr val="0070C0"/>
                 </a:solidFill>
               </a:rPr>
-              <a:t>Resilient</a:t>
-            </a:r>
-            <a:r>
-              <a:rPr lang="en-US" sz="2400" dirty="0"/>
-              <a:t> (</a:t>
-            </a:r>
-            <a:r>
-              <a:rPr lang="en-US" sz="2400" b="1" dirty="0"/>
-              <a:t>Fault-tolerant</a:t>
-            </a:r>
-            <a:r>
-              <a:rPr lang="en-US" sz="2400" dirty="0"/>
-              <a:t>) records of data that resides on multiple nodes of a cluster</a:t>
+              <a:t>RDD is Distributed</a:t>
+            </a:r>
+            <a:r>
+              <a:rPr lang="en-US" dirty="0"/>
+              <a:t>,</a:t>
+            </a:r>
+            <a:r>
+              <a:rPr lang="en-US" b="1" dirty="0"/>
+              <a:t> </a:t>
+            </a:r>
+            <a:r>
+              <a:rPr lang="en-US" dirty="0"/>
+              <a:t>since Data resides on multiple nodes.</a:t>
+            </a:r>
+          </a:p>
+          <a:p>
+            <a:pPr marL="457200" indent="-457200" fontAlgn="base">
+              <a:buFont typeface="+mj-lt"/>
+              <a:buAutoNum type="arabicPeriod"/>
+            </a:pPr>
+            <a:r>
+              <a:rPr lang="en-US" b="1" u="sng" dirty="0">
+                <a:solidFill>
+                  <a:srgbClr val="0070C0"/>
+                </a:solidFill>
+              </a:rPr>
+              <a:t>RDD is a Dataset </a:t>
+            </a:r>
+          </a:p>
+          <a:p>
+            <a:pPr lvl="1" fontAlgn="base"/>
+            <a:r>
+              <a:rPr lang="en-US" dirty="0"/>
+              <a:t>Represents records of the data you work with. </a:t>
+            </a:r>
+          </a:p>
+          <a:p>
+            <a:pPr lvl="1" fontAlgn="base"/>
+            <a:r>
+              <a:rPr lang="en-US" dirty="0"/>
+              <a:t>The user can load the data set externally which can be either JSON file, CSV file, text file or database via JDBC with no specific data structure.</a:t>
             </a:r>
           </a:p>
         </p:txBody>
@@ -11019,7 +11885,7 @@
     </p:spTree>
     <p:extLst>
       <p:ext uri="{BB962C8B-B14F-4D97-AF65-F5344CB8AC3E}">
-        <p14:creationId xmlns:p14="http://schemas.microsoft.com/office/powerpoint/2010/main" val="3363444299"/>
+        <p14:creationId xmlns:p14="http://schemas.microsoft.com/office/powerpoint/2010/main" val="1607915906"/>
       </p:ext>
     </p:extLst>
   </p:cSld>
@@ -11093,68 +11959,94 @@
         <p:spPr/>
         <p:txBody>
           <a:bodyPr>
-            <a:normAutofit lnSpcReduction="10000"/>
+            <a:normAutofit/>
           </a:bodyPr>
           <a:lstStyle/>
           <a:p>
             <a:r>
-              <a:rPr lang="en-US" sz="2800" dirty="0"/>
-              <a:t>RDD represents your data in Spark</a:t>
+              <a:rPr lang="en-US" sz="2400" dirty="0"/>
+              <a:t>RDD is the fundamental data structure of Spark. </a:t>
             </a:r>
           </a:p>
           <a:p>
             <a:pPr lvl="1"/>
             <a:r>
-              <a:rPr lang="en-US" sz="2600" dirty="0"/>
-              <a:t> data = Python collection: lists, arrays</a:t>
-            </a:r>
-          </a:p>
-          <a:p>
-            <a:pPr lvl="1"/>
-            <a:r>
-              <a:rPr lang="en-US" sz="2600" dirty="0"/>
-              <a:t> </a:t>
-            </a:r>
-            <a:r>
-              <a:rPr lang="en-US" sz="2800" dirty="0"/>
-              <a:t>data = text files</a:t>
-            </a:r>
-          </a:p>
-          <a:p>
-            <a:pPr lvl="1"/>
-            <a:r>
-              <a:rPr lang="en-US" sz="2800" dirty="0"/>
-              <a:t> data = parquet files, </a:t>
-            </a:r>
-          </a:p>
-          <a:p>
-            <a:pPr lvl="1"/>
-            <a:r>
-              <a:rPr lang="en-US" sz="2800" dirty="0"/>
-              <a:t> data = relational database table, ...</a:t>
-            </a:r>
-          </a:p>
-          <a:p>
-            <a:r>
-              <a:rPr lang="en-US" sz="2800" dirty="0"/>
-              <a:t> RDD : dataset of elements (huge list of elements)</a:t>
-            </a:r>
-          </a:p>
-          <a:p>
-            <a:r>
-              <a:rPr lang="en-US" sz="2800" dirty="0"/>
-              <a:t> RDD can have 100s of billions of elements</a:t>
-            </a:r>
-          </a:p>
-          <a:p>
-            <a:endParaRPr lang="en-US" dirty="0"/>
+              <a:rPr lang="en-US" sz="2200" dirty="0"/>
+              <a:t> Your data (files, collections, …) is represented as an RDD</a:t>
+            </a:r>
+          </a:p>
+          <a:p>
+            <a:r>
+              <a:rPr lang="en-US" sz="2400" dirty="0"/>
+              <a:t>RDDs are </a:t>
+            </a:r>
+            <a:r>
+              <a:rPr lang="en-US" sz="2400" b="1" dirty="0">
+                <a:solidFill>
+                  <a:srgbClr val="0070C0"/>
+                </a:solidFill>
+              </a:rPr>
+              <a:t>immutable</a:t>
+            </a:r>
+            <a:r>
+              <a:rPr lang="en-US" sz="2400" dirty="0"/>
+              <a:t> (READ-ONLY)</a:t>
+            </a:r>
+          </a:p>
+          <a:p>
+            <a:r>
+              <a:rPr lang="en-US" sz="2400" dirty="0"/>
+              <a:t>RDDs are </a:t>
+            </a:r>
+            <a:r>
+              <a:rPr lang="en-US" sz="2400" b="1" dirty="0"/>
+              <a:t>distributed/partitioned </a:t>
+            </a:r>
+            <a:r>
+              <a:rPr lang="en-US" sz="2400" dirty="0"/>
+              <a:t>collections of objects of any type (</a:t>
+            </a:r>
+            <a:r>
+              <a:rPr lang="en-US" sz="2400" b="1" dirty="0"/>
+              <a:t>enable parallel transformations</a:t>
+            </a:r>
+            <a:r>
+              <a:rPr lang="en-US" sz="2400" dirty="0"/>
+              <a:t>) </a:t>
+            </a:r>
+          </a:p>
+          <a:p>
+            <a:r>
+              <a:rPr lang="en-US" sz="2400" dirty="0"/>
+              <a:t>As the name suggests is a </a:t>
+            </a:r>
+            <a:r>
+              <a:rPr lang="en-US" sz="2400" b="1" dirty="0">
+                <a:solidFill>
+                  <a:srgbClr val="0070C0"/>
+                </a:solidFill>
+              </a:rPr>
+              <a:t>Resilient</a:t>
+            </a:r>
+            <a:r>
+              <a:rPr lang="en-US" sz="2400" dirty="0"/>
+              <a:t> (</a:t>
+            </a:r>
+            <a:r>
+              <a:rPr lang="en-US" sz="2400" b="1" dirty="0"/>
+              <a:t>Fault-tolerant</a:t>
+            </a:r>
+            <a:r>
+              <a:rPr lang="en-US" sz="2400" dirty="0"/>
+              <a:t>) records of data that resides on multiple nodes of a cluster</a:t>
+            </a:r>
           </a:p>
         </p:txBody>
       </p:sp>
     </p:spTree>
     <p:extLst>
       <p:ext uri="{BB962C8B-B14F-4D97-AF65-F5344CB8AC3E}">
-        <p14:creationId xmlns:p14="http://schemas.microsoft.com/office/powerpoint/2010/main" val="2316151796"/>
+        <p14:creationId xmlns:p14="http://schemas.microsoft.com/office/powerpoint/2010/main" val="3363444299"/>
       </p:ext>
     </p:extLst>
   </p:cSld>
@@ -11199,14 +12091,12 @@
         </p:nvSpPr>
         <p:spPr/>
         <p:txBody>
-          <a:bodyPr>
-            <a:normAutofit/>
-          </a:bodyPr>
+          <a:bodyPr/>
           <a:lstStyle/>
           <a:p>
             <a:r>
               <a:rPr lang="en-US" dirty="0"/>
-              <a:t>RDD Example: represent billions of integer numbers</a:t>
+              <a:t>RDD = Resilient Distributed Dataset</a:t>
             </a:r>
           </a:p>
         </p:txBody>
@@ -11230,23 +12120,20 @@
         <p:spPr/>
         <p:txBody>
           <a:bodyPr>
-            <a:normAutofit/>
+            <a:normAutofit lnSpcReduction="10000"/>
           </a:bodyPr>
           <a:lstStyle/>
           <a:p>
-            <a:pPr marL="0" indent="0">
-              <a:buNone/>
-            </a:pPr>
             <a:r>
               <a:rPr lang="en-US" sz="2800" dirty="0"/>
-              <a:t>RDD[Integer]</a:t>
+              <a:t>RDD represents your data in Spark</a:t>
             </a:r>
           </a:p>
           <a:p>
             <a:pPr lvl="1"/>
             <a:r>
               <a:rPr lang="en-US" sz="2600" dirty="0"/>
-              <a:t> Each element is an integer</a:t>
+              <a:t> data = Python collection: lists, arrays</a:t>
             </a:r>
           </a:p>
           <a:p>
@@ -11257,78 +12144,44 @@
             </a:r>
             <a:r>
               <a:rPr lang="en-US" sz="2800" dirty="0"/>
-              <a:t>The number of elements can be in billions</a:t>
+              <a:t>data = text files, CSV files</a:t>
             </a:r>
           </a:p>
           <a:p>
             <a:pPr lvl="1"/>
             <a:r>
-              <a:rPr lang="en-US" sz="2800" dirty="0">
-                <a:highlight>
-                  <a:srgbClr val="C0C0C0"/>
-                </a:highlight>
-              </a:rPr>
-              <a:t> Partitioned</a:t>
-            </a:r>
-            <a:r>
               <a:rPr lang="en-US" sz="2800" dirty="0"/>
-              <a:t>: </a:t>
-            </a:r>
-            <a:r>
-              <a:rPr lang="en-US" sz="2800" dirty="0">
-                <a:highlight>
-                  <a:srgbClr val="FFFF00"/>
-                </a:highlight>
-              </a:rPr>
-              <a:t>enable parallelism</a:t>
-            </a:r>
-          </a:p>
-          <a:p>
-            <a:pPr lvl="2"/>
-            <a:r>
-              <a:rPr lang="en-US" sz="2600" dirty="0"/>
-              <a:t>An RDD of 800,000,000,000 can be partitioned to 20,000 chucks, each chunk 40,000,000</a:t>
+              <a:t> data = parquet files, </a:t>
             </a:r>
           </a:p>
           <a:p>
             <a:pPr lvl="1"/>
             <a:r>
               <a:rPr lang="en-US" sz="2800" dirty="0"/>
-              <a:t> </a:t>
-            </a:r>
-            <a:r>
-              <a:rPr lang="en-US" sz="2800" dirty="0">
-                <a:highlight>
-                  <a:srgbClr val="C0C0C0"/>
-                </a:highlight>
-              </a:rPr>
-              <a:t>READ-ONLY</a:t>
-            </a:r>
+              <a:t> data = relational database table, ...</a:t>
+            </a:r>
+          </a:p>
+          <a:p>
             <a:r>
               <a:rPr lang="en-US" sz="2800" dirty="0"/>
-              <a:t>: </a:t>
-            </a:r>
-            <a:r>
-              <a:rPr lang="en-US" sz="2800" dirty="0">
-                <a:highlight>
-                  <a:srgbClr val="FFFF00"/>
-                </a:highlight>
-              </a:rPr>
-              <a:t>eliminates synchronization</a:t>
-            </a:r>
-          </a:p>
-          <a:p>
-            <a:pPr marL="0" indent="0">
-              <a:buNone/>
-            </a:pPr>
-            <a:endParaRPr lang="en-US" sz="2800" dirty="0"/>
+              <a:t> RDD : dataset of elements (huge list of elements)</a:t>
+            </a:r>
+          </a:p>
+          <a:p>
+            <a:r>
+              <a:rPr lang="en-US" sz="2800" dirty="0"/>
+              <a:t> RDD can handle 100s of billions of elements</a:t>
+            </a:r>
+          </a:p>
+          <a:p>
+            <a:endParaRPr lang="en-US" dirty="0"/>
           </a:p>
         </p:txBody>
       </p:sp>
     </p:spTree>
     <p:extLst>
       <p:ext uri="{BB962C8B-B14F-4D97-AF65-F5344CB8AC3E}">
-        <p14:creationId xmlns:p14="http://schemas.microsoft.com/office/powerpoint/2010/main" val="2353076123"/>
+        <p14:creationId xmlns:p14="http://schemas.microsoft.com/office/powerpoint/2010/main" val="2316151796"/>
       </p:ext>
     </p:extLst>
   </p:cSld>
@@ -11371,186 +12224,138 @@
             <p:ph type="title"/>
           </p:nvPr>
         </p:nvSpPr>
-        <p:spPr>
-          <a:xfrm>
-            <a:off x="628650" y="273845"/>
-            <a:ext cx="7886700" cy="605722"/>
-          </a:xfrm>
-        </p:spPr>
-        <p:txBody>
-          <a:bodyPr/>
+        <p:spPr/>
+        <p:txBody>
+          <a:bodyPr>
+            <a:normAutofit/>
+          </a:bodyPr>
           <a:lstStyle/>
           <a:p>
             <a:r>
               <a:rPr lang="en-US" dirty="0"/>
-              <a:t>RDD Examples</a:t>
-            </a:r>
-          </a:p>
-        </p:txBody>
-      </p:sp>
-      <p:pic>
-        <p:nvPicPr>
-          <p:cNvPr id="3" name="Content Placeholder 2" descr="Graphical user interface&#10;&#10;Description automatically generated">
+              <a:t>RDD Example: represent billions of integer numbers</a:t>
+            </a:r>
+          </a:p>
+        </p:txBody>
+      </p:sp>
+      <p:sp>
+        <p:nvSpPr>
+          <p:cNvPr id="5" name="Content Placeholder 4">
             <a:extLst>
               <a:ext uri="{FF2B5EF4-FFF2-40B4-BE49-F238E27FC236}">
-                <a16:creationId xmlns:a16="http://schemas.microsoft.com/office/drawing/2014/main" id="{E93CC5B8-EFF5-208D-6A4E-644E408C848D}"/>
+                <a16:creationId xmlns:a16="http://schemas.microsoft.com/office/drawing/2014/main" id="{C4FE1F5A-47C9-D047-9202-796ADD8B3DB3}"/>
               </a:ext>
             </a:extLst>
           </p:cNvPr>
-          <p:cNvPicPr>
-            <a:picLocks noGrp="1" noChangeAspect="1"/>
-          </p:cNvPicPr>
+          <p:cNvSpPr>
+            <a:spLocks noGrp="1"/>
+          </p:cNvSpPr>
           <p:nvPr>
             <p:ph idx="1"/>
           </p:nvPr>
-        </p:nvPicPr>
-        <p:blipFill>
-          <a:blip r:embed="rId2"/>
-          <a:stretch>
-            <a:fillRect/>
-          </a:stretch>
-        </p:blipFill>
-        <p:spPr>
-          <a:xfrm>
-            <a:off x="946410" y="1323703"/>
-            <a:ext cx="6166022" cy="3545953"/>
-          </a:xfrm>
-        </p:spPr>
-      </p:pic>
-      <p:sp>
-        <p:nvSpPr>
-          <p:cNvPr id="6" name="Title 3">
-            <a:extLst>
-              <a:ext uri="{FF2B5EF4-FFF2-40B4-BE49-F238E27FC236}">
-                <a16:creationId xmlns:a16="http://schemas.microsoft.com/office/drawing/2014/main" id="{71F71CCD-659E-2E72-4D4B-FC40F106C0DF}"/>
-              </a:ext>
-            </a:extLst>
-          </p:cNvPr>
-          <p:cNvSpPr txBox="1">
-            <a:spLocks/>
-          </p:cNvSpPr>
-          <p:nvPr/>
-        </p:nvSpPr>
-        <p:spPr>
-          <a:xfrm>
-            <a:off x="1489166" y="1101634"/>
-            <a:ext cx="1881052" cy="444137"/>
-          </a:xfrm>
-          <a:prstGeom prst="rect">
-            <a:avLst/>
-          </a:prstGeom>
-        </p:spPr>
-        <p:txBody>
-          <a:bodyPr vert="horz" lIns="91440" tIns="45720" rIns="91440" bIns="45720" rtlCol="0" anchor="b">
+        </p:nvSpPr>
+        <p:spPr/>
+        <p:txBody>
+          <a:bodyPr>
             <a:normAutofit/>
           </a:bodyPr>
-          <a:lstStyle>
-            <a:lvl1pPr algn="l" defTabSz="685800" rtl="0" eaLnBrk="1" latinLnBrk="0" hangingPunct="1">
-              <a:lnSpc>
-                <a:spcPct val="90000"/>
-              </a:lnSpc>
-              <a:spcBef>
-                <a:spcPct val="0"/>
-              </a:spcBef>
-              <a:buNone/>
-              <a:defRPr sz="3200" b="0" i="0" kern="1200">
-                <a:solidFill>
-                  <a:schemeClr val="tx1"/>
-                </a:solidFill>
-                <a:latin typeface="Franklin Gothic Medium Cond" panose="020B0606030402020204" pitchFamily="34" charset="0"/>
-                <a:ea typeface="+mj-ea"/>
-                <a:cs typeface="+mj-cs"/>
-              </a:defRPr>
-            </a:lvl1pPr>
-          </a:lstStyle>
-          <a:p>
-            <a:r>
-              <a:rPr lang="en-US" sz="2000" b="1" dirty="0">
-                <a:solidFill>
-                  <a:srgbClr val="0070C0"/>
-                </a:solidFill>
-                <a:latin typeface="Courier" pitchFamily="2" charset="0"/>
-              </a:rPr>
-              <a:t>RDD[String]              </a:t>
-            </a:r>
-            <a:r>
-              <a:rPr lang="en-US" sz="2000" dirty="0">
-                <a:latin typeface="Courier" pitchFamily="2" charset="0"/>
-              </a:rPr>
-              <a:t>                 </a:t>
-            </a:r>
-          </a:p>
-        </p:txBody>
-      </p:sp>
-      <p:sp>
-        <p:nvSpPr>
-          <p:cNvPr id="5" name="Title 3">
-            <a:extLst>
-              <a:ext uri="{FF2B5EF4-FFF2-40B4-BE49-F238E27FC236}">
-                <a16:creationId xmlns:a16="http://schemas.microsoft.com/office/drawing/2014/main" id="{9BF315F7-C0BF-CFB3-2B52-D95A85B13924}"/>
-              </a:ext>
-            </a:extLst>
-          </p:cNvPr>
-          <p:cNvSpPr txBox="1">
-            <a:spLocks/>
-          </p:cNvSpPr>
-          <p:nvPr/>
-        </p:nvSpPr>
-        <p:spPr>
-          <a:xfrm>
-            <a:off x="4206240" y="1101634"/>
-            <a:ext cx="3306786" cy="444137"/>
-          </a:xfrm>
-          <a:prstGeom prst="rect">
-            <a:avLst/>
-          </a:prstGeom>
-        </p:spPr>
-        <p:txBody>
-          <a:bodyPr vert="horz" lIns="91440" tIns="45720" rIns="91440" bIns="45720" rtlCol="0" anchor="b">
-            <a:normAutofit fontScale="85000" lnSpcReduction="10000"/>
-          </a:bodyPr>
-          <a:lstStyle>
-            <a:lvl1pPr algn="l" defTabSz="685800" rtl="0" eaLnBrk="1" latinLnBrk="0" hangingPunct="1">
-              <a:lnSpc>
-                <a:spcPct val="90000"/>
-              </a:lnSpc>
-              <a:spcBef>
-                <a:spcPct val="0"/>
-              </a:spcBef>
-              <a:buNone/>
-              <a:defRPr sz="3200" b="0" i="0" kern="1200">
-                <a:solidFill>
-                  <a:schemeClr val="tx1"/>
-                </a:solidFill>
-                <a:latin typeface="Franklin Gothic Medium Cond" panose="020B0606030402020204" pitchFamily="34" charset="0"/>
-                <a:ea typeface="+mj-ea"/>
-                <a:cs typeface="+mj-cs"/>
-              </a:defRPr>
-            </a:lvl1pPr>
-          </a:lstStyle>
-          <a:p>
-            <a:r>
-              <a:rPr lang="en-US" sz="2000" b="1" dirty="0">
-                <a:solidFill>
-                  <a:srgbClr val="0070C0"/>
-                </a:solidFill>
-                <a:latin typeface="Courier" pitchFamily="2" charset="0"/>
-              </a:rPr>
-              <a:t>RDD[(String, Integer)]              </a:t>
-            </a:r>
-            <a:r>
-              <a:rPr lang="en-US" sz="2000" dirty="0">
-                <a:latin typeface="Courier" pitchFamily="2" charset="0"/>
-              </a:rPr>
-              <a:t>                 </a:t>
-            </a:r>
+          <a:lstStyle/>
+          <a:p>
+            <a:pPr marL="0" indent="0">
+              <a:buNone/>
+            </a:pPr>
+            <a:r>
+              <a:rPr lang="en-US" sz="2800" dirty="0"/>
+              <a:t>RDD[Integer]</a:t>
+            </a:r>
+          </a:p>
+          <a:p>
+            <a:pPr lvl="1"/>
+            <a:r>
+              <a:rPr lang="en-US" sz="2600" dirty="0"/>
+              <a:t> Each element is an integer</a:t>
+            </a:r>
+          </a:p>
+          <a:p>
+            <a:pPr lvl="1"/>
+            <a:r>
+              <a:rPr lang="en-US" sz="2600" dirty="0"/>
+              <a:t> </a:t>
+            </a:r>
+            <a:r>
+              <a:rPr lang="en-US" sz="2800" dirty="0"/>
+              <a:t>The number of elements can be in billions</a:t>
+            </a:r>
+          </a:p>
+          <a:p>
+            <a:pPr lvl="1"/>
+            <a:r>
+              <a:rPr lang="en-US" sz="2800" dirty="0">
+                <a:highlight>
+                  <a:srgbClr val="C0C0C0"/>
+                </a:highlight>
+              </a:rPr>
+              <a:t> Partitioned</a:t>
+            </a:r>
+            <a:r>
+              <a:rPr lang="en-US" sz="2800" dirty="0"/>
+              <a:t>: </a:t>
+            </a:r>
+            <a:r>
+              <a:rPr lang="en-US" sz="2800" dirty="0">
+                <a:highlight>
+                  <a:srgbClr val="FFFF00"/>
+                </a:highlight>
+              </a:rPr>
+              <a:t>enable parallelism</a:t>
+            </a:r>
+          </a:p>
+          <a:p>
+            <a:pPr lvl="2"/>
+            <a:r>
+              <a:rPr lang="en-US" sz="2600" dirty="0"/>
+              <a:t>An RDD of 800,000,000,000 can be partitioned to 20,000 chucks, each chunk 40,000,000</a:t>
+            </a:r>
+          </a:p>
+          <a:p>
+            <a:pPr lvl="1"/>
+            <a:r>
+              <a:rPr lang="en-US" sz="2800" dirty="0"/>
+              <a:t> </a:t>
+            </a:r>
+            <a:r>
+              <a:rPr lang="en-US" sz="2800" dirty="0">
+                <a:highlight>
+                  <a:srgbClr val="C0C0C0"/>
+                </a:highlight>
+              </a:rPr>
+              <a:t>READ-ONLY</a:t>
+            </a:r>
+            <a:r>
+              <a:rPr lang="en-US" sz="2800" dirty="0"/>
+              <a:t>: </a:t>
+            </a:r>
+            <a:r>
+              <a:rPr lang="en-US" sz="2800" dirty="0">
+                <a:highlight>
+                  <a:srgbClr val="FFFF00"/>
+                </a:highlight>
+              </a:rPr>
+              <a:t>eliminates synchronization</a:t>
+            </a:r>
+          </a:p>
+          <a:p>
+            <a:pPr marL="0" indent="0">
+              <a:buNone/>
+            </a:pPr>
+            <a:endParaRPr lang="en-US" sz="2800" dirty="0"/>
           </a:p>
         </p:txBody>
       </p:sp>
     </p:spTree>
     <p:extLst>
       <p:ext uri="{BB962C8B-B14F-4D97-AF65-F5344CB8AC3E}">
-        <p14:creationId xmlns:p14="http://schemas.microsoft.com/office/powerpoint/2010/main" val="3005437323"/>
+        <p14:creationId xmlns:p14="http://schemas.microsoft.com/office/powerpoint/2010/main" val="2353076123"/>
       </p:ext>
     </p:extLst>
   </p:cSld>
@@ -11593,24 +12398,29 @@
             <p:ph type="title"/>
           </p:nvPr>
         </p:nvSpPr>
-        <p:spPr/>
+        <p:spPr>
+          <a:xfrm>
+            <a:off x="628650" y="273845"/>
+            <a:ext cx="7886700" cy="605722"/>
+          </a:xfrm>
+        </p:spPr>
         <p:txBody>
           <a:bodyPr/>
           <a:lstStyle/>
           <a:p>
             <a:r>
               <a:rPr lang="en-US" dirty="0"/>
-              <a:t>RDD Example: RDD[Integer] Partitioned</a:t>
+              <a:t>RDD Examples</a:t>
             </a:r>
           </a:p>
         </p:txBody>
       </p:sp>
       <p:pic>
         <p:nvPicPr>
-          <p:cNvPr id="7" name="Content Placeholder 6" descr="Diagram&#10;&#10;Description automatically generated">
+          <p:cNvPr id="3" name="Content Placeholder 2" descr="Graphical user interface&#10;&#10;Description automatically generated">
             <a:extLst>
               <a:ext uri="{FF2B5EF4-FFF2-40B4-BE49-F238E27FC236}">
-                <a16:creationId xmlns:a16="http://schemas.microsoft.com/office/drawing/2014/main" id="{507AC232-6997-C37F-562D-ABFF20A8ED37}"/>
+                <a16:creationId xmlns:a16="http://schemas.microsoft.com/office/drawing/2014/main" id="{E93CC5B8-EFF5-208D-6A4E-644E408C848D}"/>
               </a:ext>
             </a:extLst>
           </p:cNvPr>
@@ -11629,15 +12439,145 @@
         </p:blipFill>
         <p:spPr>
           <a:xfrm>
-            <a:off x="836023" y="1026695"/>
-            <a:ext cx="5880497" cy="3605630"/>
+            <a:off x="946410" y="1323703"/>
+            <a:ext cx="6166022" cy="3545953"/>
           </a:xfrm>
         </p:spPr>
       </p:pic>
+      <p:sp>
+        <p:nvSpPr>
+          <p:cNvPr id="6" name="Title 3">
+            <a:extLst>
+              <a:ext uri="{FF2B5EF4-FFF2-40B4-BE49-F238E27FC236}">
+                <a16:creationId xmlns:a16="http://schemas.microsoft.com/office/drawing/2014/main" id="{71F71CCD-659E-2E72-4D4B-FC40F106C0DF}"/>
+              </a:ext>
+            </a:extLst>
+          </p:cNvPr>
+          <p:cNvSpPr txBox="1">
+            <a:spLocks/>
+          </p:cNvSpPr>
+          <p:nvPr/>
+        </p:nvSpPr>
+        <p:spPr>
+          <a:xfrm>
+            <a:off x="1489166" y="1101634"/>
+            <a:ext cx="1881052" cy="444137"/>
+          </a:xfrm>
+          <a:prstGeom prst="rect">
+            <a:avLst/>
+          </a:prstGeom>
+        </p:spPr>
+        <p:txBody>
+          <a:bodyPr vert="horz" lIns="91440" tIns="45720" rIns="91440" bIns="45720" rtlCol="0" anchor="b">
+            <a:normAutofit/>
+          </a:bodyPr>
+          <a:lstStyle>
+            <a:lvl1pPr algn="l" defTabSz="685800" rtl="0" eaLnBrk="1" latinLnBrk="0" hangingPunct="1">
+              <a:lnSpc>
+                <a:spcPct val="90000"/>
+              </a:lnSpc>
+              <a:spcBef>
+                <a:spcPct val="0"/>
+              </a:spcBef>
+              <a:buNone/>
+              <a:defRPr sz="3200" b="0" i="0" kern="1200">
+                <a:solidFill>
+                  <a:schemeClr val="tx1"/>
+                </a:solidFill>
+                <a:latin typeface="Franklin Gothic Medium Cond" panose="020B0606030402020204" pitchFamily="34" charset="0"/>
+                <a:ea typeface="+mj-ea"/>
+                <a:cs typeface="+mj-cs"/>
+              </a:defRPr>
+            </a:lvl1pPr>
+          </a:lstStyle>
+          <a:p>
+            <a:r>
+              <a:rPr lang="en-US" sz="2000" b="1" dirty="0">
+                <a:solidFill>
+                  <a:srgbClr val="0070C0"/>
+                </a:solidFill>
+                <a:latin typeface="Courier" pitchFamily="2" charset="0"/>
+              </a:rPr>
+              <a:t>RDD[String]              </a:t>
+            </a:r>
+            <a:r>
+              <a:rPr lang="en-US" sz="2000" dirty="0">
+                <a:latin typeface="Courier" pitchFamily="2" charset="0"/>
+              </a:rPr>
+              <a:t>                 </a:t>
+            </a:r>
+          </a:p>
+        </p:txBody>
+      </p:sp>
+      <p:sp>
+        <p:nvSpPr>
+          <p:cNvPr id="5" name="Title 3">
+            <a:extLst>
+              <a:ext uri="{FF2B5EF4-FFF2-40B4-BE49-F238E27FC236}">
+                <a16:creationId xmlns:a16="http://schemas.microsoft.com/office/drawing/2014/main" id="{9BF315F7-C0BF-CFB3-2B52-D95A85B13924}"/>
+              </a:ext>
+            </a:extLst>
+          </p:cNvPr>
+          <p:cNvSpPr txBox="1">
+            <a:spLocks/>
+          </p:cNvSpPr>
+          <p:nvPr/>
+        </p:nvSpPr>
+        <p:spPr>
+          <a:xfrm>
+            <a:off x="4206240" y="1101634"/>
+            <a:ext cx="3306786" cy="444137"/>
+          </a:xfrm>
+          <a:prstGeom prst="rect">
+            <a:avLst/>
+          </a:prstGeom>
+        </p:spPr>
+        <p:txBody>
+          <a:bodyPr vert="horz" lIns="91440" tIns="45720" rIns="91440" bIns="45720" rtlCol="0" anchor="b">
+            <a:normAutofit fontScale="85000" lnSpcReduction="10000"/>
+          </a:bodyPr>
+          <a:lstStyle>
+            <a:lvl1pPr algn="l" defTabSz="685800" rtl="0" eaLnBrk="1" latinLnBrk="0" hangingPunct="1">
+              <a:lnSpc>
+                <a:spcPct val="90000"/>
+              </a:lnSpc>
+              <a:spcBef>
+                <a:spcPct val="0"/>
+              </a:spcBef>
+              <a:buNone/>
+              <a:defRPr sz="3200" b="0" i="0" kern="1200">
+                <a:solidFill>
+                  <a:schemeClr val="tx1"/>
+                </a:solidFill>
+                <a:latin typeface="Franklin Gothic Medium Cond" panose="020B0606030402020204" pitchFamily="34" charset="0"/>
+                <a:ea typeface="+mj-ea"/>
+                <a:cs typeface="+mj-cs"/>
+              </a:defRPr>
+            </a:lvl1pPr>
+          </a:lstStyle>
+          <a:p>
+            <a:r>
+              <a:rPr lang="en-US" sz="2000" b="1" dirty="0">
+                <a:solidFill>
+                  <a:srgbClr val="0070C0"/>
+                </a:solidFill>
+                <a:latin typeface="Courier" pitchFamily="2" charset="0"/>
+              </a:rPr>
+              <a:t>RDD[(String, Integer)]              </a:t>
+            </a:r>
+            <a:r>
+              <a:rPr lang="en-US" sz="2000" dirty="0">
+                <a:latin typeface="Courier" pitchFamily="2" charset="0"/>
+              </a:rPr>
+              <a:t>                 </a:t>
+            </a:r>
+          </a:p>
+        </p:txBody>
+      </p:sp>
     </p:spTree>
     <p:extLst>
       <p:ext uri="{BB962C8B-B14F-4D97-AF65-F5344CB8AC3E}">
-        <p14:creationId xmlns:p14="http://schemas.microsoft.com/office/powerpoint/2010/main" val="506639000"/>
+        <p14:creationId xmlns:p14="http://schemas.microsoft.com/office/powerpoint/2010/main" val="3005437323"/>
       </p:ext>
     </p:extLst>
   </p:cSld>
@@ -11694,8 +12634,13 @@
           <a:p>
             <a:r>
               <a:rPr lang="en-US" dirty="0"/>
-              <a:t>RDD Creation: from Python Collections</a:t>
-            </a:r>
+              <a:t>RDD Partitions: </a:t>
+            </a:r>
+            <a:r>
+              <a:rPr lang="en-US" sz="3100" dirty="0"/>
+              <a:t>Enable Parallel Transformations/Analytics</a:t>
+            </a:r>
+            <a:endParaRPr lang="en-US" dirty="0"/>
           </a:p>
         </p:txBody>
       </p:sp>
@@ -11723,7 +12668,7 @@
         </p:spPr>
         <p:txBody>
           <a:bodyPr>
-            <a:normAutofit fontScale="92500" lnSpcReduction="20000"/>
+            <a:normAutofit fontScale="92500"/>
           </a:bodyPr>
           <a:lstStyle/>
           <a:p>
@@ -11732,12 +12677,9 @@
             </a:pPr>
             <a:r>
               <a:rPr lang="en-US" dirty="0">
-                <a:highlight>
-                  <a:srgbClr val="FFFF00"/>
-                </a:highlight>
-                <a:latin typeface="Courier" pitchFamily="2" charset="0"/>
-              </a:rPr>
-              <a:t># 1. import required library</a:t>
+                <a:latin typeface="Courier" pitchFamily="2" charset="0"/>
+              </a:rPr>
+              <a:t>In the next slide:</a:t>
             </a:r>
           </a:p>
           <a:p>
@@ -11748,26 +12690,80 @@
               <a:rPr lang="en-US" dirty="0">
                 <a:latin typeface="Courier" pitchFamily="2" charset="0"/>
               </a:rPr>
-              <a:t>from </a:t>
-            </a:r>
-            <a:r>
-              <a:rPr lang="en-US" dirty="0" err="1">
-                <a:latin typeface="Courier" pitchFamily="2" charset="0"/>
-              </a:rPr>
-              <a:t>pyspark.sql</a:t>
-            </a:r>
-            <a:r>
-              <a:rPr lang="en-US" dirty="0">
-                <a:latin typeface="Courier" pitchFamily="2" charset="0"/>
-              </a:rPr>
-              <a:t> import </a:t>
-            </a:r>
-            <a:r>
-              <a:rPr lang="en-US" dirty="0" err="1">
-                <a:latin typeface="Courier" pitchFamily="2" charset="0"/>
-              </a:rPr>
-              <a:t>SparkSession</a:t>
-            </a:r>
+              <a:t>There is an RDD[Integer] with 4 partitions:</a:t>
+            </a:r>
+          </a:p>
+          <a:p>
+            <a:pPr marL="0" indent="0">
+              <a:buNone/>
+            </a:pPr>
+            <a:r>
+              <a:rPr lang="en-US" dirty="0">
+                <a:latin typeface="Courier" pitchFamily="2" charset="0"/>
+              </a:rPr>
+              <a:t>RDD = { </a:t>
+            </a:r>
+            <a:r>
+              <a:rPr lang="en-US" sz="1600" dirty="0">
+                <a:latin typeface="Courier" pitchFamily="2" charset="0"/>
+              </a:rPr>
+              <a:t>Partition-1, Partition-2, Partition-3, Partition-4 </a:t>
+            </a:r>
+            <a:r>
+              <a:rPr lang="en-US" dirty="0">
+                <a:latin typeface="Courier" pitchFamily="2" charset="0"/>
+              </a:rPr>
+              <a:t>}</a:t>
+            </a:r>
+          </a:p>
+          <a:p>
+            <a:pPr marL="0" indent="0">
+              <a:buNone/>
+            </a:pPr>
+            <a:r>
+              <a:rPr lang="en-US" dirty="0">
+                <a:latin typeface="Courier" pitchFamily="2" charset="0"/>
+              </a:rPr>
+              <a:t>Partition-1: {1, 3} </a:t>
+            </a:r>
+          </a:p>
+          <a:p>
+            <a:pPr marL="0" indent="0">
+              <a:buNone/>
+            </a:pPr>
+            <a:r>
+              <a:rPr lang="en-US" dirty="0">
+                <a:latin typeface="Courier" pitchFamily="2" charset="0"/>
+              </a:rPr>
+              <a:t>Partition-2: {5, 7}</a:t>
+            </a:r>
+          </a:p>
+          <a:p>
+            <a:pPr marL="0" indent="0">
+              <a:buNone/>
+            </a:pPr>
+            <a:r>
+              <a:rPr lang="en-US" dirty="0">
+                <a:latin typeface="Courier" pitchFamily="2" charset="0"/>
+              </a:rPr>
+              <a:t>Partition-3: {9, 11}</a:t>
+            </a:r>
+          </a:p>
+          <a:p>
+            <a:pPr marL="0" indent="0">
+              <a:buNone/>
+            </a:pPr>
+            <a:r>
+              <a:rPr lang="en-US" dirty="0">
+                <a:latin typeface="Courier" pitchFamily="2" charset="0"/>
+              </a:rPr>
+              <a:t>Partition-4: {13, 15}</a:t>
+            </a:r>
+          </a:p>
+          <a:p>
+            <a:pPr marL="0" indent="0">
+              <a:buNone/>
+            </a:pPr>
             <a:endParaRPr lang="en-US" dirty="0">
               <a:latin typeface="Courier" pitchFamily="2" charset="0"/>
             </a:endParaRPr>
@@ -11778,160 +12774,9 @@
             </a:pPr>
             <a:r>
               <a:rPr lang="en-US" dirty="0">
-                <a:highlight>
-                  <a:srgbClr val="FFFF00"/>
-                </a:highlight>
-                <a:latin typeface="Courier" pitchFamily="2" charset="0"/>
-              </a:rPr>
-              <a:t># 2. create an instance of </a:t>
-            </a:r>
-            <a:r>
-              <a:rPr lang="en-US" dirty="0" err="1">
-                <a:highlight>
-                  <a:srgbClr val="FFFF00"/>
-                </a:highlight>
-                <a:latin typeface="Courier" pitchFamily="2" charset="0"/>
-              </a:rPr>
-              <a:t>SparkSession</a:t>
-            </a:r>
-            <a:endParaRPr lang="en-US" dirty="0">
-              <a:highlight>
-                <a:srgbClr val="FFFF00"/>
-              </a:highlight>
-              <a:latin typeface="Courier" pitchFamily="2" charset="0"/>
-            </a:endParaRPr>
-          </a:p>
-          <a:p>
-            <a:pPr marL="0" indent="0">
-              <a:buNone/>
-            </a:pPr>
-            <a:r>
-              <a:rPr lang="en-US" dirty="0">
-                <a:latin typeface="Courier" pitchFamily="2" charset="0"/>
-              </a:rPr>
-              <a:t>spark = </a:t>
-            </a:r>
-            <a:r>
-              <a:rPr lang="en-US" dirty="0" err="1">
-                <a:latin typeface="Courier" pitchFamily="2" charset="0"/>
-              </a:rPr>
-              <a:t>SparkSession.builder.getOrCreate</a:t>
-            </a:r>
-            <a:r>
-              <a:rPr lang="en-US" dirty="0">
-                <a:latin typeface="Courier" pitchFamily="2" charset="0"/>
-              </a:rPr>
-              <a:t>()</a:t>
-            </a:r>
-          </a:p>
-          <a:p>
-            <a:pPr marL="0" indent="0">
-              <a:buNone/>
-            </a:pPr>
-            <a:r>
-              <a:rPr lang="en-US" dirty="0">
-                <a:highlight>
-                  <a:srgbClr val="FFFF00"/>
-                </a:highlight>
-                <a:latin typeface="Courier" pitchFamily="2" charset="0"/>
-              </a:rPr>
-              <a:t># 3. Create a Python collection</a:t>
-            </a:r>
-          </a:p>
-          <a:p>
-            <a:pPr marL="0" indent="0">
-              <a:buNone/>
-            </a:pPr>
-            <a:r>
-              <a:rPr lang="en-US" dirty="0">
-                <a:latin typeface="Courier" pitchFamily="2" charset="0"/>
-              </a:rPr>
-              <a:t>Numbers = [1, 3, 5, 7, 9, 11, 13, 15]</a:t>
-            </a:r>
-          </a:p>
-          <a:p>
-            <a:pPr marL="0" indent="0">
-              <a:buNone/>
-            </a:pPr>
-            <a:r>
-              <a:rPr lang="en-US" dirty="0">
-                <a:highlight>
-                  <a:srgbClr val="FFFF00"/>
-                </a:highlight>
-                <a:latin typeface="Courier" pitchFamily="2" charset="0"/>
-              </a:rPr>
-              <a:t># 4. create an RDD[Integer] from a Python Collection</a:t>
-            </a:r>
-          </a:p>
-          <a:p>
-            <a:pPr marL="0" indent="0">
-              <a:buNone/>
-            </a:pPr>
-            <a:r>
-              <a:rPr lang="en-US" dirty="0" err="1">
-                <a:latin typeface="Courier" pitchFamily="2" charset="0"/>
-              </a:rPr>
-              <a:t>rdd</a:t>
-            </a:r>
-            <a:r>
-              <a:rPr lang="en-US" dirty="0">
-                <a:latin typeface="Courier" pitchFamily="2" charset="0"/>
-              </a:rPr>
-              <a:t> = </a:t>
-            </a:r>
-            <a:r>
-              <a:rPr lang="en-US" dirty="0" err="1">
-                <a:latin typeface="Courier" pitchFamily="2" charset="0"/>
-              </a:rPr>
-              <a:t>spark.sparkContext.parallelize</a:t>
-            </a:r>
-            <a:r>
-              <a:rPr lang="en-US" dirty="0">
-                <a:latin typeface="Courier" pitchFamily="2" charset="0"/>
-              </a:rPr>
-              <a:t>(numbers)</a:t>
-            </a:r>
-          </a:p>
-          <a:p>
-            <a:pPr marL="0" indent="0">
-              <a:buNone/>
-            </a:pPr>
-            <a:r>
-              <a:rPr lang="en-US" dirty="0">
-                <a:highlight>
-                  <a:srgbClr val="FFFF00"/>
-                </a:highlight>
-                <a:latin typeface="Courier" pitchFamily="2" charset="0"/>
-              </a:rPr>
-              <a:t># 5. get all elements as a list</a:t>
-            </a:r>
-          </a:p>
-          <a:p>
-            <a:pPr marL="0" indent="0">
-              <a:buNone/>
-            </a:pPr>
-            <a:r>
-              <a:rPr lang="en-US" dirty="0" err="1">
-                <a:latin typeface="Courier" pitchFamily="2" charset="0"/>
-              </a:rPr>
-              <a:t>rdd.collect</a:t>
-            </a:r>
-            <a:r>
-              <a:rPr lang="en-US" dirty="0">
-                <a:latin typeface="Courier" pitchFamily="2" charset="0"/>
-              </a:rPr>
-              <a:t>() </a:t>
-            </a:r>
-          </a:p>
-          <a:p>
-            <a:pPr marL="0" indent="0">
-              <a:buNone/>
-            </a:pPr>
-            <a:r>
-              <a:rPr lang="en-US" dirty="0">
-                <a:latin typeface="Courier" pitchFamily="2" charset="0"/>
-              </a:rPr>
-              <a:t>[1, 3, 5, 7, 9, 11, 13, 15]</a:t>
+                <a:latin typeface="Courier" pitchFamily="2" charset="0"/>
+              </a:rPr>
+              <a:t>When we apply a transformation to this RDD: partitions can be transformed/analyzed in Parallel.</a:t>
             </a:r>
           </a:p>
         </p:txBody>
@@ -11939,7 +12784,7 @@
     </p:spTree>
     <p:extLst>
       <p:ext uri="{BB962C8B-B14F-4D97-AF65-F5344CB8AC3E}">
-        <p14:creationId xmlns:p14="http://schemas.microsoft.com/office/powerpoint/2010/main" val="2536348959"/>
+        <p14:creationId xmlns:p14="http://schemas.microsoft.com/office/powerpoint/2010/main" val="2757772888"/>
       </p:ext>
     </p:extLst>
   </p:cSld>
